--- a/python/TLV_Logistics_flows_v3.pptx
+++ b/python/TLV_Logistics_flows_v3.pptx
@@ -9,12 +9,12 @@
     <p:sldId id="879" r:id="rId3"/>
     <p:sldId id="873" r:id="rId4"/>
     <p:sldId id="260" r:id="rId5"/>
-    <p:sldId id="892" r:id="rId6"/>
-    <p:sldId id="885" r:id="rId7"/>
-    <p:sldId id="268" r:id="rId8"/>
-    <p:sldId id="889" r:id="rId9"/>
-    <p:sldId id="883" r:id="rId10"/>
-    <p:sldId id="891" r:id="rId11"/>
+    <p:sldId id="889" r:id="rId6"/>
+    <p:sldId id="883" r:id="rId7"/>
+    <p:sldId id="891" r:id="rId8"/>
+    <p:sldId id="892" r:id="rId9"/>
+    <p:sldId id="885" r:id="rId10"/>
+    <p:sldId id="268" r:id="rId11"/>
     <p:sldId id="886" r:id="rId12"/>
     <p:sldId id="887" r:id="rId13"/>
     <p:sldId id="888" r:id="rId14"/>
@@ -271,7 +271,7 @@
           <a:p>
             <a:fld id="{D0392EC7-887F-487C-AA14-CE52FBF79F86}" type="datetimeFigureOut">
               <a:rPr lang="en-US" smtClean="0"/>
-              <a:t>7/4/2023</a:t>
+              <a:t>8/7/2023</a:t>
             </a:fld>
             <a:endParaRPr lang="en-US"/>
           </a:p>
@@ -469,7 +469,7 @@
           <a:p>
             <a:fld id="{D0392EC7-887F-487C-AA14-CE52FBF79F86}" type="datetimeFigureOut">
               <a:rPr lang="en-US" smtClean="0"/>
-              <a:t>7/4/2023</a:t>
+              <a:t>8/7/2023</a:t>
             </a:fld>
             <a:endParaRPr lang="en-US"/>
           </a:p>
@@ -677,7 +677,7 @@
           <a:p>
             <a:fld id="{D0392EC7-887F-487C-AA14-CE52FBF79F86}" type="datetimeFigureOut">
               <a:rPr lang="en-US" smtClean="0"/>
-              <a:t>7/4/2023</a:t>
+              <a:t>8/7/2023</a:t>
             </a:fld>
             <a:endParaRPr lang="en-US"/>
           </a:p>
@@ -875,7 +875,7 @@
           <a:p>
             <a:fld id="{D0392EC7-887F-487C-AA14-CE52FBF79F86}" type="datetimeFigureOut">
               <a:rPr lang="en-US" smtClean="0"/>
-              <a:t>7/4/2023</a:t>
+              <a:t>8/7/2023</a:t>
             </a:fld>
             <a:endParaRPr lang="en-US"/>
           </a:p>
@@ -1150,7 +1150,7 @@
           <a:p>
             <a:fld id="{D0392EC7-887F-487C-AA14-CE52FBF79F86}" type="datetimeFigureOut">
               <a:rPr lang="en-US" smtClean="0"/>
-              <a:t>7/4/2023</a:t>
+              <a:t>8/7/2023</a:t>
             </a:fld>
             <a:endParaRPr lang="en-US"/>
           </a:p>
@@ -1415,7 +1415,7 @@
           <a:p>
             <a:fld id="{D0392EC7-887F-487C-AA14-CE52FBF79F86}" type="datetimeFigureOut">
               <a:rPr lang="en-US" smtClean="0"/>
-              <a:t>7/4/2023</a:t>
+              <a:t>8/7/2023</a:t>
             </a:fld>
             <a:endParaRPr lang="en-US"/>
           </a:p>
@@ -1827,7 +1827,7 @@
           <a:p>
             <a:fld id="{D0392EC7-887F-487C-AA14-CE52FBF79F86}" type="datetimeFigureOut">
               <a:rPr lang="en-US" smtClean="0"/>
-              <a:t>7/4/2023</a:t>
+              <a:t>8/7/2023</a:t>
             </a:fld>
             <a:endParaRPr lang="en-US"/>
           </a:p>
@@ -1968,7 +1968,7 @@
           <a:p>
             <a:fld id="{D0392EC7-887F-487C-AA14-CE52FBF79F86}" type="datetimeFigureOut">
               <a:rPr lang="en-US" smtClean="0"/>
-              <a:t>7/4/2023</a:t>
+              <a:t>8/7/2023</a:t>
             </a:fld>
             <a:endParaRPr lang="en-US"/>
           </a:p>
@@ -2081,7 +2081,7 @@
           <a:p>
             <a:fld id="{D0392EC7-887F-487C-AA14-CE52FBF79F86}" type="datetimeFigureOut">
               <a:rPr lang="en-US" smtClean="0"/>
-              <a:t>7/4/2023</a:t>
+              <a:t>8/7/2023</a:t>
             </a:fld>
             <a:endParaRPr lang="en-US"/>
           </a:p>
@@ -2392,7 +2392,7 @@
           <a:p>
             <a:fld id="{D0392EC7-887F-487C-AA14-CE52FBF79F86}" type="datetimeFigureOut">
               <a:rPr lang="en-US" smtClean="0"/>
-              <a:t>7/4/2023</a:t>
+              <a:t>8/7/2023</a:t>
             </a:fld>
             <a:endParaRPr lang="en-US"/>
           </a:p>
@@ -2680,7 +2680,7 @@
           <a:p>
             <a:fld id="{D0392EC7-887F-487C-AA14-CE52FBF79F86}" type="datetimeFigureOut">
               <a:rPr lang="en-US" smtClean="0"/>
-              <a:t>7/4/2023</a:t>
+              <a:t>8/7/2023</a:t>
             </a:fld>
             <a:endParaRPr lang="en-US"/>
           </a:p>
@@ -2921,7 +2921,7 @@
           <a:p>
             <a:fld id="{D0392EC7-887F-487C-AA14-CE52FBF79F86}" type="datetimeFigureOut">
               <a:rPr lang="en-US" smtClean="0"/>
-              <a:t>7/4/2023</a:t>
+              <a:t>8/7/2023</a:t>
             </a:fld>
             <a:endParaRPr lang="en-US"/>
           </a:p>
@@ -3467,10 +3467,10 @@
       </p:grpSpPr>
       <p:sp>
         <p:nvSpPr>
-          <p:cNvPr id="5" name="Rounded Rectangle 8">
-            <a:extLst>
-              <a:ext uri="{FF2B5EF4-FFF2-40B4-BE49-F238E27FC236}">
-                <a16:creationId xmlns:a16="http://schemas.microsoft.com/office/drawing/2014/main" id="{A35B7F23-E196-C9AF-E261-67520B7507E8}"/>
+          <p:cNvPr id="3" name="Rounded Rectangle 8">
+            <a:extLst>
+              <a:ext uri="{FF2B5EF4-FFF2-40B4-BE49-F238E27FC236}">
+                <a16:creationId xmlns:a16="http://schemas.microsoft.com/office/drawing/2014/main" id="{8D36C60B-8237-6E0F-1C9D-D33A856C8C7F}"/>
               </a:ext>
             </a:extLst>
           </p:cNvPr>
@@ -3479,8 +3479,8 @@
         </p:nvSpPr>
         <p:spPr>
           <a:xfrm>
-            <a:off x="8135932" y="549476"/>
-            <a:ext cx="2272972" cy="440864"/>
+            <a:off x="6096000" y="576227"/>
+            <a:ext cx="1607265" cy="440864"/>
           </a:xfrm>
           <a:prstGeom prst="roundRect">
             <a:avLst/>
@@ -3519,7 +3519,110 @@
                   <a:schemeClr val="tx1"/>
                 </a:solidFill>
               </a:rPr>
-              <a:t>tlv_logistics_s2d.js</a:t>
+              <a:t>average_stdev.js</a:t>
+            </a:r>
+          </a:p>
+        </p:txBody>
+      </p:sp>
+      <p:cxnSp>
+        <p:nvCxnSpPr>
+          <p:cNvPr id="4" name="Straight Arrow Connector 3">
+            <a:extLst>
+              <a:ext uri="{FF2B5EF4-FFF2-40B4-BE49-F238E27FC236}">
+                <a16:creationId xmlns:a16="http://schemas.microsoft.com/office/drawing/2014/main" id="{07D77D64-9A7A-506C-5E1C-D944C70AB05E}"/>
+              </a:ext>
+            </a:extLst>
+          </p:cNvPr>
+          <p:cNvCxnSpPr>
+            <a:cxnSpLocks/>
+            <a:endCxn id="3" idx="0"/>
+          </p:cNvCxnSpPr>
+          <p:nvPr/>
+        </p:nvCxnSpPr>
+        <p:spPr>
+          <a:xfrm>
+            <a:off x="6899633" y="214095"/>
+            <a:ext cx="0" cy="362132"/>
+          </a:xfrm>
+          <a:prstGeom prst="straightConnector1">
+            <a:avLst/>
+          </a:prstGeom>
+          <a:ln w="12700">
+            <a:prstDash val="dash"/>
+            <a:headEnd type="none" w="med" len="med"/>
+            <a:tailEnd type="triangle" w="med" len="med"/>
+          </a:ln>
+        </p:spPr>
+        <p:style>
+          <a:lnRef idx="1">
+            <a:schemeClr val="accent1"/>
+          </a:lnRef>
+          <a:fillRef idx="0">
+            <a:schemeClr val="accent1"/>
+          </a:fillRef>
+          <a:effectRef idx="0">
+            <a:schemeClr val="accent1"/>
+          </a:effectRef>
+          <a:fontRef idx="minor">
+            <a:schemeClr val="tx1"/>
+          </a:fontRef>
+        </p:style>
+      </p:cxnSp>
+      <p:sp>
+        <p:nvSpPr>
+          <p:cNvPr id="5" name="Rounded Rectangle 8">
+            <a:extLst>
+              <a:ext uri="{FF2B5EF4-FFF2-40B4-BE49-F238E27FC236}">
+                <a16:creationId xmlns:a16="http://schemas.microsoft.com/office/drawing/2014/main" id="{A35B7F23-E196-C9AF-E261-67520B7507E8}"/>
+              </a:ext>
+            </a:extLst>
+          </p:cNvPr>
+          <p:cNvSpPr/>
+          <p:nvPr/>
+        </p:nvSpPr>
+        <p:spPr>
+          <a:xfrm>
+            <a:off x="8135932" y="549476"/>
+            <a:ext cx="2272972" cy="440864"/>
+          </a:xfrm>
+          <a:prstGeom prst="roundRect">
+            <a:avLst/>
+          </a:prstGeom>
+          <a:noFill/>
+          <a:ln w="12700">
+            <a:solidFill>
+              <a:schemeClr val="tx1"/>
+            </a:solidFill>
+          </a:ln>
+        </p:spPr>
+        <p:style>
+          <a:lnRef idx="2">
+            <a:schemeClr val="accent1">
+              <a:shade val="50000"/>
+            </a:schemeClr>
+          </a:lnRef>
+          <a:fillRef idx="1">
+            <a:schemeClr val="accent1"/>
+          </a:fillRef>
+          <a:effectRef idx="0">
+            <a:schemeClr val="accent1"/>
+          </a:effectRef>
+          <a:fontRef idx="minor">
+            <a:schemeClr val="lt1"/>
+          </a:fontRef>
+        </p:style>
+        <p:txBody>
+          <a:bodyPr rtlCol="0" anchor="ctr"/>
+          <a:lstStyle/>
+          <a:p>
+            <a:pPr algn="ctr"/>
+            <a:r>
+              <a:rPr lang="en-US" sz="1400" dirty="0">
+                <a:solidFill>
+                  <a:schemeClr val="tx1"/>
+                </a:solidFill>
+              </a:rPr>
+              <a:t>street_segments25.js</a:t>
             </a:r>
           </a:p>
         </p:txBody>
@@ -3622,11 +3725,55 @@
                   <a:schemeClr val="tx1"/>
                 </a:solidFill>
               </a:rPr>
-              <a:t>gzip_big_files_tlv_logistics.py</a:t>
-            </a:r>
-          </a:p>
-        </p:txBody>
-      </p:sp>
+              <a:t>gzip_big_files_tlv_logistics_norm.py</a:t>
+            </a:r>
+          </a:p>
+        </p:txBody>
+      </p:sp>
+      <p:cxnSp>
+        <p:nvCxnSpPr>
+          <p:cNvPr id="8" name="Straight Arrow Connector 7">
+            <a:extLst>
+              <a:ext uri="{FF2B5EF4-FFF2-40B4-BE49-F238E27FC236}">
+                <a16:creationId xmlns:a16="http://schemas.microsoft.com/office/drawing/2014/main" id="{AC0F40C7-CFFA-E6B9-DEAE-E115C12A4834}"/>
+              </a:ext>
+            </a:extLst>
+          </p:cNvPr>
+          <p:cNvCxnSpPr>
+            <a:cxnSpLocks/>
+            <a:stCxn id="3" idx="2"/>
+            <a:endCxn id="7" idx="0"/>
+          </p:cNvCxnSpPr>
+          <p:nvPr/>
+        </p:nvCxnSpPr>
+        <p:spPr>
+          <a:xfrm>
+            <a:off x="6899633" y="1017091"/>
+            <a:ext cx="1322007" cy="398027"/>
+          </a:xfrm>
+          <a:prstGeom prst="straightConnector1">
+            <a:avLst/>
+          </a:prstGeom>
+          <a:ln w="12700">
+            <a:headEnd type="none" w="med" len="med"/>
+            <a:tailEnd type="triangle" w="med" len="med"/>
+          </a:ln>
+        </p:spPr>
+        <p:style>
+          <a:lnRef idx="1">
+            <a:schemeClr val="accent1"/>
+          </a:lnRef>
+          <a:fillRef idx="0">
+            <a:schemeClr val="accent1"/>
+          </a:fillRef>
+          <a:effectRef idx="0">
+            <a:schemeClr val="accent1"/>
+          </a:effectRef>
+          <a:fontRef idx="minor">
+            <a:schemeClr val="tx1"/>
+          </a:fontRef>
+        </p:style>
+      </p:cxnSp>
       <p:cxnSp>
         <p:nvCxnSpPr>
           <p:cNvPr id="9" name="Straight Arrow Connector 8">
@@ -3732,10 +3879,10 @@
       </p:sp>
       <p:sp>
         <p:nvSpPr>
-          <p:cNvPr id="20" name="Rounded Rectangle 8">
-            <a:extLst>
-              <a:ext uri="{FF2B5EF4-FFF2-40B4-BE49-F238E27FC236}">
-                <a16:creationId xmlns:a16="http://schemas.microsoft.com/office/drawing/2014/main" id="{78F00FC4-1680-08E5-102B-F316DB1464AF}"/>
+          <p:cNvPr id="19" name="Rounded Rectangle 8">
+            <a:extLst>
+              <a:ext uri="{FF2B5EF4-FFF2-40B4-BE49-F238E27FC236}">
+                <a16:creationId xmlns:a16="http://schemas.microsoft.com/office/drawing/2014/main" id="{70892939-C727-4E06-C48B-5D3183374A43}"/>
               </a:ext>
             </a:extLst>
           </p:cNvPr>
@@ -3744,7 +3891,7 @@
         </p:nvSpPr>
         <p:spPr>
           <a:xfrm>
-            <a:off x="8453545" y="2365036"/>
+            <a:off x="5862961" y="2360785"/>
             <a:ext cx="2272972" cy="440864"/>
           </a:xfrm>
           <a:prstGeom prst="roundRect">
@@ -3784,11 +3931,114 @@
                   <a:schemeClr val="tx1"/>
                 </a:solidFill>
               </a:rPr>
-              <a:t>tlv_logistics_s2d.js.gz</a:t>
-            </a:r>
-          </a:p>
-        </p:txBody>
-      </p:sp>
+              <a:t>average_stdev.js.gz</a:t>
+            </a:r>
+          </a:p>
+        </p:txBody>
+      </p:sp>
+      <p:sp>
+        <p:nvSpPr>
+          <p:cNvPr id="20" name="Rounded Rectangle 8">
+            <a:extLst>
+              <a:ext uri="{FF2B5EF4-FFF2-40B4-BE49-F238E27FC236}">
+                <a16:creationId xmlns:a16="http://schemas.microsoft.com/office/drawing/2014/main" id="{78F00FC4-1680-08E5-102B-F316DB1464AF}"/>
+              </a:ext>
+            </a:extLst>
+          </p:cNvPr>
+          <p:cNvSpPr/>
+          <p:nvPr/>
+        </p:nvSpPr>
+        <p:spPr>
+          <a:xfrm>
+            <a:off x="8453545" y="2365036"/>
+            <a:ext cx="2272972" cy="440864"/>
+          </a:xfrm>
+          <a:prstGeom prst="roundRect">
+            <a:avLst/>
+          </a:prstGeom>
+          <a:noFill/>
+          <a:ln w="12700">
+            <a:solidFill>
+              <a:schemeClr val="tx1"/>
+            </a:solidFill>
+          </a:ln>
+        </p:spPr>
+        <p:style>
+          <a:lnRef idx="2">
+            <a:schemeClr val="accent1">
+              <a:shade val="50000"/>
+            </a:schemeClr>
+          </a:lnRef>
+          <a:fillRef idx="1">
+            <a:schemeClr val="accent1"/>
+          </a:fillRef>
+          <a:effectRef idx="0">
+            <a:schemeClr val="accent1"/>
+          </a:effectRef>
+          <a:fontRef idx="minor">
+            <a:schemeClr val="lt1"/>
+          </a:fontRef>
+        </p:style>
+        <p:txBody>
+          <a:bodyPr rtlCol="0" anchor="ctr"/>
+          <a:lstStyle/>
+          <a:p>
+            <a:pPr algn="ctr"/>
+            <a:r>
+              <a:rPr lang="en-US" sz="1400" dirty="0">
+                <a:solidFill>
+                  <a:schemeClr val="tx1"/>
+                </a:solidFill>
+              </a:rPr>
+              <a:t>street_segments25.js.gz</a:t>
+            </a:r>
+          </a:p>
+        </p:txBody>
+      </p:sp>
+      <p:cxnSp>
+        <p:nvCxnSpPr>
+          <p:cNvPr id="21" name="Straight Arrow Connector 20">
+            <a:extLst>
+              <a:ext uri="{FF2B5EF4-FFF2-40B4-BE49-F238E27FC236}">
+                <a16:creationId xmlns:a16="http://schemas.microsoft.com/office/drawing/2014/main" id="{FDC6BB30-AD80-3324-8559-52AB8401CB6B}"/>
+              </a:ext>
+            </a:extLst>
+          </p:cNvPr>
+          <p:cNvCxnSpPr>
+            <a:cxnSpLocks/>
+            <a:stCxn id="7" idx="2"/>
+            <a:endCxn id="19" idx="0"/>
+          </p:cNvCxnSpPr>
+          <p:nvPr/>
+        </p:nvCxnSpPr>
+        <p:spPr>
+          <a:xfrm flipH="1">
+            <a:off x="6999447" y="1789044"/>
+            <a:ext cx="1222193" cy="571741"/>
+          </a:xfrm>
+          <a:prstGeom prst="straightConnector1">
+            <a:avLst/>
+          </a:prstGeom>
+          <a:ln w="12700">
+            <a:headEnd type="none" w="med" len="med"/>
+            <a:tailEnd type="triangle" w="med" len="med"/>
+          </a:ln>
+        </p:spPr>
+        <p:style>
+          <a:lnRef idx="1">
+            <a:schemeClr val="accent1"/>
+          </a:lnRef>
+          <a:fillRef idx="0">
+            <a:schemeClr val="accent1"/>
+          </a:fillRef>
+          <a:effectRef idx="0">
+            <a:schemeClr val="accent1"/>
+          </a:effectRef>
+          <a:fontRef idx="minor">
+            <a:schemeClr val="tx1"/>
+          </a:fontRef>
+        </p:style>
+      </p:cxnSp>
       <p:cxnSp>
         <p:nvCxnSpPr>
           <p:cNvPr id="24" name="Straight Arrow Connector 23">
@@ -3953,7 +4203,7 @@
                   <a:schemeClr val="tx1"/>
                 </a:solidFill>
               </a:rPr>
-              <a:t>tlv_logistics_web_app</a:t>
+              <a:t>tlv_logistics_norm_web_app</a:t>
             </a:r>
             <a:r>
               <a:rPr lang="en-US" sz="1600" dirty="0">
@@ -3996,7 +4246,18 @@
                   <a:schemeClr val="tx1"/>
                 </a:solidFill>
               </a:rPr>
-              <a:t>tlv_logistics_s2d.js</a:t>
+              <a:t>average_stdev.js</a:t>
+            </a:r>
+          </a:p>
+          <a:p>
+            <a:pPr algn="ctr"/>
+            <a:r>
+              <a:rPr lang="en-US" sz="1400" dirty="0">
+                <a:solidFill>
+                  <a:schemeClr val="tx1"/>
+                </a:solidFill>
+              </a:rPr>
+              <a:t>street_segments25.js</a:t>
             </a:r>
           </a:p>
         </p:txBody>
@@ -4144,11 +4405,55 @@
                   <a:schemeClr val="tx1"/>
                 </a:solidFill>
               </a:rPr>
-              <a:t>upload_tlv_logistics2aws_s3.py</a:t>
-            </a:r>
-          </a:p>
-        </p:txBody>
-      </p:sp>
+              <a:t>upload_tlv_logistics_norm2aws_s3.py</a:t>
+            </a:r>
+          </a:p>
+        </p:txBody>
+      </p:sp>
+      <p:cxnSp>
+        <p:nvCxnSpPr>
+          <p:cNvPr id="61" name="Straight Arrow Connector 60">
+            <a:extLst>
+              <a:ext uri="{FF2B5EF4-FFF2-40B4-BE49-F238E27FC236}">
+                <a16:creationId xmlns:a16="http://schemas.microsoft.com/office/drawing/2014/main" id="{69492C8B-AED6-2E07-9CA1-33C33FAF4C8A}"/>
+              </a:ext>
+            </a:extLst>
+          </p:cNvPr>
+          <p:cNvCxnSpPr>
+            <a:cxnSpLocks/>
+            <a:stCxn id="19" idx="2"/>
+            <a:endCxn id="60" idx="0"/>
+          </p:cNvCxnSpPr>
+          <p:nvPr/>
+        </p:nvCxnSpPr>
+        <p:spPr>
+          <a:xfrm>
+            <a:off x="6999447" y="2801649"/>
+            <a:ext cx="1625605" cy="360953"/>
+          </a:xfrm>
+          <a:prstGeom prst="straightConnector1">
+            <a:avLst/>
+          </a:prstGeom>
+          <a:ln w="12700">
+            <a:headEnd type="none" w="med" len="med"/>
+            <a:tailEnd type="triangle" w="med" len="med"/>
+          </a:ln>
+        </p:spPr>
+        <p:style>
+          <a:lnRef idx="1">
+            <a:schemeClr val="accent1"/>
+          </a:lnRef>
+          <a:fillRef idx="0">
+            <a:schemeClr val="accent1"/>
+          </a:fillRef>
+          <a:effectRef idx="0">
+            <a:schemeClr val="accent1"/>
+          </a:effectRef>
+          <a:fontRef idx="minor">
+            <a:schemeClr val="tx1"/>
+          </a:fontRef>
+        </p:style>
+      </p:cxnSp>
       <p:cxnSp>
         <p:nvCxnSpPr>
           <p:cNvPr id="62" name="Straight Arrow Connector 61">
@@ -4239,7 +4544,7 @@
     </p:spTree>
     <p:extLst>
       <p:ext uri="{BB962C8B-B14F-4D97-AF65-F5344CB8AC3E}">
-        <p14:creationId xmlns:p14="http://schemas.microsoft.com/office/powerpoint/2010/main" val="2632635293"/>
+        <p14:creationId xmlns:p14="http://schemas.microsoft.com/office/powerpoint/2010/main" val="2576986003"/>
       </p:ext>
     </p:extLst>
   </p:cSld>
@@ -5411,7 +5716,7 @@
             <a:pPr lvl="1"/>
             <a:r>
               <a:rPr lang="en-US" dirty="0"/>
-              <a:t>point </a:t>
+              <a:t>split point </a:t>
             </a:r>
             <a:r>
               <a:rPr lang="en-US" dirty="0" err="1"/>
@@ -5419,7 +5724,15 @@
             </a:r>
             <a:r>
               <a:rPr lang="en-US" dirty="0"/>
-              <a:t> layer files to csv </a:t>
+              <a:t> layer files to:  csv for sign text file and to location of signs </a:t>
+            </a:r>
+            <a:r>
+              <a:rPr lang="en-US" dirty="0" err="1"/>
+              <a:t>geojson</a:t>
+            </a:r>
+            <a:r>
+              <a:rPr lang="en-US" dirty="0"/>
+              <a:t> file</a:t>
             </a:r>
           </a:p>
           <a:p>
@@ -5441,18 +5754,14 @@
             <a:pPr lvl="1"/>
             <a:r>
               <a:rPr lang="en-US" dirty="0"/>
-              <a:t>AP manual process of signs that  failed auto process</a:t>
+              <a:t>AP manual process of signs text that  failed auto process</a:t>
             </a:r>
           </a:p>
           <a:p>
             <a:pPr lvl="1"/>
             <a:r>
-              <a:rPr lang="en-US" dirty="0">
-                <a:solidFill>
-                  <a:srgbClr val="FF0000"/>
-                </a:solidFill>
-              </a:rPr>
-              <a:t>step to fill in missing meters when meters are till next intersection or next sign</a:t>
+              <a:rPr lang="en-US" dirty="0"/>
+              <a:t>AP manual fill in missing meters when meters are till next intersection or next sign</a:t>
             </a:r>
           </a:p>
           <a:p>
@@ -5473,7 +5782,7 @@
             <a:pPr lvl="1"/>
             <a:r>
               <a:rPr lang="en-US" dirty="0"/>
-              <a:t>remerge (join) location of signs based on id </a:t>
+              <a:t>remerge (join) based on id : location of signs and supply (hours in week x meters)</a:t>
             </a:r>
           </a:p>
           <a:p>
@@ -5506,34 +5815,18 @@
           <a:p>
             <a:pPr lvl="1"/>
             <a:r>
-              <a:rPr lang="en-US" dirty="0">
-                <a:solidFill>
-                  <a:srgbClr val="FF0000"/>
-                </a:solidFill>
-              </a:rPr>
+              <a:rPr lang="en-US" dirty="0"/>
               <a:t>filter out businesses in big </a:t>
             </a:r>
             <a:r>
-              <a:rPr lang="en-US" dirty="0" err="1">
-                <a:solidFill>
-                  <a:srgbClr val="FF0000"/>
-                </a:solidFill>
-              </a:rPr>
+              <a:rPr lang="en-US" dirty="0" err="1"/>
               <a:t>merkazim_mischariim</a:t>
             </a:r>
             <a:r>
-              <a:rPr lang="en-US" dirty="0">
-                <a:solidFill>
-                  <a:srgbClr val="FF0000"/>
-                </a:solidFill>
-              </a:rPr>
+              <a:rPr lang="en-US" dirty="0"/>
               <a:t> (assume dedicated on-site delivery spaces)</a:t>
             </a:r>
-            <a:endParaRPr lang="he-IL" dirty="0">
-              <a:solidFill>
-                <a:srgbClr val="FF0000"/>
-              </a:solidFill>
-            </a:endParaRPr>
+            <a:endParaRPr lang="he-IL" dirty="0"/>
           </a:p>
         </p:txBody>
       </p:sp>
@@ -5572,7 +5865,7 @@
           <p:cNvPr id="4" name="Title 3">
             <a:extLst>
               <a:ext uri="{FF2B5EF4-FFF2-40B4-BE49-F238E27FC236}">
-                <a16:creationId xmlns:a16="http://schemas.microsoft.com/office/drawing/2014/main" id="{20637E23-8625-101D-CD2C-6A748DAFA244}"/>
+                <a16:creationId xmlns:a16="http://schemas.microsoft.com/office/drawing/2014/main" id="{CF9E78CB-E3FA-87DB-CAD2-79394B882A57}"/>
               </a:ext>
             </a:extLst>
           </p:cNvPr>
@@ -5594,7 +5887,7 @@
                   <a:schemeClr val="tx1"/>
                 </a:solidFill>
               </a:rPr>
-              <a:t>tlv_logistics_norm_web_app</a:t>
+              <a:t>tlv_logistics_web_app</a:t>
             </a:r>
             <a:endParaRPr lang="he-IL" dirty="0"/>
           </a:p>
@@ -5605,7 +5898,7 @@
           <p:cNvPr id="5" name="Text Placeholder 4">
             <a:extLst>
               <a:ext uri="{FF2B5EF4-FFF2-40B4-BE49-F238E27FC236}">
-                <a16:creationId xmlns:a16="http://schemas.microsoft.com/office/drawing/2014/main" id="{4237101C-4051-9C2C-9591-53986D30779B}"/>
+                <a16:creationId xmlns:a16="http://schemas.microsoft.com/office/drawing/2014/main" id="{B9B922A1-053F-FFF2-B6D2-748377BB893A}"/>
               </a:ext>
             </a:extLst>
           </p:cNvPr>
@@ -5628,7 +5921,7 @@
     </p:spTree>
     <p:extLst>
       <p:ext uri="{BB962C8B-B14F-4D97-AF65-F5344CB8AC3E}">
-        <p14:creationId xmlns:p14="http://schemas.microsoft.com/office/powerpoint/2010/main" val="3821522313"/>
+        <p14:creationId xmlns:p14="http://schemas.microsoft.com/office/powerpoint/2010/main" val="449215979"/>
       </p:ext>
     </p:extLst>
   </p:cSld>
@@ -5657,946 +5950,10 @@
       </p:grpSpPr>
       <p:sp>
         <p:nvSpPr>
-          <p:cNvPr id="4" name="Rectangle: Rounded Corners 3">
-            <a:extLst>
-              <a:ext uri="{FF2B5EF4-FFF2-40B4-BE49-F238E27FC236}">
-                <a16:creationId xmlns:a16="http://schemas.microsoft.com/office/drawing/2014/main" id="{43F6B7D0-865C-1A97-8CD5-CF4086852EC4}"/>
-              </a:ext>
-            </a:extLst>
-          </p:cNvPr>
-          <p:cNvSpPr/>
-          <p:nvPr/>
-        </p:nvSpPr>
-        <p:spPr>
-          <a:xfrm>
-            <a:off x="1393883" y="1782570"/>
-            <a:ext cx="2012548" cy="675153"/>
-          </a:xfrm>
-          <a:prstGeom prst="roundRect">
-            <a:avLst/>
-          </a:prstGeom>
-          <a:solidFill>
-            <a:schemeClr val="bg1"/>
-          </a:solidFill>
-          <a:ln w="12700">
-            <a:solidFill>
-              <a:schemeClr val="tx1"/>
-            </a:solidFill>
-          </a:ln>
-        </p:spPr>
-        <p:style>
-          <a:lnRef idx="2">
-            <a:schemeClr val="accent1">
-              <a:shade val="50000"/>
-            </a:schemeClr>
-          </a:lnRef>
-          <a:fillRef idx="1">
-            <a:schemeClr val="accent1"/>
-          </a:fillRef>
-          <a:effectRef idx="0">
-            <a:schemeClr val="accent1"/>
-          </a:effectRef>
-          <a:fontRef idx="minor">
-            <a:schemeClr val="lt1"/>
-          </a:fontRef>
-        </p:style>
-        <p:txBody>
-          <a:bodyPr rtlCol="0" anchor="ctr"/>
-          <a:lstStyle/>
-          <a:p>
-            <a:r>
-              <a:rPr lang="en-US" sz="1400" dirty="0">
-                <a:solidFill>
-                  <a:schemeClr val="tx1"/>
-                </a:solidFill>
-              </a:rPr>
-              <a:t>cf_1_2_buff5.geojson</a:t>
-            </a:r>
-          </a:p>
-          <a:p>
-            <a:r>
-              <a:rPr lang="en-US" sz="1400" dirty="0">
-                <a:solidFill>
-                  <a:schemeClr val="tx1"/>
-                </a:solidFill>
-              </a:rPr>
-              <a:t>cf_1_2_buff25.geojson</a:t>
-            </a:r>
-          </a:p>
-          <a:p>
-            <a:r>
-              <a:rPr lang="en-US" sz="1400" dirty="0">
-                <a:solidFill>
-                  <a:schemeClr val="tx1"/>
-                </a:solidFill>
-              </a:rPr>
-              <a:t>cf_1_2_buff100.geojson</a:t>
-            </a:r>
-          </a:p>
-        </p:txBody>
-      </p:sp>
-      <p:cxnSp>
-        <p:nvCxnSpPr>
-          <p:cNvPr id="5" name="Straight Arrow Connector 4">
-            <a:extLst>
-              <a:ext uri="{FF2B5EF4-FFF2-40B4-BE49-F238E27FC236}">
-                <a16:creationId xmlns:a16="http://schemas.microsoft.com/office/drawing/2014/main" id="{05AC2AFB-1FDC-4EF4-B951-0AA8D313C62C}"/>
-              </a:ext>
-            </a:extLst>
-          </p:cNvPr>
-          <p:cNvCxnSpPr>
-            <a:cxnSpLocks/>
-            <a:stCxn id="4" idx="3"/>
-            <a:endCxn id="27" idx="1"/>
-          </p:cNvCxnSpPr>
-          <p:nvPr/>
-        </p:nvCxnSpPr>
-        <p:spPr>
-          <a:xfrm>
-            <a:off x="3406431" y="2120147"/>
-            <a:ext cx="2226719" cy="254029"/>
-          </a:xfrm>
-          <a:prstGeom prst="straightConnector1">
-            <a:avLst/>
-          </a:prstGeom>
-          <a:ln>
-            <a:tailEnd type="triangle"/>
-          </a:ln>
-        </p:spPr>
-        <p:style>
-          <a:lnRef idx="1">
-            <a:schemeClr val="accent1"/>
-          </a:lnRef>
-          <a:fillRef idx="0">
-            <a:schemeClr val="accent1"/>
-          </a:fillRef>
-          <a:effectRef idx="0">
-            <a:schemeClr val="accent1"/>
-          </a:effectRef>
-          <a:fontRef idx="minor">
-            <a:schemeClr val="tx1"/>
-          </a:fontRef>
-        </p:style>
-      </p:cxnSp>
-      <p:sp>
-        <p:nvSpPr>
-          <p:cNvPr id="9" name="Rectangle: Rounded Corners 8">
-            <a:extLst>
-              <a:ext uri="{FF2B5EF4-FFF2-40B4-BE49-F238E27FC236}">
-                <a16:creationId xmlns:a16="http://schemas.microsoft.com/office/drawing/2014/main" id="{85D40502-1E30-B2CB-3675-5E5764F222FC}"/>
-              </a:ext>
-            </a:extLst>
-          </p:cNvPr>
-          <p:cNvSpPr/>
-          <p:nvPr/>
-        </p:nvSpPr>
-        <p:spPr>
-          <a:xfrm>
-            <a:off x="283493" y="177033"/>
-            <a:ext cx="4233328" cy="391510"/>
-          </a:xfrm>
-          <a:prstGeom prst="roundRect">
-            <a:avLst/>
-          </a:prstGeom>
-          <a:solidFill>
-            <a:schemeClr val="bg1"/>
-          </a:solidFill>
-          <a:ln w="12700">
-            <a:solidFill>
-              <a:schemeClr val="tx1"/>
-            </a:solidFill>
-          </a:ln>
-        </p:spPr>
-        <p:style>
-          <a:lnRef idx="2">
-            <a:schemeClr val="accent1">
-              <a:shade val="50000"/>
-            </a:schemeClr>
-          </a:lnRef>
-          <a:fillRef idx="1">
-            <a:schemeClr val="accent1"/>
-          </a:fillRef>
-          <a:effectRef idx="0">
-            <a:schemeClr val="accent1"/>
-          </a:effectRef>
-          <a:fontRef idx="minor">
-            <a:schemeClr val="lt1"/>
-          </a:fontRef>
-        </p:style>
-        <p:txBody>
-          <a:bodyPr rtlCol="0" anchor="ctr"/>
-          <a:lstStyle/>
-          <a:p>
-            <a:r>
-              <a:rPr lang="en-US" sz="1400" dirty="0">
-                <a:solidFill>
-                  <a:schemeClr val="tx1"/>
-                </a:solidFill>
-              </a:rPr>
-              <a:t>TA_CommFront_1_2_w_streetnames_snapped.geojson</a:t>
-            </a:r>
-          </a:p>
-        </p:txBody>
-      </p:sp>
-      <p:sp>
-        <p:nvSpPr>
-          <p:cNvPr id="11" name="Rectangle 10">
-            <a:extLst>
-              <a:ext uri="{FF2B5EF4-FFF2-40B4-BE49-F238E27FC236}">
-                <a16:creationId xmlns:a16="http://schemas.microsoft.com/office/drawing/2014/main" id="{82B0AC46-7024-6F1B-CB35-A377CC742B93}"/>
-              </a:ext>
-            </a:extLst>
-          </p:cNvPr>
-          <p:cNvSpPr/>
-          <p:nvPr/>
-        </p:nvSpPr>
-        <p:spPr>
-          <a:xfrm>
-            <a:off x="1856103" y="899135"/>
-            <a:ext cx="1122116" cy="361555"/>
-          </a:xfrm>
-          <a:prstGeom prst="rect">
-            <a:avLst/>
-          </a:prstGeom>
-          <a:solidFill>
-            <a:schemeClr val="bg1"/>
-          </a:solidFill>
-          <a:ln w="28575">
-            <a:solidFill>
-              <a:schemeClr val="tx1"/>
-            </a:solidFill>
-          </a:ln>
-        </p:spPr>
-        <p:style>
-          <a:lnRef idx="2">
-            <a:schemeClr val="accent1">
-              <a:shade val="50000"/>
-            </a:schemeClr>
-          </a:lnRef>
-          <a:fillRef idx="1">
-            <a:schemeClr val="accent1"/>
-          </a:fillRef>
-          <a:effectRef idx="0">
-            <a:schemeClr val="accent1"/>
-          </a:effectRef>
-          <a:fontRef idx="minor">
-            <a:schemeClr val="lt1"/>
-          </a:fontRef>
-        </p:style>
-        <p:txBody>
-          <a:bodyPr rtlCol="0" anchor="b"/>
-          <a:lstStyle/>
-          <a:p>
-            <a:pPr algn="ctr"/>
-            <a:r>
-              <a:rPr lang="en-US" sz="1400" dirty="0">
-                <a:solidFill>
-                  <a:schemeClr val="tx1"/>
-                </a:solidFill>
-              </a:rPr>
-              <a:t>buff_cf.py</a:t>
-            </a:r>
-          </a:p>
-        </p:txBody>
-      </p:sp>
-      <p:cxnSp>
-        <p:nvCxnSpPr>
-          <p:cNvPr id="12" name="Straight Arrow Connector 11">
-            <a:extLst>
-              <a:ext uri="{FF2B5EF4-FFF2-40B4-BE49-F238E27FC236}">
-                <a16:creationId xmlns:a16="http://schemas.microsoft.com/office/drawing/2014/main" id="{D64A1888-9E13-E7C9-976C-D23D92156A0E}"/>
-              </a:ext>
-            </a:extLst>
-          </p:cNvPr>
-          <p:cNvCxnSpPr>
-            <a:cxnSpLocks/>
-            <a:stCxn id="9" idx="2"/>
-            <a:endCxn id="11" idx="0"/>
-          </p:cNvCxnSpPr>
-          <p:nvPr/>
-        </p:nvCxnSpPr>
-        <p:spPr>
-          <a:xfrm>
-            <a:off x="2400157" y="568543"/>
-            <a:ext cx="17004" cy="330592"/>
-          </a:xfrm>
-          <a:prstGeom prst="straightConnector1">
-            <a:avLst/>
-          </a:prstGeom>
-          <a:ln>
-            <a:tailEnd type="triangle"/>
-          </a:ln>
-        </p:spPr>
-        <p:style>
-          <a:lnRef idx="1">
-            <a:schemeClr val="accent1"/>
-          </a:lnRef>
-          <a:fillRef idx="0">
-            <a:schemeClr val="accent1"/>
-          </a:fillRef>
-          <a:effectRef idx="0">
-            <a:schemeClr val="accent1"/>
-          </a:effectRef>
-          <a:fontRef idx="minor">
-            <a:schemeClr val="tx1"/>
-          </a:fontRef>
-        </p:style>
-      </p:cxnSp>
-      <p:cxnSp>
-        <p:nvCxnSpPr>
-          <p:cNvPr id="15" name="Straight Arrow Connector 14">
-            <a:extLst>
-              <a:ext uri="{FF2B5EF4-FFF2-40B4-BE49-F238E27FC236}">
-                <a16:creationId xmlns:a16="http://schemas.microsoft.com/office/drawing/2014/main" id="{FCE7B325-D583-BAFC-3BAF-E31B752F36A4}"/>
-              </a:ext>
-            </a:extLst>
-          </p:cNvPr>
-          <p:cNvCxnSpPr>
-            <a:cxnSpLocks/>
-            <a:stCxn id="11" idx="2"/>
-            <a:endCxn id="4" idx="0"/>
-          </p:cNvCxnSpPr>
-          <p:nvPr/>
-        </p:nvCxnSpPr>
-        <p:spPr>
-          <a:xfrm flipH="1">
-            <a:off x="2400157" y="1260690"/>
-            <a:ext cx="17004" cy="521880"/>
-          </a:xfrm>
-          <a:prstGeom prst="straightConnector1">
-            <a:avLst/>
-          </a:prstGeom>
-          <a:ln>
-            <a:tailEnd type="triangle"/>
-          </a:ln>
-        </p:spPr>
-        <p:style>
-          <a:lnRef idx="1">
-            <a:schemeClr val="accent1"/>
-          </a:lnRef>
-          <a:fillRef idx="0">
-            <a:schemeClr val="accent1"/>
-          </a:fillRef>
-          <a:effectRef idx="0">
-            <a:schemeClr val="accent1"/>
-          </a:effectRef>
-          <a:fontRef idx="minor">
-            <a:schemeClr val="tx1"/>
-          </a:fontRef>
-        </p:style>
-      </p:cxnSp>
-      <p:sp>
-        <p:nvSpPr>
-          <p:cNvPr id="27" name="Rectangle 26">
-            <a:extLst>
-              <a:ext uri="{FF2B5EF4-FFF2-40B4-BE49-F238E27FC236}">
-                <a16:creationId xmlns:a16="http://schemas.microsoft.com/office/drawing/2014/main" id="{E37E291B-71DF-01FF-1155-4ABFE87C5EF3}"/>
-              </a:ext>
-            </a:extLst>
-          </p:cNvPr>
-          <p:cNvSpPr/>
-          <p:nvPr/>
-        </p:nvSpPr>
-        <p:spPr>
-          <a:xfrm>
-            <a:off x="5633150" y="2120147"/>
-            <a:ext cx="3077203" cy="508058"/>
-          </a:xfrm>
-          <a:prstGeom prst="rect">
-            <a:avLst/>
-          </a:prstGeom>
-          <a:solidFill>
-            <a:schemeClr val="bg1"/>
-          </a:solidFill>
-          <a:ln w="28575">
-            <a:solidFill>
-              <a:schemeClr val="tx1"/>
-            </a:solidFill>
-          </a:ln>
-        </p:spPr>
-        <p:style>
-          <a:lnRef idx="2">
-            <a:schemeClr val="accent1">
-              <a:shade val="50000"/>
-            </a:schemeClr>
-          </a:lnRef>
-          <a:fillRef idx="1">
-            <a:schemeClr val="accent1"/>
-          </a:fillRef>
-          <a:effectRef idx="0">
-            <a:schemeClr val="accent1"/>
-          </a:effectRef>
-          <a:fontRef idx="minor">
-            <a:schemeClr val="lt1"/>
-          </a:fontRef>
-        </p:style>
-        <p:txBody>
-          <a:bodyPr rtlCol="0" anchor="ctr"/>
-          <a:lstStyle/>
-          <a:p>
-            <a:pPr algn="ctr"/>
-            <a:r>
-              <a:rPr lang="en-US" sz="1400" dirty="0">
-                <a:solidFill>
-                  <a:schemeClr val="tx1"/>
-                </a:solidFill>
-              </a:rPr>
-              <a:t>segments_cf_points_in_poly.py</a:t>
-            </a:r>
-          </a:p>
-        </p:txBody>
-      </p:sp>
-      <p:sp>
-        <p:nvSpPr>
-          <p:cNvPr id="29" name="Rectangle: Rounded Corners 28">
-            <a:extLst>
-              <a:ext uri="{FF2B5EF4-FFF2-40B4-BE49-F238E27FC236}">
-                <a16:creationId xmlns:a16="http://schemas.microsoft.com/office/drawing/2014/main" id="{FF07A0DC-E8FC-4EB5-1278-B4F024F1C380}"/>
-              </a:ext>
-            </a:extLst>
-          </p:cNvPr>
-          <p:cNvSpPr/>
-          <p:nvPr/>
-        </p:nvSpPr>
-        <p:spPr>
-          <a:xfrm>
-            <a:off x="7903250" y="115859"/>
-            <a:ext cx="4005257" cy="601976"/>
-          </a:xfrm>
-          <a:prstGeom prst="roundRect">
-            <a:avLst>
-              <a:gd name="adj" fmla="val 16933"/>
-            </a:avLst>
-          </a:prstGeom>
-          <a:solidFill>
-            <a:schemeClr val="bg1"/>
-          </a:solidFill>
-          <a:ln w="12700">
-            <a:solidFill>
-              <a:schemeClr val="tx1"/>
-            </a:solidFill>
-          </a:ln>
-        </p:spPr>
-        <p:style>
-          <a:lnRef idx="2">
-            <a:schemeClr val="accent1">
-              <a:shade val="50000"/>
-            </a:schemeClr>
-          </a:lnRef>
-          <a:fillRef idx="1">
-            <a:schemeClr val="accent1"/>
-          </a:fillRef>
-          <a:effectRef idx="0">
-            <a:schemeClr val="accent1"/>
-          </a:effectRef>
-          <a:fontRef idx="minor">
-            <a:schemeClr val="lt1"/>
-          </a:fontRef>
-        </p:style>
-        <p:txBody>
-          <a:bodyPr rtlCol="0" anchor="ctr"/>
-          <a:lstStyle/>
-          <a:p>
-            <a:r>
-              <a:rPr lang="en-US" sz="1400" dirty="0" err="1">
-                <a:solidFill>
-                  <a:schemeClr val="tx1"/>
-                </a:solidFill>
-              </a:rPr>
-              <a:t>Trafic</a:t>
-            </a:r>
-            <a:r>
-              <a:rPr lang="en-US" sz="1400" dirty="0">
-                <a:solidFill>
-                  <a:schemeClr val="tx1"/>
-                </a:solidFill>
-              </a:rPr>
-              <a:t> Signs Points </a:t>
-            </a:r>
-            <a:r>
-              <a:rPr lang="en-US" sz="1400" dirty="0" err="1">
-                <a:solidFill>
-                  <a:schemeClr val="tx1"/>
-                </a:solidFill>
-              </a:rPr>
-              <a:t>prika</a:t>
-            </a:r>
-            <a:r>
-              <a:rPr lang="en-US" sz="1400" dirty="0">
-                <a:solidFill>
-                  <a:schemeClr val="tx1"/>
-                </a:solidFill>
-              </a:rPr>
-              <a:t> </a:t>
-            </a:r>
-            <a:r>
-              <a:rPr lang="en-US" sz="1400" dirty="0" err="1">
-                <a:solidFill>
-                  <a:schemeClr val="tx1"/>
-                </a:solidFill>
-              </a:rPr>
-              <a:t>ve</a:t>
-            </a:r>
-            <a:r>
-              <a:rPr lang="en-US" sz="1400" dirty="0">
-                <a:solidFill>
-                  <a:schemeClr val="tx1"/>
-                </a:solidFill>
-              </a:rPr>
-              <a:t> </a:t>
-            </a:r>
-            <a:r>
-              <a:rPr lang="en-US" sz="1400" dirty="0" err="1">
-                <a:solidFill>
-                  <a:schemeClr val="tx1"/>
-                </a:solidFill>
-              </a:rPr>
-              <a:t>teina</a:t>
-            </a:r>
-            <a:r>
-              <a:rPr lang="en-US" sz="1400" dirty="0">
-                <a:solidFill>
-                  <a:schemeClr val="tx1"/>
-                </a:solidFill>
-              </a:rPr>
-              <a:t> v6s_ap.geojson</a:t>
-            </a:r>
-          </a:p>
-          <a:p>
-            <a:r>
-              <a:rPr lang="en-US" sz="1400" dirty="0">
-                <a:solidFill>
-                  <a:schemeClr val="tx1"/>
-                </a:solidFill>
-              </a:rPr>
-              <a:t>tlv_businesses_w_logistics_filtered.csv</a:t>
-            </a:r>
-          </a:p>
-        </p:txBody>
-      </p:sp>
-      <p:cxnSp>
-        <p:nvCxnSpPr>
-          <p:cNvPr id="30" name="Straight Arrow Connector 29">
-            <a:extLst>
-              <a:ext uri="{FF2B5EF4-FFF2-40B4-BE49-F238E27FC236}">
-                <a16:creationId xmlns:a16="http://schemas.microsoft.com/office/drawing/2014/main" id="{1B373A88-EBFB-C5C8-0CD2-32C59BD542E0}"/>
-              </a:ext>
-            </a:extLst>
-          </p:cNvPr>
-          <p:cNvCxnSpPr>
-            <a:cxnSpLocks/>
-            <a:stCxn id="29" idx="2"/>
-            <a:endCxn id="27" idx="0"/>
-          </p:cNvCxnSpPr>
-          <p:nvPr/>
-        </p:nvCxnSpPr>
-        <p:spPr>
-          <a:xfrm flipH="1">
-            <a:off x="7171752" y="717835"/>
-            <a:ext cx="2734127" cy="1402312"/>
-          </a:xfrm>
-          <a:prstGeom prst="straightConnector1">
-            <a:avLst/>
-          </a:prstGeom>
-          <a:ln>
-            <a:tailEnd type="triangle"/>
-          </a:ln>
-        </p:spPr>
-        <p:style>
-          <a:lnRef idx="1">
-            <a:schemeClr val="accent1"/>
-          </a:lnRef>
-          <a:fillRef idx="0">
-            <a:schemeClr val="accent1"/>
-          </a:fillRef>
-          <a:effectRef idx="0">
-            <a:schemeClr val="accent1"/>
-          </a:effectRef>
-          <a:fontRef idx="minor">
-            <a:schemeClr val="tx1"/>
-          </a:fontRef>
-        </p:style>
-      </p:cxnSp>
-      <p:sp>
-        <p:nvSpPr>
-          <p:cNvPr id="55" name="Rectangle 54">
-            <a:extLst>
-              <a:ext uri="{FF2B5EF4-FFF2-40B4-BE49-F238E27FC236}">
-                <a16:creationId xmlns:a16="http://schemas.microsoft.com/office/drawing/2014/main" id="{8021C52D-5360-C00B-85E2-A57E6A24B493}"/>
-              </a:ext>
-            </a:extLst>
-          </p:cNvPr>
-          <p:cNvSpPr/>
-          <p:nvPr/>
-        </p:nvSpPr>
-        <p:spPr>
-          <a:xfrm>
-            <a:off x="4948921" y="225411"/>
-            <a:ext cx="2522229" cy="391510"/>
-          </a:xfrm>
-          <a:prstGeom prst="rect">
-            <a:avLst/>
-          </a:prstGeom>
-          <a:solidFill>
-            <a:schemeClr val="bg1"/>
-          </a:solidFill>
-          <a:ln w="28575">
-            <a:solidFill>
-              <a:schemeClr val="tx1"/>
-            </a:solidFill>
-          </a:ln>
-        </p:spPr>
-        <p:style>
-          <a:lnRef idx="2">
-            <a:schemeClr val="accent1">
-              <a:shade val="50000"/>
-            </a:schemeClr>
-          </a:lnRef>
-          <a:fillRef idx="1">
-            <a:schemeClr val="accent1"/>
-          </a:fillRef>
-          <a:effectRef idx="0">
-            <a:schemeClr val="accent1"/>
-          </a:effectRef>
-          <a:fontRef idx="minor">
-            <a:schemeClr val="lt1"/>
-          </a:fontRef>
-        </p:style>
-        <p:txBody>
-          <a:bodyPr rtlCol="0" anchor="ctr"/>
-          <a:lstStyle/>
-          <a:p>
-            <a:pPr algn="ctr"/>
-            <a:r>
-              <a:rPr lang="en-US" sz="1400" dirty="0">
-                <a:solidFill>
-                  <a:schemeClr val="tx1"/>
-                </a:solidFill>
-              </a:rPr>
-              <a:t>snap_cf_supply_demand.py</a:t>
-            </a:r>
-          </a:p>
-        </p:txBody>
-      </p:sp>
-      <p:cxnSp>
-        <p:nvCxnSpPr>
-          <p:cNvPr id="58" name="Straight Arrow Connector 57">
-            <a:extLst>
-              <a:ext uri="{FF2B5EF4-FFF2-40B4-BE49-F238E27FC236}">
-                <a16:creationId xmlns:a16="http://schemas.microsoft.com/office/drawing/2014/main" id="{AC22EBCE-CB89-4B4F-9155-592B9BBCDEBE}"/>
-              </a:ext>
-            </a:extLst>
-          </p:cNvPr>
-          <p:cNvCxnSpPr>
-            <a:cxnSpLocks/>
-            <a:stCxn id="29" idx="1"/>
-            <a:endCxn id="55" idx="3"/>
-          </p:cNvCxnSpPr>
-          <p:nvPr/>
-        </p:nvCxnSpPr>
-        <p:spPr>
-          <a:xfrm flipH="1">
-            <a:off x="7471150" y="416847"/>
-            <a:ext cx="432100" cy="4319"/>
-          </a:xfrm>
-          <a:prstGeom prst="straightConnector1">
-            <a:avLst/>
-          </a:prstGeom>
-          <a:ln>
-            <a:tailEnd type="triangle"/>
-          </a:ln>
-        </p:spPr>
-        <p:style>
-          <a:lnRef idx="1">
-            <a:schemeClr val="accent1"/>
-          </a:lnRef>
-          <a:fillRef idx="0">
-            <a:schemeClr val="accent1"/>
-          </a:fillRef>
-          <a:effectRef idx="0">
-            <a:schemeClr val="accent1"/>
-          </a:effectRef>
-          <a:fontRef idx="minor">
-            <a:schemeClr val="tx1"/>
-          </a:fontRef>
-        </p:style>
-      </p:cxnSp>
-      <p:cxnSp>
-        <p:nvCxnSpPr>
-          <p:cNvPr id="61" name="Straight Arrow Connector 60">
-            <a:extLst>
-              <a:ext uri="{FF2B5EF4-FFF2-40B4-BE49-F238E27FC236}">
-                <a16:creationId xmlns:a16="http://schemas.microsoft.com/office/drawing/2014/main" id="{AE708EED-9C9B-0ED1-0E8B-B60A70DB73C1}"/>
-              </a:ext>
-            </a:extLst>
-          </p:cNvPr>
-          <p:cNvCxnSpPr>
-            <a:cxnSpLocks/>
-            <a:stCxn id="55" idx="2"/>
-            <a:endCxn id="76" idx="0"/>
-          </p:cNvCxnSpPr>
-          <p:nvPr/>
-        </p:nvCxnSpPr>
-        <p:spPr>
-          <a:xfrm flipH="1">
-            <a:off x="5711099" y="616921"/>
-            <a:ext cx="498937" cy="370523"/>
-          </a:xfrm>
-          <a:prstGeom prst="straightConnector1">
-            <a:avLst/>
-          </a:prstGeom>
-          <a:ln>
-            <a:tailEnd type="triangle"/>
-          </a:ln>
-        </p:spPr>
-        <p:style>
-          <a:lnRef idx="1">
-            <a:schemeClr val="accent1"/>
-          </a:lnRef>
-          <a:fillRef idx="0">
-            <a:schemeClr val="accent1"/>
-          </a:fillRef>
-          <a:effectRef idx="0">
-            <a:schemeClr val="accent1"/>
-          </a:effectRef>
-          <a:fontRef idx="minor">
-            <a:schemeClr val="tx1"/>
-          </a:fontRef>
-        </p:style>
-      </p:cxnSp>
-      <p:sp>
-        <p:nvSpPr>
-          <p:cNvPr id="76" name="Rectangle: Rounded Corners 75">
-            <a:extLst>
-              <a:ext uri="{FF2B5EF4-FFF2-40B4-BE49-F238E27FC236}">
-                <a16:creationId xmlns:a16="http://schemas.microsoft.com/office/drawing/2014/main" id="{087A3D2F-0271-A075-3F42-CAEB34DF3F3C}"/>
-              </a:ext>
-            </a:extLst>
-          </p:cNvPr>
-          <p:cNvSpPr/>
-          <p:nvPr/>
-        </p:nvSpPr>
-        <p:spPr>
-          <a:xfrm>
-            <a:off x="3430982" y="987444"/>
-            <a:ext cx="4560234" cy="526049"/>
-          </a:xfrm>
-          <a:prstGeom prst="roundRect">
-            <a:avLst>
-              <a:gd name="adj" fmla="val 16933"/>
-            </a:avLst>
-          </a:prstGeom>
-          <a:solidFill>
-            <a:schemeClr val="bg1"/>
-          </a:solidFill>
-          <a:ln w="12700">
-            <a:solidFill>
-              <a:schemeClr val="tx1"/>
-            </a:solidFill>
-          </a:ln>
-        </p:spPr>
-        <p:style>
-          <a:lnRef idx="2">
-            <a:schemeClr val="accent1">
-              <a:shade val="50000"/>
-            </a:schemeClr>
-          </a:lnRef>
-          <a:fillRef idx="1">
-            <a:schemeClr val="accent1"/>
-          </a:fillRef>
-          <a:effectRef idx="0">
-            <a:schemeClr val="accent1"/>
-          </a:effectRef>
-          <a:fontRef idx="minor">
-            <a:schemeClr val="lt1"/>
-          </a:fontRef>
-        </p:style>
-        <p:txBody>
-          <a:bodyPr rtlCol="0" anchor="ctr"/>
-          <a:lstStyle/>
-          <a:p>
-            <a:r>
-              <a:rPr lang="en-US" sz="1400" dirty="0" err="1">
-                <a:solidFill>
-                  <a:schemeClr val="tx1"/>
-                </a:solidFill>
-              </a:rPr>
-              <a:t>Trafic</a:t>
-            </a:r>
-            <a:r>
-              <a:rPr lang="en-US" sz="1400" dirty="0">
-                <a:solidFill>
-                  <a:schemeClr val="tx1"/>
-                </a:solidFill>
-              </a:rPr>
-              <a:t> Signs Points </a:t>
-            </a:r>
-            <a:r>
-              <a:rPr lang="en-US" sz="1400" dirty="0" err="1">
-                <a:solidFill>
-                  <a:schemeClr val="tx1"/>
-                </a:solidFill>
-              </a:rPr>
-              <a:t>prika</a:t>
-            </a:r>
-            <a:r>
-              <a:rPr lang="en-US" sz="1400" dirty="0">
-                <a:solidFill>
-                  <a:schemeClr val="tx1"/>
-                </a:solidFill>
-              </a:rPr>
-              <a:t> </a:t>
-            </a:r>
-            <a:r>
-              <a:rPr lang="en-US" sz="1400" dirty="0" err="1">
-                <a:solidFill>
-                  <a:schemeClr val="tx1"/>
-                </a:solidFill>
-              </a:rPr>
-              <a:t>ve</a:t>
-            </a:r>
-            <a:r>
-              <a:rPr lang="en-US" sz="1400" dirty="0">
-                <a:solidFill>
-                  <a:schemeClr val="tx1"/>
-                </a:solidFill>
-              </a:rPr>
-              <a:t> </a:t>
-            </a:r>
-            <a:r>
-              <a:rPr lang="en-US" sz="1400" dirty="0" err="1">
-                <a:solidFill>
-                  <a:schemeClr val="tx1"/>
-                </a:solidFill>
-              </a:rPr>
-              <a:t>teina</a:t>
-            </a:r>
-            <a:r>
-              <a:rPr lang="en-US" sz="1400" dirty="0">
-                <a:solidFill>
-                  <a:schemeClr val="tx1"/>
-                </a:solidFill>
-              </a:rPr>
-              <a:t> v6s_ap snap100 </a:t>
-            </a:r>
-            <a:r>
-              <a:rPr lang="en-US" sz="1400" dirty="0" err="1">
-                <a:solidFill>
-                  <a:schemeClr val="tx1"/>
-                </a:solidFill>
-              </a:rPr>
-              <a:t>cf.geojson</a:t>
-            </a:r>
-            <a:endParaRPr lang="en-US" sz="1400" dirty="0">
-              <a:solidFill>
-                <a:schemeClr val="tx1"/>
-              </a:solidFill>
-            </a:endParaRPr>
-          </a:p>
-          <a:p>
-            <a:r>
-              <a:rPr lang="en-US" sz="1400" dirty="0">
-                <a:solidFill>
-                  <a:schemeClr val="tx1"/>
-                </a:solidFill>
-              </a:rPr>
-              <a:t>tlv_businesses_w_logistics_filtered_snap100_cf.geojson</a:t>
-            </a:r>
-          </a:p>
-        </p:txBody>
-      </p:sp>
-      <p:cxnSp>
-        <p:nvCxnSpPr>
-          <p:cNvPr id="86" name="Straight Arrow Connector 85">
-            <a:extLst>
-              <a:ext uri="{FF2B5EF4-FFF2-40B4-BE49-F238E27FC236}">
-                <a16:creationId xmlns:a16="http://schemas.microsoft.com/office/drawing/2014/main" id="{DC680E5E-9B18-1F72-3696-16F67613B9AF}"/>
-              </a:ext>
-            </a:extLst>
-          </p:cNvPr>
-          <p:cNvCxnSpPr>
-            <a:cxnSpLocks/>
-            <a:stCxn id="76" idx="2"/>
-            <a:endCxn id="27" idx="0"/>
-          </p:cNvCxnSpPr>
-          <p:nvPr/>
-        </p:nvCxnSpPr>
-        <p:spPr>
-          <a:xfrm>
-            <a:off x="5711099" y="1513493"/>
-            <a:ext cx="1460653" cy="606654"/>
-          </a:xfrm>
-          <a:prstGeom prst="straightConnector1">
-            <a:avLst/>
-          </a:prstGeom>
-          <a:ln>
-            <a:tailEnd type="triangle"/>
-          </a:ln>
-        </p:spPr>
-        <p:style>
-          <a:lnRef idx="1">
-            <a:schemeClr val="accent1"/>
-          </a:lnRef>
-          <a:fillRef idx="0">
-            <a:schemeClr val="accent1"/>
-          </a:fillRef>
-          <a:effectRef idx="0">
-            <a:schemeClr val="accent1"/>
-          </a:effectRef>
-          <a:fontRef idx="minor">
-            <a:schemeClr val="tx1"/>
-          </a:fontRef>
-        </p:style>
-      </p:cxnSp>
-      <p:cxnSp>
-        <p:nvCxnSpPr>
-          <p:cNvPr id="115" name="Straight Arrow Connector 114">
-            <a:extLst>
-              <a:ext uri="{FF2B5EF4-FFF2-40B4-BE49-F238E27FC236}">
-                <a16:creationId xmlns:a16="http://schemas.microsoft.com/office/drawing/2014/main" id="{A2A2A8C5-424C-6ECC-178C-C44DECCFE7D9}"/>
-              </a:ext>
-            </a:extLst>
-          </p:cNvPr>
-          <p:cNvCxnSpPr>
-            <a:cxnSpLocks/>
-            <a:stCxn id="9" idx="3"/>
-            <a:endCxn id="55" idx="1"/>
-          </p:cNvCxnSpPr>
-          <p:nvPr/>
-        </p:nvCxnSpPr>
-        <p:spPr>
-          <a:xfrm>
-            <a:off x="4516821" y="372788"/>
-            <a:ext cx="432100" cy="48378"/>
-          </a:xfrm>
-          <a:prstGeom prst="straightConnector1">
-            <a:avLst/>
-          </a:prstGeom>
-          <a:ln>
-            <a:tailEnd type="triangle"/>
-          </a:ln>
-        </p:spPr>
-        <p:style>
-          <a:lnRef idx="1">
-            <a:schemeClr val="accent1"/>
-          </a:lnRef>
-          <a:fillRef idx="0">
-            <a:schemeClr val="accent1"/>
-          </a:fillRef>
-          <a:effectRef idx="0">
-            <a:schemeClr val="accent1"/>
-          </a:effectRef>
-          <a:fontRef idx="minor">
-            <a:schemeClr val="tx1"/>
-          </a:fontRef>
-        </p:style>
-      </p:cxnSp>
-      <p:sp>
-        <p:nvSpPr>
           <p:cNvPr id="2" name="Rectangle: Rounded Corners 1">
             <a:extLst>
               <a:ext uri="{FF2B5EF4-FFF2-40B4-BE49-F238E27FC236}">
-                <a16:creationId xmlns:a16="http://schemas.microsoft.com/office/drawing/2014/main" id="{9FB5B78F-C86A-3E3C-F09F-1A60B3774115}"/>
+                <a16:creationId xmlns:a16="http://schemas.microsoft.com/office/drawing/2014/main" id="{F6671B1E-3786-D347-84EE-987C09CD4DF4}"/>
               </a:ext>
             </a:extLst>
           </p:cNvPr>
@@ -6664,13 +6021,13 @@
           <p:cNvPr id="3" name="Straight Arrow Connector 2">
             <a:extLst>
               <a:ext uri="{FF2B5EF4-FFF2-40B4-BE49-F238E27FC236}">
-                <a16:creationId xmlns:a16="http://schemas.microsoft.com/office/drawing/2014/main" id="{334BCD11-EDA3-C15B-AF57-9852C7E38F1D}"/>
+                <a16:creationId xmlns:a16="http://schemas.microsoft.com/office/drawing/2014/main" id="{A526BCC9-5D95-CED3-DECB-CB7F8AC4B8BF}"/>
               </a:ext>
             </a:extLst>
           </p:cNvPr>
           <p:cNvCxnSpPr>
             <a:cxnSpLocks/>
-            <a:stCxn id="27" idx="2"/>
+            <a:stCxn id="20" idx="2"/>
             <a:endCxn id="2" idx="0"/>
           </p:cNvCxnSpPr>
           <p:nvPr/>
@@ -6704,10 +6061,10 @@
       </p:cxnSp>
       <p:sp>
         <p:nvSpPr>
-          <p:cNvPr id="10" name="Rectangle 9">
-            <a:extLst>
-              <a:ext uri="{FF2B5EF4-FFF2-40B4-BE49-F238E27FC236}">
-                <a16:creationId xmlns:a16="http://schemas.microsoft.com/office/drawing/2014/main" id="{48725868-E89A-6D84-3440-B174ABB89D13}"/>
+          <p:cNvPr id="4" name="Rectangle 3">
+            <a:extLst>
+              <a:ext uri="{FF2B5EF4-FFF2-40B4-BE49-F238E27FC236}">
+                <a16:creationId xmlns:a16="http://schemas.microsoft.com/office/drawing/2014/main" id="{0056EED2-85ED-5669-F9B6-3E5C52AFF815}"/>
               </a:ext>
             </a:extLst>
           </p:cNvPr>
@@ -6758,17 +6115,17 @@
                   <a:schemeClr val="tx1"/>
                 </a:solidFill>
               </a:rPr>
-              <a:t>segments_cf_format_output.py</a:t>
-            </a:r>
-          </a:p>
-        </p:txBody>
-      </p:sp>
-      <p:sp>
-        <p:nvSpPr>
-          <p:cNvPr id="13" name="Rectangle: Rounded Corners 12">
-            <a:extLst>
-              <a:ext uri="{FF2B5EF4-FFF2-40B4-BE49-F238E27FC236}">
-                <a16:creationId xmlns:a16="http://schemas.microsoft.com/office/drawing/2014/main" id="{065E1261-6D75-9435-0F09-8380E237FB72}"/>
+              <a:t>segments_cf_format_abs_output.py</a:t>
+            </a:r>
+          </a:p>
+        </p:txBody>
+      </p:sp>
+      <p:sp>
+        <p:nvSpPr>
+          <p:cNvPr id="5" name="Rectangle: Rounded Corners 4">
+            <a:extLst>
+              <a:ext uri="{FF2B5EF4-FFF2-40B4-BE49-F238E27FC236}">
+                <a16:creationId xmlns:a16="http://schemas.microsoft.com/office/drawing/2014/main" id="{D12DE43C-CA8C-D65C-1F19-8D98B208F713}"/>
               </a:ext>
             </a:extLst>
           </p:cNvPr>
@@ -6821,7 +6178,7 @@
                   <a:schemeClr val="tx1"/>
                 </a:solidFill>
               </a:rPr>
-              <a:t>segments_cf_poly_metrics_norm_4326.geojson</a:t>
+              <a:t>segments_cf_poly_metrics_abs_4326.geojson</a:t>
             </a:r>
           </a:p>
           <a:p>
@@ -6832,35 +6189,24 @@
                   <a:schemeClr val="tx1"/>
                 </a:solidFill>
               </a:rPr>
-              <a:t>street_segments25.js</a:t>
-            </a:r>
-          </a:p>
-          <a:p>
-            <a:pPr algn="ctr"/>
-            <a:r>
-              <a:rPr lang="en-US" sz="1400" dirty="0">
-                <a:solidFill>
-                  <a:schemeClr val="tx1"/>
-                </a:solidFill>
-              </a:rPr>
-              <a:t>average_stdev.js</a:t>
+              <a:t>tlv_logistics_s2d.js</a:t>
             </a:r>
           </a:p>
         </p:txBody>
       </p:sp>
       <p:cxnSp>
         <p:nvCxnSpPr>
-          <p:cNvPr id="14" name="Straight Arrow Connector 13">
-            <a:extLst>
-              <a:ext uri="{FF2B5EF4-FFF2-40B4-BE49-F238E27FC236}">
-                <a16:creationId xmlns:a16="http://schemas.microsoft.com/office/drawing/2014/main" id="{704C3348-56E2-45CA-DD2B-2A1066EDF5FA}"/>
+          <p:cNvPr id="6" name="Straight Arrow Connector 5">
+            <a:extLst>
+              <a:ext uri="{FF2B5EF4-FFF2-40B4-BE49-F238E27FC236}">
+                <a16:creationId xmlns:a16="http://schemas.microsoft.com/office/drawing/2014/main" id="{C3D39D2F-2602-C6A8-9C48-FE07EFDF104E}"/>
               </a:ext>
             </a:extLst>
           </p:cNvPr>
           <p:cNvCxnSpPr>
             <a:cxnSpLocks/>
             <a:stCxn id="2" idx="2"/>
-            <a:endCxn id="10" idx="0"/>
+            <a:endCxn id="4" idx="0"/>
           </p:cNvCxnSpPr>
           <p:nvPr/>
         </p:nvCxnSpPr>
@@ -6893,17 +6239,17 @@
       </p:cxnSp>
       <p:cxnSp>
         <p:nvCxnSpPr>
-          <p:cNvPr id="19" name="Straight Arrow Connector 18">
-            <a:extLst>
-              <a:ext uri="{FF2B5EF4-FFF2-40B4-BE49-F238E27FC236}">
-                <a16:creationId xmlns:a16="http://schemas.microsoft.com/office/drawing/2014/main" id="{DEC3A6E9-632D-E0FA-B5E4-2E88D9580BCE}"/>
+          <p:cNvPr id="7" name="Straight Arrow Connector 6">
+            <a:extLst>
+              <a:ext uri="{FF2B5EF4-FFF2-40B4-BE49-F238E27FC236}">
+                <a16:creationId xmlns:a16="http://schemas.microsoft.com/office/drawing/2014/main" id="{8C4EF2A3-5D7D-57EA-3607-BF44D5967F9B}"/>
               </a:ext>
             </a:extLst>
           </p:cNvPr>
           <p:cNvCxnSpPr>
             <a:cxnSpLocks/>
-            <a:stCxn id="10" idx="2"/>
-            <a:endCxn id="13" idx="0"/>
+            <a:stCxn id="4" idx="2"/>
+            <a:endCxn id="5" idx="0"/>
           </p:cNvCxnSpPr>
           <p:nvPr/>
         </p:nvCxnSpPr>
@@ -6936,10 +6282,10 @@
       </p:cxnSp>
       <p:sp>
         <p:nvSpPr>
-          <p:cNvPr id="46" name="Rectangle: Rounded Corners 45">
-            <a:extLst>
-              <a:ext uri="{FF2B5EF4-FFF2-40B4-BE49-F238E27FC236}">
-                <a16:creationId xmlns:a16="http://schemas.microsoft.com/office/drawing/2014/main" id="{B3AB1C08-23F2-CA68-E4A2-F67D1EAACC22}"/>
+          <p:cNvPr id="8" name="Rectangle: Rounded Corners 7">
+            <a:extLst>
+              <a:ext uri="{FF2B5EF4-FFF2-40B4-BE49-F238E27FC236}">
+                <a16:creationId xmlns:a16="http://schemas.microsoft.com/office/drawing/2014/main" id="{5461CCA3-2E2A-637F-A36E-C9BFE293E15C}"/>
               </a:ext>
             </a:extLst>
           </p:cNvPr>
@@ -6948,7 +6294,7 @@
         </p:nvSpPr>
         <p:spPr>
           <a:xfrm>
-            <a:off x="6605752" y="4787400"/>
+            <a:off x="6589993" y="5112147"/>
             <a:ext cx="2104601" cy="361555"/>
           </a:xfrm>
           <a:prstGeom prst="roundRect">
@@ -6990,17 +6336,17 @@
                   <a:schemeClr val="tx1"/>
                 </a:solidFill>
               </a:rPr>
-              <a:t>street_segments25.js</a:t>
-            </a:r>
-          </a:p>
-        </p:txBody>
-      </p:sp>
-      <p:sp>
-        <p:nvSpPr>
-          <p:cNvPr id="47" name="TextBox 46">
-            <a:extLst>
-              <a:ext uri="{FF2B5EF4-FFF2-40B4-BE49-F238E27FC236}">
-                <a16:creationId xmlns:a16="http://schemas.microsoft.com/office/drawing/2014/main" id="{EC38A9EC-3D42-A2E4-52BC-E5FAAB862259}"/>
+              <a:t>tlv_logistics_s2d.js</a:t>
+            </a:r>
+          </a:p>
+        </p:txBody>
+      </p:sp>
+      <p:sp>
+        <p:nvSpPr>
+          <p:cNvPr id="9" name="TextBox 8">
+            <a:extLst>
+              <a:ext uri="{FF2B5EF4-FFF2-40B4-BE49-F238E27FC236}">
+                <a16:creationId xmlns:a16="http://schemas.microsoft.com/office/drawing/2014/main" id="{9A6B47C6-9E11-2733-DA70-6F41E67556FD}"/>
               </a:ext>
             </a:extLst>
           </p:cNvPr>
@@ -7141,10 +6487,10 @@
       </p:sp>
       <p:sp>
         <p:nvSpPr>
-          <p:cNvPr id="48" name="Rectangle: Rounded Corners 47">
-            <a:extLst>
-              <a:ext uri="{FF2B5EF4-FFF2-40B4-BE49-F238E27FC236}">
-                <a16:creationId xmlns:a16="http://schemas.microsoft.com/office/drawing/2014/main" id="{7F65FB0E-5553-505F-97A9-E60728573CA5}"/>
+          <p:cNvPr id="10" name="Rectangle: Rounded Corners 9">
+            <a:extLst>
+              <a:ext uri="{FF2B5EF4-FFF2-40B4-BE49-F238E27FC236}">
+                <a16:creationId xmlns:a16="http://schemas.microsoft.com/office/drawing/2014/main" id="{1B21B3EE-6D89-7AAE-3013-42E8AA441B8B}"/>
               </a:ext>
             </a:extLst>
           </p:cNvPr>
@@ -7204,10 +6550,10 @@
       </p:sp>
       <p:sp>
         <p:nvSpPr>
-          <p:cNvPr id="49" name="Rectangle 48">
-            <a:extLst>
-              <a:ext uri="{FF2B5EF4-FFF2-40B4-BE49-F238E27FC236}">
-                <a16:creationId xmlns:a16="http://schemas.microsoft.com/office/drawing/2014/main" id="{771E4C31-A76D-868B-92BA-C16B87B3E930}"/>
+          <p:cNvPr id="11" name="Rectangle 10">
+            <a:extLst>
+              <a:ext uri="{FF2B5EF4-FFF2-40B4-BE49-F238E27FC236}">
+                <a16:creationId xmlns:a16="http://schemas.microsoft.com/office/drawing/2014/main" id="{FD49623D-4139-1461-B142-031BD9BC4EB1}"/>
               </a:ext>
             </a:extLst>
           </p:cNvPr>
@@ -7216,8 +6562,8 @@
         </p:nvSpPr>
         <p:spPr>
           <a:xfrm>
-            <a:off x="6281822" y="4577467"/>
-            <a:ext cx="5826963" cy="2164674"/>
+            <a:off x="6096000" y="4577467"/>
+            <a:ext cx="6012785" cy="2164674"/>
           </a:xfrm>
           <a:prstGeom prst="rect">
             <a:avLst/>
@@ -7257,24 +6603,24 @@
       </p:sp>
       <p:cxnSp>
         <p:nvCxnSpPr>
-          <p:cNvPr id="50" name="Straight Arrow Connector 49">
-            <a:extLst>
-              <a:ext uri="{FF2B5EF4-FFF2-40B4-BE49-F238E27FC236}">
-                <a16:creationId xmlns:a16="http://schemas.microsoft.com/office/drawing/2014/main" id="{B35231E5-F5DC-55EA-77F6-22D1303CF77A}"/>
+          <p:cNvPr id="12" name="Straight Arrow Connector 11">
+            <a:extLst>
+              <a:ext uri="{FF2B5EF4-FFF2-40B4-BE49-F238E27FC236}">
+                <a16:creationId xmlns:a16="http://schemas.microsoft.com/office/drawing/2014/main" id="{BF471863-C5F8-2E3B-4207-D8C7F41810E8}"/>
               </a:ext>
             </a:extLst>
           </p:cNvPr>
           <p:cNvCxnSpPr>
             <a:cxnSpLocks/>
-            <a:stCxn id="46" idx="3"/>
-            <a:endCxn id="47" idx="1"/>
+            <a:stCxn id="8" idx="3"/>
+            <a:endCxn id="9" idx="1"/>
           </p:cNvCxnSpPr>
           <p:nvPr/>
         </p:nvCxnSpPr>
         <p:spPr>
-          <a:xfrm>
-            <a:off x="8710353" y="4968178"/>
-            <a:ext cx="400849" cy="316530"/>
+          <a:xfrm flipV="1">
+            <a:off x="8694594" y="5284708"/>
+            <a:ext cx="416608" cy="8217"/>
           </a:xfrm>
           <a:prstGeom prst="straightConnector1">
             <a:avLst/>
@@ -7300,12 +6646,57 @@
           </a:fontRef>
         </p:style>
       </p:cxnSp>
-      <p:sp>
-        <p:nvSpPr>
-          <p:cNvPr id="52" name="Rectangle: Rounded Corners 51">
-            <a:extLst>
-              <a:ext uri="{FF2B5EF4-FFF2-40B4-BE49-F238E27FC236}">
-                <a16:creationId xmlns:a16="http://schemas.microsoft.com/office/drawing/2014/main" id="{7D6B483F-C009-C24E-2C32-E2BE00F9D78A}"/>
+      <p:cxnSp>
+        <p:nvCxnSpPr>
+          <p:cNvPr id="15" name="Straight Arrow Connector 14">
+            <a:extLst>
+              <a:ext uri="{FF2B5EF4-FFF2-40B4-BE49-F238E27FC236}">
+                <a16:creationId xmlns:a16="http://schemas.microsoft.com/office/drawing/2014/main" id="{4C608087-F0B4-F5B0-987E-26A7A421F109}"/>
+              </a:ext>
+            </a:extLst>
+          </p:cNvPr>
+          <p:cNvCxnSpPr>
+            <a:cxnSpLocks/>
+            <a:stCxn id="8" idx="1"/>
+            <a:endCxn id="5" idx="3"/>
+          </p:cNvCxnSpPr>
+          <p:nvPr/>
+        </p:nvCxnSpPr>
+        <p:spPr>
+          <a:xfrm flipH="1" flipV="1">
+            <a:off x="5865214" y="5213188"/>
+            <a:ext cx="724779" cy="79737"/>
+          </a:xfrm>
+          <a:prstGeom prst="straightConnector1">
+            <a:avLst/>
+          </a:prstGeom>
+          <a:ln>
+            <a:prstDash val="dash"/>
+            <a:headEnd type="triangle" w="med" len="med"/>
+            <a:tailEnd type="none" w="med" len="med"/>
+          </a:ln>
+        </p:spPr>
+        <p:style>
+          <a:lnRef idx="1">
+            <a:schemeClr val="accent1"/>
+          </a:lnRef>
+          <a:fillRef idx="0">
+            <a:schemeClr val="accent1"/>
+          </a:fillRef>
+          <a:effectRef idx="0">
+            <a:schemeClr val="accent1"/>
+          </a:effectRef>
+          <a:fontRef idx="minor">
+            <a:schemeClr val="tx1"/>
+          </a:fontRef>
+        </p:style>
+      </p:cxnSp>
+      <p:sp>
+        <p:nvSpPr>
+          <p:cNvPr id="13" name="Rectangle: Rounded Corners 12">
+            <a:extLst>
+              <a:ext uri="{FF2B5EF4-FFF2-40B4-BE49-F238E27FC236}">
+                <a16:creationId xmlns:a16="http://schemas.microsoft.com/office/drawing/2014/main" id="{37D5B6E2-6D32-49B2-D3F7-7AEFC581F25B}"/>
               </a:ext>
             </a:extLst>
           </p:cNvPr>
@@ -7314,8 +6705,8 @@
         </p:nvSpPr>
         <p:spPr>
           <a:xfrm>
-            <a:off x="6929003" y="5490042"/>
-            <a:ext cx="1721224" cy="361555"/>
+            <a:off x="1393883" y="1782570"/>
+            <a:ext cx="2012548" cy="675153"/>
           </a:xfrm>
           <a:prstGeom prst="roundRect">
             <a:avLst/>
@@ -7349,38 +6740,974 @@
           <a:bodyPr rtlCol="0" anchor="ctr"/>
           <a:lstStyle/>
           <a:p>
-            <a:pPr algn="ctr"/>
             <a:r>
               <a:rPr lang="en-US" sz="1400" dirty="0">
                 <a:solidFill>
                   <a:schemeClr val="tx1"/>
                 </a:solidFill>
               </a:rPr>
-              <a:t>average_stdev.js</a:t>
+              <a:t>cf_1_2_buff5.geojson</a:t>
+            </a:r>
+          </a:p>
+          <a:p>
+            <a:r>
+              <a:rPr lang="en-US" sz="1400" dirty="0">
+                <a:solidFill>
+                  <a:schemeClr val="tx1"/>
+                </a:solidFill>
+              </a:rPr>
+              <a:t>cf_1_2_buff25.geojson</a:t>
+            </a:r>
+          </a:p>
+          <a:p>
+            <a:r>
+              <a:rPr lang="en-US" sz="1400" dirty="0">
+                <a:solidFill>
+                  <a:schemeClr val="tx1"/>
+                </a:solidFill>
+              </a:rPr>
+              <a:t>cf_1_2_buff100.geojson</a:t>
             </a:r>
           </a:p>
         </p:txBody>
       </p:sp>
       <p:cxnSp>
         <p:nvCxnSpPr>
-          <p:cNvPr id="54" name="Straight Arrow Connector 53">
-            <a:extLst>
-              <a:ext uri="{FF2B5EF4-FFF2-40B4-BE49-F238E27FC236}">
-                <a16:creationId xmlns:a16="http://schemas.microsoft.com/office/drawing/2014/main" id="{29B94695-7460-FCE3-CFAB-9A9ED5AF9EBA}"/>
+          <p:cNvPr id="14" name="Straight Arrow Connector 13">
+            <a:extLst>
+              <a:ext uri="{FF2B5EF4-FFF2-40B4-BE49-F238E27FC236}">
+                <a16:creationId xmlns:a16="http://schemas.microsoft.com/office/drawing/2014/main" id="{9FBE79EF-7D36-AEC0-ECA8-827D32241285}"/>
               </a:ext>
             </a:extLst>
           </p:cNvPr>
           <p:cNvCxnSpPr>
             <a:cxnSpLocks/>
-            <a:stCxn id="52" idx="3"/>
-            <a:endCxn id="47" idx="1"/>
+            <a:stCxn id="13" idx="3"/>
+            <a:endCxn id="20" idx="1"/>
           </p:cNvCxnSpPr>
           <p:nvPr/>
         </p:nvCxnSpPr>
         <p:spPr>
+          <a:xfrm>
+            <a:off x="3406431" y="2120147"/>
+            <a:ext cx="2226719" cy="254029"/>
+          </a:xfrm>
+          <a:prstGeom prst="straightConnector1">
+            <a:avLst/>
+          </a:prstGeom>
+          <a:ln>
+            <a:tailEnd type="triangle"/>
+          </a:ln>
+        </p:spPr>
+        <p:style>
+          <a:lnRef idx="1">
+            <a:schemeClr val="accent1"/>
+          </a:lnRef>
+          <a:fillRef idx="0">
+            <a:schemeClr val="accent1"/>
+          </a:fillRef>
+          <a:effectRef idx="0">
+            <a:schemeClr val="accent1"/>
+          </a:effectRef>
+          <a:fontRef idx="minor">
+            <a:schemeClr val="tx1"/>
+          </a:fontRef>
+        </p:style>
+      </p:cxnSp>
+      <p:sp>
+        <p:nvSpPr>
+          <p:cNvPr id="16" name="Rectangle: Rounded Corners 15">
+            <a:extLst>
+              <a:ext uri="{FF2B5EF4-FFF2-40B4-BE49-F238E27FC236}">
+                <a16:creationId xmlns:a16="http://schemas.microsoft.com/office/drawing/2014/main" id="{080D0717-E85D-1F3B-D38A-C3F7C32C0BD6}"/>
+              </a:ext>
+            </a:extLst>
+          </p:cNvPr>
+          <p:cNvSpPr/>
+          <p:nvPr/>
+        </p:nvSpPr>
+        <p:spPr>
+          <a:xfrm>
+            <a:off x="283493" y="177033"/>
+            <a:ext cx="4233328" cy="391510"/>
+          </a:xfrm>
+          <a:prstGeom prst="roundRect">
+            <a:avLst/>
+          </a:prstGeom>
+          <a:solidFill>
+            <a:schemeClr val="bg1"/>
+          </a:solidFill>
+          <a:ln w="12700">
+            <a:solidFill>
+              <a:schemeClr val="tx1"/>
+            </a:solidFill>
+          </a:ln>
+        </p:spPr>
+        <p:style>
+          <a:lnRef idx="2">
+            <a:schemeClr val="accent1">
+              <a:shade val="50000"/>
+            </a:schemeClr>
+          </a:lnRef>
+          <a:fillRef idx="1">
+            <a:schemeClr val="accent1"/>
+          </a:fillRef>
+          <a:effectRef idx="0">
+            <a:schemeClr val="accent1"/>
+          </a:effectRef>
+          <a:fontRef idx="minor">
+            <a:schemeClr val="lt1"/>
+          </a:fontRef>
+        </p:style>
+        <p:txBody>
+          <a:bodyPr rtlCol="0" anchor="ctr"/>
+          <a:lstStyle/>
+          <a:p>
+            <a:r>
+              <a:rPr lang="en-US" sz="1400" dirty="0">
+                <a:solidFill>
+                  <a:schemeClr val="tx1"/>
+                </a:solidFill>
+              </a:rPr>
+              <a:t>TA_CommFront_1_2_w_streetnames_snapped.geojson</a:t>
+            </a:r>
+          </a:p>
+        </p:txBody>
+      </p:sp>
+      <p:sp>
+        <p:nvSpPr>
+          <p:cNvPr id="17" name="Rectangle 16">
+            <a:extLst>
+              <a:ext uri="{FF2B5EF4-FFF2-40B4-BE49-F238E27FC236}">
+                <a16:creationId xmlns:a16="http://schemas.microsoft.com/office/drawing/2014/main" id="{FEB467FF-CD07-61B1-EFFF-AE97E7A84922}"/>
+              </a:ext>
+            </a:extLst>
+          </p:cNvPr>
+          <p:cNvSpPr/>
+          <p:nvPr/>
+        </p:nvSpPr>
+        <p:spPr>
+          <a:xfrm>
+            <a:off x="1856103" y="899135"/>
+            <a:ext cx="1122116" cy="361555"/>
+          </a:xfrm>
+          <a:prstGeom prst="rect">
+            <a:avLst/>
+          </a:prstGeom>
+          <a:solidFill>
+            <a:schemeClr val="bg1"/>
+          </a:solidFill>
+          <a:ln w="28575">
+            <a:solidFill>
+              <a:schemeClr val="tx1"/>
+            </a:solidFill>
+          </a:ln>
+        </p:spPr>
+        <p:style>
+          <a:lnRef idx="2">
+            <a:schemeClr val="accent1">
+              <a:shade val="50000"/>
+            </a:schemeClr>
+          </a:lnRef>
+          <a:fillRef idx="1">
+            <a:schemeClr val="accent1"/>
+          </a:fillRef>
+          <a:effectRef idx="0">
+            <a:schemeClr val="accent1"/>
+          </a:effectRef>
+          <a:fontRef idx="minor">
+            <a:schemeClr val="lt1"/>
+          </a:fontRef>
+        </p:style>
+        <p:txBody>
+          <a:bodyPr rtlCol="0" anchor="b"/>
+          <a:lstStyle/>
+          <a:p>
+            <a:pPr algn="ctr"/>
+            <a:r>
+              <a:rPr lang="en-US" sz="1400" dirty="0">
+                <a:solidFill>
+                  <a:schemeClr val="tx1"/>
+                </a:solidFill>
+              </a:rPr>
+              <a:t>buff_cf.py</a:t>
+            </a:r>
+          </a:p>
+        </p:txBody>
+      </p:sp>
+      <p:cxnSp>
+        <p:nvCxnSpPr>
+          <p:cNvPr id="18" name="Straight Arrow Connector 17">
+            <a:extLst>
+              <a:ext uri="{FF2B5EF4-FFF2-40B4-BE49-F238E27FC236}">
+                <a16:creationId xmlns:a16="http://schemas.microsoft.com/office/drawing/2014/main" id="{5EF1385C-C76C-00C5-15D1-E63CBB08CF54}"/>
+              </a:ext>
+            </a:extLst>
+          </p:cNvPr>
+          <p:cNvCxnSpPr>
+            <a:cxnSpLocks/>
+            <a:stCxn id="16" idx="2"/>
+            <a:endCxn id="17" idx="0"/>
+          </p:cNvCxnSpPr>
+          <p:nvPr/>
+        </p:nvCxnSpPr>
+        <p:spPr>
+          <a:xfrm>
+            <a:off x="2400157" y="568543"/>
+            <a:ext cx="17004" cy="330592"/>
+          </a:xfrm>
+          <a:prstGeom prst="straightConnector1">
+            <a:avLst/>
+          </a:prstGeom>
+          <a:ln>
+            <a:tailEnd type="triangle"/>
+          </a:ln>
+        </p:spPr>
+        <p:style>
+          <a:lnRef idx="1">
+            <a:schemeClr val="accent1"/>
+          </a:lnRef>
+          <a:fillRef idx="0">
+            <a:schemeClr val="accent1"/>
+          </a:fillRef>
+          <a:effectRef idx="0">
+            <a:schemeClr val="accent1"/>
+          </a:effectRef>
+          <a:fontRef idx="minor">
+            <a:schemeClr val="tx1"/>
+          </a:fontRef>
+        </p:style>
+      </p:cxnSp>
+      <p:cxnSp>
+        <p:nvCxnSpPr>
+          <p:cNvPr id="19" name="Straight Arrow Connector 18">
+            <a:extLst>
+              <a:ext uri="{FF2B5EF4-FFF2-40B4-BE49-F238E27FC236}">
+                <a16:creationId xmlns:a16="http://schemas.microsoft.com/office/drawing/2014/main" id="{AD28A525-0E7F-98C7-BF88-F628FDFE8FD6}"/>
+              </a:ext>
+            </a:extLst>
+          </p:cNvPr>
+          <p:cNvCxnSpPr>
+            <a:cxnSpLocks/>
+            <a:stCxn id="17" idx="2"/>
+            <a:endCxn id="13" idx="0"/>
+          </p:cNvCxnSpPr>
+          <p:nvPr/>
+        </p:nvCxnSpPr>
+        <p:spPr>
+          <a:xfrm flipH="1">
+            <a:off x="2400157" y="1260690"/>
+            <a:ext cx="17004" cy="521880"/>
+          </a:xfrm>
+          <a:prstGeom prst="straightConnector1">
+            <a:avLst/>
+          </a:prstGeom>
+          <a:ln>
+            <a:tailEnd type="triangle"/>
+          </a:ln>
+        </p:spPr>
+        <p:style>
+          <a:lnRef idx="1">
+            <a:schemeClr val="accent1"/>
+          </a:lnRef>
+          <a:fillRef idx="0">
+            <a:schemeClr val="accent1"/>
+          </a:fillRef>
+          <a:effectRef idx="0">
+            <a:schemeClr val="accent1"/>
+          </a:effectRef>
+          <a:fontRef idx="minor">
+            <a:schemeClr val="tx1"/>
+          </a:fontRef>
+        </p:style>
+      </p:cxnSp>
+      <p:sp>
+        <p:nvSpPr>
+          <p:cNvPr id="20" name="Rectangle 19">
+            <a:extLst>
+              <a:ext uri="{FF2B5EF4-FFF2-40B4-BE49-F238E27FC236}">
+                <a16:creationId xmlns:a16="http://schemas.microsoft.com/office/drawing/2014/main" id="{8000F3E3-9DC7-FF90-18F9-28EB8FBB1B44}"/>
+              </a:ext>
+            </a:extLst>
+          </p:cNvPr>
+          <p:cNvSpPr/>
+          <p:nvPr/>
+        </p:nvSpPr>
+        <p:spPr>
+          <a:xfrm>
+            <a:off x="5633150" y="2120147"/>
+            <a:ext cx="3077203" cy="508058"/>
+          </a:xfrm>
+          <a:prstGeom prst="rect">
+            <a:avLst/>
+          </a:prstGeom>
+          <a:solidFill>
+            <a:schemeClr val="bg1"/>
+          </a:solidFill>
+          <a:ln w="28575">
+            <a:solidFill>
+              <a:schemeClr val="tx1"/>
+            </a:solidFill>
+          </a:ln>
+        </p:spPr>
+        <p:style>
+          <a:lnRef idx="2">
+            <a:schemeClr val="accent1">
+              <a:shade val="50000"/>
+            </a:schemeClr>
+          </a:lnRef>
+          <a:fillRef idx="1">
+            <a:schemeClr val="accent1"/>
+          </a:fillRef>
+          <a:effectRef idx="0">
+            <a:schemeClr val="accent1"/>
+          </a:effectRef>
+          <a:fontRef idx="minor">
+            <a:schemeClr val="lt1"/>
+          </a:fontRef>
+        </p:style>
+        <p:txBody>
+          <a:bodyPr rtlCol="0" anchor="ctr"/>
+          <a:lstStyle/>
+          <a:p>
+            <a:pPr algn="ctr"/>
+            <a:r>
+              <a:rPr lang="en-US" sz="1400" dirty="0">
+                <a:solidFill>
+                  <a:schemeClr val="tx1"/>
+                </a:solidFill>
+              </a:rPr>
+              <a:t>segments_cf_points_in_poly.py</a:t>
+            </a:r>
+          </a:p>
+        </p:txBody>
+      </p:sp>
+      <p:sp>
+        <p:nvSpPr>
+          <p:cNvPr id="21" name="Rectangle: Rounded Corners 20">
+            <a:extLst>
+              <a:ext uri="{FF2B5EF4-FFF2-40B4-BE49-F238E27FC236}">
+                <a16:creationId xmlns:a16="http://schemas.microsoft.com/office/drawing/2014/main" id="{2606716A-B6C4-F070-45E0-13D4D30EE09B}"/>
+              </a:ext>
+            </a:extLst>
+          </p:cNvPr>
+          <p:cNvSpPr/>
+          <p:nvPr/>
+        </p:nvSpPr>
+        <p:spPr>
+          <a:xfrm>
+            <a:off x="7903250" y="115859"/>
+            <a:ext cx="4005257" cy="601976"/>
+          </a:xfrm>
+          <a:prstGeom prst="roundRect">
+            <a:avLst>
+              <a:gd name="adj" fmla="val 16933"/>
+            </a:avLst>
+          </a:prstGeom>
+          <a:solidFill>
+            <a:schemeClr val="bg1"/>
+          </a:solidFill>
+          <a:ln w="12700">
+            <a:solidFill>
+              <a:schemeClr val="tx1"/>
+            </a:solidFill>
+          </a:ln>
+        </p:spPr>
+        <p:style>
+          <a:lnRef idx="2">
+            <a:schemeClr val="accent1">
+              <a:shade val="50000"/>
+            </a:schemeClr>
+          </a:lnRef>
+          <a:fillRef idx="1">
+            <a:schemeClr val="accent1"/>
+          </a:fillRef>
+          <a:effectRef idx="0">
+            <a:schemeClr val="accent1"/>
+          </a:effectRef>
+          <a:fontRef idx="minor">
+            <a:schemeClr val="lt1"/>
+          </a:fontRef>
+        </p:style>
+        <p:txBody>
+          <a:bodyPr rtlCol="0" anchor="ctr"/>
+          <a:lstStyle/>
+          <a:p>
+            <a:r>
+              <a:rPr lang="en-US" sz="1400" dirty="0" err="1">
+                <a:solidFill>
+                  <a:schemeClr val="tx1"/>
+                </a:solidFill>
+              </a:rPr>
+              <a:t>Trafic</a:t>
+            </a:r>
+            <a:r>
+              <a:rPr lang="en-US" sz="1400" dirty="0">
+                <a:solidFill>
+                  <a:schemeClr val="tx1"/>
+                </a:solidFill>
+              </a:rPr>
+              <a:t> Signs Points </a:t>
+            </a:r>
+            <a:r>
+              <a:rPr lang="en-US" sz="1400" dirty="0" err="1">
+                <a:solidFill>
+                  <a:schemeClr val="tx1"/>
+                </a:solidFill>
+              </a:rPr>
+              <a:t>prika</a:t>
+            </a:r>
+            <a:r>
+              <a:rPr lang="en-US" sz="1400" dirty="0">
+                <a:solidFill>
+                  <a:schemeClr val="tx1"/>
+                </a:solidFill>
+              </a:rPr>
+              <a:t> </a:t>
+            </a:r>
+            <a:r>
+              <a:rPr lang="en-US" sz="1400" dirty="0" err="1">
+                <a:solidFill>
+                  <a:schemeClr val="tx1"/>
+                </a:solidFill>
+              </a:rPr>
+              <a:t>ve</a:t>
+            </a:r>
+            <a:r>
+              <a:rPr lang="en-US" sz="1400" dirty="0">
+                <a:solidFill>
+                  <a:schemeClr val="tx1"/>
+                </a:solidFill>
+              </a:rPr>
+              <a:t> </a:t>
+            </a:r>
+            <a:r>
+              <a:rPr lang="en-US" sz="1400" dirty="0" err="1">
+                <a:solidFill>
+                  <a:schemeClr val="tx1"/>
+                </a:solidFill>
+              </a:rPr>
+              <a:t>teina</a:t>
+            </a:r>
+            <a:r>
+              <a:rPr lang="en-US" sz="1400" dirty="0">
+                <a:solidFill>
+                  <a:schemeClr val="tx1"/>
+                </a:solidFill>
+              </a:rPr>
+              <a:t> v6s_ap.geojson</a:t>
+            </a:r>
+          </a:p>
+          <a:p>
+            <a:r>
+              <a:rPr lang="en-US" sz="1400" dirty="0">
+                <a:solidFill>
+                  <a:schemeClr val="tx1"/>
+                </a:solidFill>
+              </a:rPr>
+              <a:t>tlv_businesses_w_logistics_filtered.csv</a:t>
+            </a:r>
+          </a:p>
+        </p:txBody>
+      </p:sp>
+      <p:cxnSp>
+        <p:nvCxnSpPr>
+          <p:cNvPr id="22" name="Straight Arrow Connector 21">
+            <a:extLst>
+              <a:ext uri="{FF2B5EF4-FFF2-40B4-BE49-F238E27FC236}">
+                <a16:creationId xmlns:a16="http://schemas.microsoft.com/office/drawing/2014/main" id="{1BF73EAB-AA66-2233-F202-64F8551D7199}"/>
+              </a:ext>
+            </a:extLst>
+          </p:cNvPr>
+          <p:cNvCxnSpPr>
+            <a:cxnSpLocks/>
+            <a:stCxn id="21" idx="2"/>
+            <a:endCxn id="20" idx="0"/>
+          </p:cNvCxnSpPr>
+          <p:nvPr/>
+        </p:nvCxnSpPr>
+        <p:spPr>
+          <a:xfrm flipH="1">
+            <a:off x="7171752" y="717835"/>
+            <a:ext cx="2734127" cy="1402312"/>
+          </a:xfrm>
+          <a:prstGeom prst="straightConnector1">
+            <a:avLst/>
+          </a:prstGeom>
+          <a:ln>
+            <a:tailEnd type="triangle"/>
+          </a:ln>
+        </p:spPr>
+        <p:style>
+          <a:lnRef idx="1">
+            <a:schemeClr val="accent1"/>
+          </a:lnRef>
+          <a:fillRef idx="0">
+            <a:schemeClr val="accent1"/>
+          </a:fillRef>
+          <a:effectRef idx="0">
+            <a:schemeClr val="accent1"/>
+          </a:effectRef>
+          <a:fontRef idx="minor">
+            <a:schemeClr val="tx1"/>
+          </a:fontRef>
+        </p:style>
+      </p:cxnSp>
+      <p:sp>
+        <p:nvSpPr>
+          <p:cNvPr id="23" name="Rectangle 22">
+            <a:extLst>
+              <a:ext uri="{FF2B5EF4-FFF2-40B4-BE49-F238E27FC236}">
+                <a16:creationId xmlns:a16="http://schemas.microsoft.com/office/drawing/2014/main" id="{B6B04681-8E57-F043-134E-6F4F903931DF}"/>
+              </a:ext>
+            </a:extLst>
+          </p:cNvPr>
+          <p:cNvSpPr/>
+          <p:nvPr/>
+        </p:nvSpPr>
+        <p:spPr>
+          <a:xfrm>
+            <a:off x="4948921" y="225411"/>
+            <a:ext cx="2522229" cy="391510"/>
+          </a:xfrm>
+          <a:prstGeom prst="rect">
+            <a:avLst/>
+          </a:prstGeom>
+          <a:solidFill>
+            <a:schemeClr val="bg1"/>
+          </a:solidFill>
+          <a:ln w="28575">
+            <a:solidFill>
+              <a:schemeClr val="tx1"/>
+            </a:solidFill>
+          </a:ln>
+        </p:spPr>
+        <p:style>
+          <a:lnRef idx="2">
+            <a:schemeClr val="accent1">
+              <a:shade val="50000"/>
+            </a:schemeClr>
+          </a:lnRef>
+          <a:fillRef idx="1">
+            <a:schemeClr val="accent1"/>
+          </a:fillRef>
+          <a:effectRef idx="0">
+            <a:schemeClr val="accent1"/>
+          </a:effectRef>
+          <a:fontRef idx="minor">
+            <a:schemeClr val="lt1"/>
+          </a:fontRef>
+        </p:style>
+        <p:txBody>
+          <a:bodyPr rtlCol="0" anchor="ctr"/>
+          <a:lstStyle/>
+          <a:p>
+            <a:pPr algn="ctr"/>
+            <a:r>
+              <a:rPr lang="en-US" sz="1400" dirty="0">
+                <a:solidFill>
+                  <a:schemeClr val="tx1"/>
+                </a:solidFill>
+              </a:rPr>
+              <a:t>snap_cf_supply_demand.py</a:t>
+            </a:r>
+          </a:p>
+        </p:txBody>
+      </p:sp>
+      <p:cxnSp>
+        <p:nvCxnSpPr>
+          <p:cNvPr id="24" name="Straight Arrow Connector 23">
+            <a:extLst>
+              <a:ext uri="{FF2B5EF4-FFF2-40B4-BE49-F238E27FC236}">
+                <a16:creationId xmlns:a16="http://schemas.microsoft.com/office/drawing/2014/main" id="{BF6622EB-EBBB-37C3-BC9D-A74EC9B3CC1E}"/>
+              </a:ext>
+            </a:extLst>
+          </p:cNvPr>
+          <p:cNvCxnSpPr>
+            <a:cxnSpLocks/>
+            <a:stCxn id="21" idx="1"/>
+            <a:endCxn id="23" idx="3"/>
+          </p:cNvCxnSpPr>
+          <p:nvPr/>
+        </p:nvCxnSpPr>
+        <p:spPr>
+          <a:xfrm flipH="1">
+            <a:off x="7471150" y="416847"/>
+            <a:ext cx="432100" cy="4319"/>
+          </a:xfrm>
+          <a:prstGeom prst="straightConnector1">
+            <a:avLst/>
+          </a:prstGeom>
+          <a:ln>
+            <a:tailEnd type="triangle"/>
+          </a:ln>
+        </p:spPr>
+        <p:style>
+          <a:lnRef idx="1">
+            <a:schemeClr val="accent1"/>
+          </a:lnRef>
+          <a:fillRef idx="0">
+            <a:schemeClr val="accent1"/>
+          </a:fillRef>
+          <a:effectRef idx="0">
+            <a:schemeClr val="accent1"/>
+          </a:effectRef>
+          <a:fontRef idx="minor">
+            <a:schemeClr val="tx1"/>
+          </a:fontRef>
+        </p:style>
+      </p:cxnSp>
+      <p:cxnSp>
+        <p:nvCxnSpPr>
+          <p:cNvPr id="25" name="Straight Arrow Connector 24">
+            <a:extLst>
+              <a:ext uri="{FF2B5EF4-FFF2-40B4-BE49-F238E27FC236}">
+                <a16:creationId xmlns:a16="http://schemas.microsoft.com/office/drawing/2014/main" id="{DF21BD38-B950-6A89-2798-B92E5CCCCE1A}"/>
+              </a:ext>
+            </a:extLst>
+          </p:cNvPr>
+          <p:cNvCxnSpPr>
+            <a:cxnSpLocks/>
+            <a:stCxn id="23" idx="2"/>
+            <a:endCxn id="26" idx="0"/>
+          </p:cNvCxnSpPr>
+          <p:nvPr/>
+        </p:nvCxnSpPr>
+        <p:spPr>
+          <a:xfrm flipH="1">
+            <a:off x="5711099" y="616921"/>
+            <a:ext cx="498937" cy="370523"/>
+          </a:xfrm>
+          <a:prstGeom prst="straightConnector1">
+            <a:avLst/>
+          </a:prstGeom>
+          <a:ln>
+            <a:tailEnd type="triangle"/>
+          </a:ln>
+        </p:spPr>
+        <p:style>
+          <a:lnRef idx="1">
+            <a:schemeClr val="accent1"/>
+          </a:lnRef>
+          <a:fillRef idx="0">
+            <a:schemeClr val="accent1"/>
+          </a:fillRef>
+          <a:effectRef idx="0">
+            <a:schemeClr val="accent1"/>
+          </a:effectRef>
+          <a:fontRef idx="minor">
+            <a:schemeClr val="tx1"/>
+          </a:fontRef>
+        </p:style>
+      </p:cxnSp>
+      <p:sp>
+        <p:nvSpPr>
+          <p:cNvPr id="26" name="Rectangle: Rounded Corners 25">
+            <a:extLst>
+              <a:ext uri="{FF2B5EF4-FFF2-40B4-BE49-F238E27FC236}">
+                <a16:creationId xmlns:a16="http://schemas.microsoft.com/office/drawing/2014/main" id="{DC2CB969-FC20-2815-89B5-AAA7545E21A2}"/>
+              </a:ext>
+            </a:extLst>
+          </p:cNvPr>
+          <p:cNvSpPr/>
+          <p:nvPr/>
+        </p:nvSpPr>
+        <p:spPr>
+          <a:xfrm>
+            <a:off x="3430982" y="987444"/>
+            <a:ext cx="4560234" cy="526049"/>
+          </a:xfrm>
+          <a:prstGeom prst="roundRect">
+            <a:avLst>
+              <a:gd name="adj" fmla="val 16933"/>
+            </a:avLst>
+          </a:prstGeom>
+          <a:solidFill>
+            <a:schemeClr val="bg1"/>
+          </a:solidFill>
+          <a:ln w="12700">
+            <a:solidFill>
+              <a:schemeClr val="tx1"/>
+            </a:solidFill>
+          </a:ln>
+        </p:spPr>
+        <p:style>
+          <a:lnRef idx="2">
+            <a:schemeClr val="accent1">
+              <a:shade val="50000"/>
+            </a:schemeClr>
+          </a:lnRef>
+          <a:fillRef idx="1">
+            <a:schemeClr val="accent1"/>
+          </a:fillRef>
+          <a:effectRef idx="0">
+            <a:schemeClr val="accent1"/>
+          </a:effectRef>
+          <a:fontRef idx="minor">
+            <a:schemeClr val="lt1"/>
+          </a:fontRef>
+        </p:style>
+        <p:txBody>
+          <a:bodyPr rtlCol="0" anchor="ctr"/>
+          <a:lstStyle/>
+          <a:p>
+            <a:r>
+              <a:rPr lang="en-US" sz="1400" dirty="0" err="1">
+                <a:solidFill>
+                  <a:schemeClr val="tx1"/>
+                </a:solidFill>
+              </a:rPr>
+              <a:t>Trafic</a:t>
+            </a:r>
+            <a:r>
+              <a:rPr lang="en-US" sz="1400" dirty="0">
+                <a:solidFill>
+                  <a:schemeClr val="tx1"/>
+                </a:solidFill>
+              </a:rPr>
+              <a:t> Signs Points </a:t>
+            </a:r>
+            <a:r>
+              <a:rPr lang="en-US" sz="1400" dirty="0" err="1">
+                <a:solidFill>
+                  <a:schemeClr val="tx1"/>
+                </a:solidFill>
+              </a:rPr>
+              <a:t>prika</a:t>
+            </a:r>
+            <a:r>
+              <a:rPr lang="en-US" sz="1400" dirty="0">
+                <a:solidFill>
+                  <a:schemeClr val="tx1"/>
+                </a:solidFill>
+              </a:rPr>
+              <a:t> </a:t>
+            </a:r>
+            <a:r>
+              <a:rPr lang="en-US" sz="1400" dirty="0" err="1">
+                <a:solidFill>
+                  <a:schemeClr val="tx1"/>
+                </a:solidFill>
+              </a:rPr>
+              <a:t>ve</a:t>
+            </a:r>
+            <a:r>
+              <a:rPr lang="en-US" sz="1400" dirty="0">
+                <a:solidFill>
+                  <a:schemeClr val="tx1"/>
+                </a:solidFill>
+              </a:rPr>
+              <a:t> </a:t>
+            </a:r>
+            <a:r>
+              <a:rPr lang="en-US" sz="1400" dirty="0" err="1">
+                <a:solidFill>
+                  <a:schemeClr val="tx1"/>
+                </a:solidFill>
+              </a:rPr>
+              <a:t>teina</a:t>
+            </a:r>
+            <a:r>
+              <a:rPr lang="en-US" sz="1400" dirty="0">
+                <a:solidFill>
+                  <a:schemeClr val="tx1"/>
+                </a:solidFill>
+              </a:rPr>
+              <a:t> v6s_ap snap100 </a:t>
+            </a:r>
+            <a:r>
+              <a:rPr lang="en-US" sz="1400" dirty="0" err="1">
+                <a:solidFill>
+                  <a:schemeClr val="tx1"/>
+                </a:solidFill>
+              </a:rPr>
+              <a:t>cf.geojson</a:t>
+            </a:r>
+            <a:endParaRPr lang="en-US" sz="1400" dirty="0">
+              <a:solidFill>
+                <a:schemeClr val="tx1"/>
+              </a:solidFill>
+            </a:endParaRPr>
+          </a:p>
+          <a:p>
+            <a:r>
+              <a:rPr lang="en-US" sz="1400" dirty="0">
+                <a:solidFill>
+                  <a:schemeClr val="tx1"/>
+                </a:solidFill>
+              </a:rPr>
+              <a:t>tlv_businesses_w_logistics_filtered_snap100_cf.geojson</a:t>
+            </a:r>
+          </a:p>
+        </p:txBody>
+      </p:sp>
+      <p:cxnSp>
+        <p:nvCxnSpPr>
+          <p:cNvPr id="27" name="Straight Arrow Connector 26">
+            <a:extLst>
+              <a:ext uri="{FF2B5EF4-FFF2-40B4-BE49-F238E27FC236}">
+                <a16:creationId xmlns:a16="http://schemas.microsoft.com/office/drawing/2014/main" id="{B9FAD3D0-FFD7-7792-EFA2-FCC1D928E8DD}"/>
+              </a:ext>
+            </a:extLst>
+          </p:cNvPr>
+          <p:cNvCxnSpPr>
+            <a:cxnSpLocks/>
+            <a:stCxn id="26" idx="2"/>
+            <a:endCxn id="20" idx="0"/>
+          </p:cNvCxnSpPr>
+          <p:nvPr/>
+        </p:nvCxnSpPr>
+        <p:spPr>
+          <a:xfrm>
+            <a:off x="5711099" y="1513493"/>
+            <a:ext cx="1460653" cy="606654"/>
+          </a:xfrm>
+          <a:prstGeom prst="straightConnector1">
+            <a:avLst/>
+          </a:prstGeom>
+          <a:ln>
+            <a:tailEnd type="triangle"/>
+          </a:ln>
+        </p:spPr>
+        <p:style>
+          <a:lnRef idx="1">
+            <a:schemeClr val="accent1"/>
+          </a:lnRef>
+          <a:fillRef idx="0">
+            <a:schemeClr val="accent1"/>
+          </a:fillRef>
+          <a:effectRef idx="0">
+            <a:schemeClr val="accent1"/>
+          </a:effectRef>
+          <a:fontRef idx="minor">
+            <a:schemeClr val="tx1"/>
+          </a:fontRef>
+        </p:style>
+      </p:cxnSp>
+      <p:cxnSp>
+        <p:nvCxnSpPr>
+          <p:cNvPr id="28" name="Straight Arrow Connector 27">
+            <a:extLst>
+              <a:ext uri="{FF2B5EF4-FFF2-40B4-BE49-F238E27FC236}">
+                <a16:creationId xmlns:a16="http://schemas.microsoft.com/office/drawing/2014/main" id="{65FECBDE-F122-46BC-8F78-A48D9B21B67C}"/>
+              </a:ext>
+            </a:extLst>
+          </p:cNvPr>
+          <p:cNvCxnSpPr>
+            <a:cxnSpLocks/>
+            <a:stCxn id="16" idx="3"/>
+            <a:endCxn id="23" idx="1"/>
+          </p:cNvCxnSpPr>
+          <p:nvPr/>
+        </p:nvCxnSpPr>
+        <p:spPr>
+          <a:xfrm>
+            <a:off x="4516821" y="372788"/>
+            <a:ext cx="432100" cy="48378"/>
+          </a:xfrm>
+          <a:prstGeom prst="straightConnector1">
+            <a:avLst/>
+          </a:prstGeom>
+          <a:ln>
+            <a:tailEnd type="triangle"/>
+          </a:ln>
+        </p:spPr>
+        <p:style>
+          <a:lnRef idx="1">
+            <a:schemeClr val="accent1"/>
+          </a:lnRef>
+          <a:fillRef idx="0">
+            <a:schemeClr val="accent1"/>
+          </a:fillRef>
+          <a:effectRef idx="0">
+            <a:schemeClr val="accent1"/>
+          </a:effectRef>
+          <a:fontRef idx="minor">
+            <a:schemeClr val="tx1"/>
+          </a:fontRef>
+        </p:style>
+      </p:cxnSp>
+      <p:sp>
+        <p:nvSpPr>
+          <p:cNvPr id="29" name="Rectangle: Rounded Corners 28">
+            <a:extLst>
+              <a:ext uri="{FF2B5EF4-FFF2-40B4-BE49-F238E27FC236}">
+                <a16:creationId xmlns:a16="http://schemas.microsoft.com/office/drawing/2014/main" id="{118E402B-1D74-89DA-6E5B-E4D867D2FEF5}"/>
+              </a:ext>
+            </a:extLst>
+          </p:cNvPr>
+          <p:cNvSpPr/>
+          <p:nvPr/>
+        </p:nvSpPr>
+        <p:spPr>
+          <a:xfrm>
+            <a:off x="6281822" y="5814566"/>
+            <a:ext cx="2491741" cy="361555"/>
+          </a:xfrm>
+          <a:prstGeom prst="roundRect">
+            <a:avLst/>
+          </a:prstGeom>
+          <a:solidFill>
+            <a:schemeClr val="bg1"/>
+          </a:solidFill>
+          <a:ln w="12700">
+            <a:solidFill>
+              <a:schemeClr val="tx1"/>
+            </a:solidFill>
+          </a:ln>
+        </p:spPr>
+        <p:style>
+          <a:lnRef idx="2">
+            <a:schemeClr val="accent1">
+              <a:shade val="50000"/>
+            </a:schemeClr>
+          </a:lnRef>
+          <a:fillRef idx="1">
+            <a:schemeClr val="accent1"/>
+          </a:fillRef>
+          <a:effectRef idx="0">
+            <a:schemeClr val="accent1"/>
+          </a:effectRef>
+          <a:fontRef idx="minor">
+            <a:schemeClr val="lt1"/>
+          </a:fontRef>
+        </p:style>
+        <p:txBody>
+          <a:bodyPr rtlCol="0" anchor="ctr"/>
+          <a:lstStyle/>
+          <a:p>
+            <a:pPr algn="ctr"/>
+            <a:r>
+              <a:rPr lang="en-US" sz="1400" dirty="0">
+                <a:solidFill>
+                  <a:schemeClr val="tx1"/>
+                </a:solidFill>
+              </a:rPr>
+              <a:t>voc_output_to_web_app_v1.js</a:t>
+            </a:r>
+          </a:p>
+        </p:txBody>
+      </p:sp>
+      <p:cxnSp>
+        <p:nvCxnSpPr>
+          <p:cNvPr id="30" name="Straight Arrow Connector 29">
+            <a:extLst>
+              <a:ext uri="{FF2B5EF4-FFF2-40B4-BE49-F238E27FC236}">
+                <a16:creationId xmlns:a16="http://schemas.microsoft.com/office/drawing/2014/main" id="{07CAD19F-59EF-D9E3-E606-86E295B9A6B7}"/>
+              </a:ext>
+            </a:extLst>
+          </p:cNvPr>
+          <p:cNvCxnSpPr>
+            <a:cxnSpLocks/>
+            <a:stCxn id="29" idx="3"/>
+            <a:endCxn id="9" idx="1"/>
+          </p:cNvCxnSpPr>
+          <p:nvPr/>
+        </p:nvCxnSpPr>
+        <p:spPr>
           <a:xfrm flipV="1">
-            <a:off x="8650227" y="5284708"/>
-            <a:ext cx="460975" cy="386112"/>
+            <a:off x="8773563" y="5284708"/>
+            <a:ext cx="337639" cy="710636"/>
           </a:xfrm>
           <a:prstGeom prst="straightConnector1">
             <a:avLst/>
@@ -7408,69 +7735,23 @@
       </p:cxnSp>
       <p:cxnSp>
         <p:nvCxnSpPr>
-          <p:cNvPr id="80" name="Straight Arrow Connector 79">
-            <a:extLst>
-              <a:ext uri="{FF2B5EF4-FFF2-40B4-BE49-F238E27FC236}">
-                <a16:creationId xmlns:a16="http://schemas.microsoft.com/office/drawing/2014/main" id="{2CFE954F-A691-B012-9099-387D7EFA47B3}"/>
+          <p:cNvPr id="33" name="Straight Arrow Connector 32">
+            <a:extLst>
+              <a:ext uri="{FF2B5EF4-FFF2-40B4-BE49-F238E27FC236}">
+                <a16:creationId xmlns:a16="http://schemas.microsoft.com/office/drawing/2014/main" id="{EC4C5355-DEA1-DD67-30AB-15223CE366DA}"/>
               </a:ext>
             </a:extLst>
           </p:cNvPr>
           <p:cNvCxnSpPr>
             <a:cxnSpLocks/>
-            <a:stCxn id="46" idx="1"/>
-            <a:endCxn id="13" idx="3"/>
+            <a:stCxn id="29" idx="1"/>
           </p:cNvCxnSpPr>
           <p:nvPr/>
         </p:nvCxnSpPr>
         <p:spPr>
           <a:xfrm flipH="1">
-            <a:off x="5865214" y="4968178"/>
-            <a:ext cx="740538" cy="245010"/>
-          </a:xfrm>
-          <a:prstGeom prst="straightConnector1">
-            <a:avLst/>
-          </a:prstGeom>
-          <a:ln>
-            <a:prstDash val="dash"/>
-            <a:headEnd type="triangle" w="med" len="med"/>
-            <a:tailEnd type="none" w="med" len="med"/>
-          </a:ln>
-        </p:spPr>
-        <p:style>
-          <a:lnRef idx="1">
-            <a:schemeClr val="accent1"/>
-          </a:lnRef>
-          <a:fillRef idx="0">
-            <a:schemeClr val="accent1"/>
-          </a:fillRef>
-          <a:effectRef idx="0">
-            <a:schemeClr val="accent1"/>
-          </a:effectRef>
-          <a:fontRef idx="minor">
-            <a:schemeClr val="tx1"/>
-          </a:fontRef>
-        </p:style>
-      </p:cxnSp>
-      <p:cxnSp>
-        <p:nvCxnSpPr>
-          <p:cNvPr id="81" name="Straight Arrow Connector 80">
-            <a:extLst>
-              <a:ext uri="{FF2B5EF4-FFF2-40B4-BE49-F238E27FC236}">
-                <a16:creationId xmlns:a16="http://schemas.microsoft.com/office/drawing/2014/main" id="{071A4F5C-07B9-F822-8E7E-DA8F3CFAAD07}"/>
-              </a:ext>
-            </a:extLst>
-          </p:cNvPr>
-          <p:cNvCxnSpPr>
-            <a:cxnSpLocks/>
-            <a:stCxn id="52" idx="1"/>
-            <a:endCxn id="13" idx="3"/>
-          </p:cNvCxnSpPr>
-          <p:nvPr/>
-        </p:nvCxnSpPr>
-        <p:spPr>
-          <a:xfrm flipH="1" flipV="1">
-            <a:off x="5865214" y="5213188"/>
-            <a:ext cx="1063789" cy="457632"/>
+            <a:off x="5435322" y="5995344"/>
+            <a:ext cx="846500" cy="72153"/>
           </a:xfrm>
           <a:prstGeom prst="straightConnector1">
             <a:avLst/>
@@ -7499,7 +7780,7 @@
     </p:spTree>
     <p:extLst>
       <p:ext uri="{BB962C8B-B14F-4D97-AF65-F5344CB8AC3E}">
-        <p14:creationId xmlns:p14="http://schemas.microsoft.com/office/powerpoint/2010/main" val="614282524"/>
+        <p14:creationId xmlns:p14="http://schemas.microsoft.com/office/powerpoint/2010/main" val="17579035"/>
       </p:ext>
     </p:extLst>
   </p:cSld>
@@ -7528,10 +7809,10 @@
       </p:grpSpPr>
       <p:sp>
         <p:nvSpPr>
-          <p:cNvPr id="3" name="Rounded Rectangle 8">
-            <a:extLst>
-              <a:ext uri="{FF2B5EF4-FFF2-40B4-BE49-F238E27FC236}">
-                <a16:creationId xmlns:a16="http://schemas.microsoft.com/office/drawing/2014/main" id="{8D36C60B-8237-6E0F-1C9D-D33A856C8C7F}"/>
+          <p:cNvPr id="5" name="Rounded Rectangle 8">
+            <a:extLst>
+              <a:ext uri="{FF2B5EF4-FFF2-40B4-BE49-F238E27FC236}">
+                <a16:creationId xmlns:a16="http://schemas.microsoft.com/office/drawing/2014/main" id="{A35B7F23-E196-C9AF-E261-67520B7507E8}"/>
               </a:ext>
             </a:extLst>
           </p:cNvPr>
@@ -7540,8 +7821,8 @@
         </p:nvSpPr>
         <p:spPr>
           <a:xfrm>
-            <a:off x="6096000" y="576227"/>
-            <a:ext cx="1607265" cy="440864"/>
+            <a:off x="8135932" y="549476"/>
+            <a:ext cx="2272972" cy="440864"/>
           </a:xfrm>
           <a:prstGeom prst="roundRect">
             <a:avLst/>
@@ -7580,30 +7861,30 @@
                   <a:schemeClr val="tx1"/>
                 </a:solidFill>
               </a:rPr>
-              <a:t>average_stdev.js</a:t>
+              <a:t>tlv_logistics_s2d.js</a:t>
             </a:r>
           </a:p>
         </p:txBody>
       </p:sp>
       <p:cxnSp>
         <p:nvCxnSpPr>
-          <p:cNvPr id="4" name="Straight Arrow Connector 3">
-            <a:extLst>
-              <a:ext uri="{FF2B5EF4-FFF2-40B4-BE49-F238E27FC236}">
-                <a16:creationId xmlns:a16="http://schemas.microsoft.com/office/drawing/2014/main" id="{07D77D64-9A7A-506C-5E1C-D944C70AB05E}"/>
+          <p:cNvPr id="6" name="Straight Arrow Connector 5">
+            <a:extLst>
+              <a:ext uri="{FF2B5EF4-FFF2-40B4-BE49-F238E27FC236}">
+                <a16:creationId xmlns:a16="http://schemas.microsoft.com/office/drawing/2014/main" id="{62B88C16-6D18-7417-2785-46A60CF6FC15}"/>
               </a:ext>
             </a:extLst>
           </p:cNvPr>
           <p:cNvCxnSpPr>
             <a:cxnSpLocks/>
-            <a:endCxn id="3" idx="0"/>
+            <a:endCxn id="5" idx="0"/>
           </p:cNvCxnSpPr>
           <p:nvPr/>
         </p:nvCxnSpPr>
         <p:spPr>
           <a:xfrm>
-            <a:off x="6899633" y="214095"/>
-            <a:ext cx="0" cy="362132"/>
+            <a:off x="9272418" y="175691"/>
+            <a:ext cx="0" cy="373785"/>
           </a:xfrm>
           <a:prstGeom prst="straightConnector1">
             <a:avLst/>
@@ -7631,10 +7912,10 @@
       </p:cxnSp>
       <p:sp>
         <p:nvSpPr>
-          <p:cNvPr id="5" name="Rounded Rectangle 8">
-            <a:extLst>
-              <a:ext uri="{FF2B5EF4-FFF2-40B4-BE49-F238E27FC236}">
-                <a16:creationId xmlns:a16="http://schemas.microsoft.com/office/drawing/2014/main" id="{A35B7F23-E196-C9AF-E261-67520B7507E8}"/>
+          <p:cNvPr id="7" name="Rectangle 6">
+            <a:extLst>
+              <a:ext uri="{FF2B5EF4-FFF2-40B4-BE49-F238E27FC236}">
+                <a16:creationId xmlns:a16="http://schemas.microsoft.com/office/drawing/2014/main" id="{DCF5C647-2A03-A447-F79F-81DC59B12C0C}"/>
               </a:ext>
             </a:extLst>
           </p:cNvPr>
@@ -7643,7 +7924,169 @@
         </p:nvSpPr>
         <p:spPr>
           <a:xfrm>
-            <a:off x="8135932" y="549476"/>
+            <a:off x="6551857" y="1415118"/>
+            <a:ext cx="3339565" cy="373926"/>
+          </a:xfrm>
+          <a:prstGeom prst="rect">
+            <a:avLst/>
+          </a:prstGeom>
+          <a:noFill/>
+          <a:ln w="38100">
+            <a:solidFill>
+              <a:schemeClr val="tx1"/>
+            </a:solidFill>
+          </a:ln>
+        </p:spPr>
+        <p:style>
+          <a:lnRef idx="2">
+            <a:schemeClr val="accent1">
+              <a:shade val="50000"/>
+            </a:schemeClr>
+          </a:lnRef>
+          <a:fillRef idx="1">
+            <a:schemeClr val="accent1"/>
+          </a:fillRef>
+          <a:effectRef idx="0">
+            <a:schemeClr val="accent1"/>
+          </a:effectRef>
+          <a:fontRef idx="minor">
+            <a:schemeClr val="lt1"/>
+          </a:fontRef>
+        </p:style>
+        <p:txBody>
+          <a:bodyPr rtlCol="0" anchor="b"/>
+          <a:lstStyle/>
+          <a:p>
+            <a:pPr algn="ctr"/>
+            <a:r>
+              <a:rPr lang="en-US" sz="1600" dirty="0">
+                <a:solidFill>
+                  <a:schemeClr val="tx1"/>
+                </a:solidFill>
+              </a:rPr>
+              <a:t>gzip_big_files_tlv_logistics.py</a:t>
+            </a:r>
+          </a:p>
+        </p:txBody>
+      </p:sp>
+      <p:cxnSp>
+        <p:nvCxnSpPr>
+          <p:cNvPr id="9" name="Straight Arrow Connector 8">
+            <a:extLst>
+              <a:ext uri="{FF2B5EF4-FFF2-40B4-BE49-F238E27FC236}">
+                <a16:creationId xmlns:a16="http://schemas.microsoft.com/office/drawing/2014/main" id="{C734BFB3-6E61-A5CA-CBAF-212800775A40}"/>
+              </a:ext>
+            </a:extLst>
+          </p:cNvPr>
+          <p:cNvCxnSpPr>
+            <a:cxnSpLocks/>
+            <a:stCxn id="5" idx="2"/>
+            <a:endCxn id="7" idx="0"/>
+          </p:cNvCxnSpPr>
+          <p:nvPr/>
+        </p:nvCxnSpPr>
+        <p:spPr>
+          <a:xfrm flipH="1">
+            <a:off x="8221640" y="990340"/>
+            <a:ext cx="1050778" cy="424778"/>
+          </a:xfrm>
+          <a:prstGeom prst="straightConnector1">
+            <a:avLst/>
+          </a:prstGeom>
+          <a:ln w="12700">
+            <a:headEnd type="none" w="med" len="med"/>
+            <a:tailEnd type="triangle" w="med" len="med"/>
+          </a:ln>
+        </p:spPr>
+        <p:style>
+          <a:lnRef idx="1">
+            <a:schemeClr val="accent1"/>
+          </a:lnRef>
+          <a:fillRef idx="0">
+            <a:schemeClr val="accent1"/>
+          </a:fillRef>
+          <a:effectRef idx="0">
+            <a:schemeClr val="accent1"/>
+          </a:effectRef>
+          <a:fontRef idx="minor">
+            <a:schemeClr val="tx1"/>
+          </a:fontRef>
+        </p:style>
+      </p:cxnSp>
+      <p:sp>
+        <p:nvSpPr>
+          <p:cNvPr id="11" name="Rectangle 10">
+            <a:extLst>
+              <a:ext uri="{FF2B5EF4-FFF2-40B4-BE49-F238E27FC236}">
+                <a16:creationId xmlns:a16="http://schemas.microsoft.com/office/drawing/2014/main" id="{DB0C129A-C680-A4D4-025B-D561A7183F27}"/>
+              </a:ext>
+            </a:extLst>
+          </p:cNvPr>
+          <p:cNvSpPr/>
+          <p:nvPr/>
+        </p:nvSpPr>
+        <p:spPr>
+          <a:xfrm>
+            <a:off x="9050867" y="5196117"/>
+            <a:ext cx="2514600" cy="784282"/>
+          </a:xfrm>
+          <a:prstGeom prst="rect">
+            <a:avLst/>
+          </a:prstGeom>
+          <a:noFill/>
+          <a:ln w="38100">
+            <a:solidFill>
+              <a:schemeClr val="tx1"/>
+            </a:solidFill>
+          </a:ln>
+        </p:spPr>
+        <p:style>
+          <a:lnRef idx="2">
+            <a:schemeClr val="accent1">
+              <a:shade val="50000"/>
+            </a:schemeClr>
+          </a:lnRef>
+          <a:fillRef idx="1">
+            <a:schemeClr val="accent1"/>
+          </a:fillRef>
+          <a:effectRef idx="0">
+            <a:schemeClr val="accent1"/>
+          </a:effectRef>
+          <a:fontRef idx="minor">
+            <a:schemeClr val="lt1"/>
+          </a:fontRef>
+        </p:style>
+        <p:txBody>
+          <a:bodyPr rtlCol="0" anchor="t"/>
+          <a:lstStyle/>
+          <a:p>
+            <a:pPr algn="ctr"/>
+            <a:r>
+              <a:rPr lang="en-US" sz="1600" dirty="0">
+                <a:solidFill>
+                  <a:schemeClr val="tx1"/>
+                </a:solidFill>
+              </a:rPr>
+              <a:t>Leaflet</a:t>
+            </a:r>
+          </a:p>
+        </p:txBody>
+      </p:sp>
+      <p:sp>
+        <p:nvSpPr>
+          <p:cNvPr id="20" name="Rounded Rectangle 8">
+            <a:extLst>
+              <a:ext uri="{FF2B5EF4-FFF2-40B4-BE49-F238E27FC236}">
+                <a16:creationId xmlns:a16="http://schemas.microsoft.com/office/drawing/2014/main" id="{78F00FC4-1680-08E5-102B-F316DB1464AF}"/>
+              </a:ext>
+            </a:extLst>
+          </p:cNvPr>
+          <p:cNvSpPr/>
+          <p:nvPr/>
+        </p:nvSpPr>
+        <p:spPr>
+          <a:xfrm>
+            <a:off x="8453545" y="2365036"/>
             <a:ext cx="2272972" cy="440864"/>
           </a:xfrm>
           <a:prstGeom prst="roundRect">
@@ -7683,423 +8126,11 @@
                   <a:schemeClr val="tx1"/>
                 </a:solidFill>
               </a:rPr>
-              <a:t>street_segments25.js</a:t>
-            </a:r>
-          </a:p>
-        </p:txBody>
-      </p:sp>
-      <p:cxnSp>
-        <p:nvCxnSpPr>
-          <p:cNvPr id="6" name="Straight Arrow Connector 5">
-            <a:extLst>
-              <a:ext uri="{FF2B5EF4-FFF2-40B4-BE49-F238E27FC236}">
-                <a16:creationId xmlns:a16="http://schemas.microsoft.com/office/drawing/2014/main" id="{62B88C16-6D18-7417-2785-46A60CF6FC15}"/>
-              </a:ext>
-            </a:extLst>
-          </p:cNvPr>
-          <p:cNvCxnSpPr>
-            <a:cxnSpLocks/>
-            <a:endCxn id="5" idx="0"/>
-          </p:cNvCxnSpPr>
-          <p:nvPr/>
-        </p:nvCxnSpPr>
-        <p:spPr>
-          <a:xfrm>
-            <a:off x="9272418" y="175691"/>
-            <a:ext cx="0" cy="373785"/>
-          </a:xfrm>
-          <a:prstGeom prst="straightConnector1">
-            <a:avLst/>
-          </a:prstGeom>
-          <a:ln w="12700">
-            <a:prstDash val="dash"/>
-            <a:headEnd type="none" w="med" len="med"/>
-            <a:tailEnd type="triangle" w="med" len="med"/>
-          </a:ln>
-        </p:spPr>
-        <p:style>
-          <a:lnRef idx="1">
-            <a:schemeClr val="accent1"/>
-          </a:lnRef>
-          <a:fillRef idx="0">
-            <a:schemeClr val="accent1"/>
-          </a:fillRef>
-          <a:effectRef idx="0">
-            <a:schemeClr val="accent1"/>
-          </a:effectRef>
-          <a:fontRef idx="minor">
-            <a:schemeClr val="tx1"/>
-          </a:fontRef>
-        </p:style>
-      </p:cxnSp>
-      <p:sp>
-        <p:nvSpPr>
-          <p:cNvPr id="7" name="Rectangle 6">
-            <a:extLst>
-              <a:ext uri="{FF2B5EF4-FFF2-40B4-BE49-F238E27FC236}">
-                <a16:creationId xmlns:a16="http://schemas.microsoft.com/office/drawing/2014/main" id="{DCF5C647-2A03-A447-F79F-81DC59B12C0C}"/>
-              </a:ext>
-            </a:extLst>
-          </p:cNvPr>
-          <p:cNvSpPr/>
-          <p:nvPr/>
-        </p:nvSpPr>
-        <p:spPr>
-          <a:xfrm>
-            <a:off x="6551857" y="1415118"/>
-            <a:ext cx="3339565" cy="373926"/>
-          </a:xfrm>
-          <a:prstGeom prst="rect">
-            <a:avLst/>
-          </a:prstGeom>
-          <a:noFill/>
-          <a:ln w="38100">
-            <a:solidFill>
-              <a:schemeClr val="tx1"/>
-            </a:solidFill>
-          </a:ln>
-        </p:spPr>
-        <p:style>
-          <a:lnRef idx="2">
-            <a:schemeClr val="accent1">
-              <a:shade val="50000"/>
-            </a:schemeClr>
-          </a:lnRef>
-          <a:fillRef idx="1">
-            <a:schemeClr val="accent1"/>
-          </a:fillRef>
-          <a:effectRef idx="0">
-            <a:schemeClr val="accent1"/>
-          </a:effectRef>
-          <a:fontRef idx="minor">
-            <a:schemeClr val="lt1"/>
-          </a:fontRef>
-        </p:style>
-        <p:txBody>
-          <a:bodyPr rtlCol="0" anchor="b"/>
-          <a:lstStyle/>
-          <a:p>
-            <a:pPr algn="ctr"/>
-            <a:r>
-              <a:rPr lang="en-US" sz="1600" dirty="0">
-                <a:solidFill>
-                  <a:schemeClr val="tx1"/>
-                </a:solidFill>
-              </a:rPr>
-              <a:t>gzip_big_files_tlv_logistics_norm.py</a:t>
-            </a:r>
-          </a:p>
-        </p:txBody>
-      </p:sp>
-      <p:cxnSp>
-        <p:nvCxnSpPr>
-          <p:cNvPr id="8" name="Straight Arrow Connector 7">
-            <a:extLst>
-              <a:ext uri="{FF2B5EF4-FFF2-40B4-BE49-F238E27FC236}">
-                <a16:creationId xmlns:a16="http://schemas.microsoft.com/office/drawing/2014/main" id="{AC0F40C7-CFFA-E6B9-DEAE-E115C12A4834}"/>
-              </a:ext>
-            </a:extLst>
-          </p:cNvPr>
-          <p:cNvCxnSpPr>
-            <a:cxnSpLocks/>
-            <a:stCxn id="3" idx="2"/>
-            <a:endCxn id="7" idx="0"/>
-          </p:cNvCxnSpPr>
-          <p:nvPr/>
-        </p:nvCxnSpPr>
-        <p:spPr>
-          <a:xfrm>
-            <a:off x="6899633" y="1017091"/>
-            <a:ext cx="1322007" cy="398027"/>
-          </a:xfrm>
-          <a:prstGeom prst="straightConnector1">
-            <a:avLst/>
-          </a:prstGeom>
-          <a:ln w="12700">
-            <a:headEnd type="none" w="med" len="med"/>
-            <a:tailEnd type="triangle" w="med" len="med"/>
-          </a:ln>
-        </p:spPr>
-        <p:style>
-          <a:lnRef idx="1">
-            <a:schemeClr val="accent1"/>
-          </a:lnRef>
-          <a:fillRef idx="0">
-            <a:schemeClr val="accent1"/>
-          </a:fillRef>
-          <a:effectRef idx="0">
-            <a:schemeClr val="accent1"/>
-          </a:effectRef>
-          <a:fontRef idx="minor">
-            <a:schemeClr val="tx1"/>
-          </a:fontRef>
-        </p:style>
-      </p:cxnSp>
-      <p:cxnSp>
-        <p:nvCxnSpPr>
-          <p:cNvPr id="9" name="Straight Arrow Connector 8">
-            <a:extLst>
-              <a:ext uri="{FF2B5EF4-FFF2-40B4-BE49-F238E27FC236}">
-                <a16:creationId xmlns:a16="http://schemas.microsoft.com/office/drawing/2014/main" id="{C734BFB3-6E61-A5CA-CBAF-212800775A40}"/>
-              </a:ext>
-            </a:extLst>
-          </p:cNvPr>
-          <p:cNvCxnSpPr>
-            <a:cxnSpLocks/>
-            <a:stCxn id="5" idx="2"/>
-            <a:endCxn id="7" idx="0"/>
-          </p:cNvCxnSpPr>
-          <p:nvPr/>
-        </p:nvCxnSpPr>
-        <p:spPr>
-          <a:xfrm flipH="1">
-            <a:off x="8221640" y="990340"/>
-            <a:ext cx="1050778" cy="424778"/>
-          </a:xfrm>
-          <a:prstGeom prst="straightConnector1">
-            <a:avLst/>
-          </a:prstGeom>
-          <a:ln w="12700">
-            <a:headEnd type="none" w="med" len="med"/>
-            <a:tailEnd type="triangle" w="med" len="med"/>
-          </a:ln>
-        </p:spPr>
-        <p:style>
-          <a:lnRef idx="1">
-            <a:schemeClr val="accent1"/>
-          </a:lnRef>
-          <a:fillRef idx="0">
-            <a:schemeClr val="accent1"/>
-          </a:fillRef>
-          <a:effectRef idx="0">
-            <a:schemeClr val="accent1"/>
-          </a:effectRef>
-          <a:fontRef idx="minor">
-            <a:schemeClr val="tx1"/>
-          </a:fontRef>
-        </p:style>
-      </p:cxnSp>
-      <p:sp>
-        <p:nvSpPr>
-          <p:cNvPr id="11" name="Rectangle 10">
-            <a:extLst>
-              <a:ext uri="{FF2B5EF4-FFF2-40B4-BE49-F238E27FC236}">
-                <a16:creationId xmlns:a16="http://schemas.microsoft.com/office/drawing/2014/main" id="{DB0C129A-C680-A4D4-025B-D561A7183F27}"/>
-              </a:ext>
-            </a:extLst>
-          </p:cNvPr>
-          <p:cNvSpPr/>
-          <p:nvPr/>
-        </p:nvSpPr>
-        <p:spPr>
-          <a:xfrm>
-            <a:off x="7434564" y="5670623"/>
-            <a:ext cx="2037962" cy="784282"/>
-          </a:xfrm>
-          <a:prstGeom prst="rect">
-            <a:avLst/>
-          </a:prstGeom>
-          <a:noFill/>
-          <a:ln w="38100">
-            <a:solidFill>
-              <a:schemeClr val="tx1"/>
-            </a:solidFill>
-          </a:ln>
-        </p:spPr>
-        <p:style>
-          <a:lnRef idx="2">
-            <a:schemeClr val="accent1">
-              <a:shade val="50000"/>
-            </a:schemeClr>
-          </a:lnRef>
-          <a:fillRef idx="1">
-            <a:schemeClr val="accent1"/>
-          </a:fillRef>
-          <a:effectRef idx="0">
-            <a:schemeClr val="accent1"/>
-          </a:effectRef>
-          <a:fontRef idx="minor">
-            <a:schemeClr val="lt1"/>
-          </a:fontRef>
-        </p:style>
-        <p:txBody>
-          <a:bodyPr rtlCol="0" anchor="b"/>
-          <a:lstStyle/>
-          <a:p>
-            <a:pPr algn="ctr"/>
-            <a:r>
-              <a:rPr lang="en-US" sz="1600" dirty="0">
-                <a:solidFill>
-                  <a:schemeClr val="tx1"/>
-                </a:solidFill>
-              </a:rPr>
-              <a:t>Leaflet</a:t>
-            </a:r>
-          </a:p>
-        </p:txBody>
-      </p:sp>
-      <p:sp>
-        <p:nvSpPr>
-          <p:cNvPr id="19" name="Rounded Rectangle 8">
-            <a:extLst>
-              <a:ext uri="{FF2B5EF4-FFF2-40B4-BE49-F238E27FC236}">
-                <a16:creationId xmlns:a16="http://schemas.microsoft.com/office/drawing/2014/main" id="{70892939-C727-4E06-C48B-5D3183374A43}"/>
-              </a:ext>
-            </a:extLst>
-          </p:cNvPr>
-          <p:cNvSpPr/>
-          <p:nvPr/>
-        </p:nvSpPr>
-        <p:spPr>
-          <a:xfrm>
-            <a:off x="5862961" y="2360785"/>
-            <a:ext cx="2272972" cy="440864"/>
-          </a:xfrm>
-          <a:prstGeom prst="roundRect">
-            <a:avLst/>
-          </a:prstGeom>
-          <a:noFill/>
-          <a:ln w="12700">
-            <a:solidFill>
-              <a:schemeClr val="tx1"/>
-            </a:solidFill>
-          </a:ln>
-        </p:spPr>
-        <p:style>
-          <a:lnRef idx="2">
-            <a:schemeClr val="accent1">
-              <a:shade val="50000"/>
-            </a:schemeClr>
-          </a:lnRef>
-          <a:fillRef idx="1">
-            <a:schemeClr val="accent1"/>
-          </a:fillRef>
-          <a:effectRef idx="0">
-            <a:schemeClr val="accent1"/>
-          </a:effectRef>
-          <a:fontRef idx="minor">
-            <a:schemeClr val="lt1"/>
-          </a:fontRef>
-        </p:style>
-        <p:txBody>
-          <a:bodyPr rtlCol="0" anchor="ctr"/>
-          <a:lstStyle/>
-          <a:p>
-            <a:pPr algn="ctr"/>
-            <a:r>
-              <a:rPr lang="en-US" sz="1400" dirty="0">
-                <a:solidFill>
-                  <a:schemeClr val="tx1"/>
-                </a:solidFill>
-              </a:rPr>
-              <a:t>average_stdev.js.gz</a:t>
-            </a:r>
-          </a:p>
-        </p:txBody>
-      </p:sp>
-      <p:sp>
-        <p:nvSpPr>
-          <p:cNvPr id="20" name="Rounded Rectangle 8">
-            <a:extLst>
-              <a:ext uri="{FF2B5EF4-FFF2-40B4-BE49-F238E27FC236}">
-                <a16:creationId xmlns:a16="http://schemas.microsoft.com/office/drawing/2014/main" id="{78F00FC4-1680-08E5-102B-F316DB1464AF}"/>
-              </a:ext>
-            </a:extLst>
-          </p:cNvPr>
-          <p:cNvSpPr/>
-          <p:nvPr/>
-        </p:nvSpPr>
-        <p:spPr>
-          <a:xfrm>
-            <a:off x="8453545" y="2365036"/>
-            <a:ext cx="2272972" cy="440864"/>
-          </a:xfrm>
-          <a:prstGeom prst="roundRect">
-            <a:avLst/>
-          </a:prstGeom>
-          <a:noFill/>
-          <a:ln w="12700">
-            <a:solidFill>
-              <a:schemeClr val="tx1"/>
-            </a:solidFill>
-          </a:ln>
-        </p:spPr>
-        <p:style>
-          <a:lnRef idx="2">
-            <a:schemeClr val="accent1">
-              <a:shade val="50000"/>
-            </a:schemeClr>
-          </a:lnRef>
-          <a:fillRef idx="1">
-            <a:schemeClr val="accent1"/>
-          </a:fillRef>
-          <a:effectRef idx="0">
-            <a:schemeClr val="accent1"/>
-          </a:effectRef>
-          <a:fontRef idx="minor">
-            <a:schemeClr val="lt1"/>
-          </a:fontRef>
-        </p:style>
-        <p:txBody>
-          <a:bodyPr rtlCol="0" anchor="ctr"/>
-          <a:lstStyle/>
-          <a:p>
-            <a:pPr algn="ctr"/>
-            <a:r>
-              <a:rPr lang="en-US" sz="1400" dirty="0">
-                <a:solidFill>
-                  <a:schemeClr val="tx1"/>
-                </a:solidFill>
-              </a:rPr>
-              <a:t>street_segments25.js.gz</a:t>
-            </a:r>
-          </a:p>
-        </p:txBody>
-      </p:sp>
-      <p:cxnSp>
-        <p:nvCxnSpPr>
-          <p:cNvPr id="21" name="Straight Arrow Connector 20">
-            <a:extLst>
-              <a:ext uri="{FF2B5EF4-FFF2-40B4-BE49-F238E27FC236}">
-                <a16:creationId xmlns:a16="http://schemas.microsoft.com/office/drawing/2014/main" id="{FDC6BB30-AD80-3324-8559-52AB8401CB6B}"/>
-              </a:ext>
-            </a:extLst>
-          </p:cNvPr>
-          <p:cNvCxnSpPr>
-            <a:cxnSpLocks/>
-            <a:stCxn id="7" idx="2"/>
-            <a:endCxn id="19" idx="0"/>
-          </p:cNvCxnSpPr>
-          <p:nvPr/>
-        </p:nvCxnSpPr>
-        <p:spPr>
-          <a:xfrm flipH="1">
-            <a:off x="6999447" y="1789044"/>
-            <a:ext cx="1222193" cy="571741"/>
-          </a:xfrm>
-          <a:prstGeom prst="straightConnector1">
-            <a:avLst/>
-          </a:prstGeom>
-          <a:ln w="12700">
-            <a:headEnd type="none" w="med" len="med"/>
-            <a:tailEnd type="triangle" w="med" len="med"/>
-          </a:ln>
-        </p:spPr>
-        <p:style>
-          <a:lnRef idx="1">
-            <a:schemeClr val="accent1"/>
-          </a:lnRef>
-          <a:fillRef idx="0">
-            <a:schemeClr val="accent1"/>
-          </a:fillRef>
-          <a:effectRef idx="0">
-            <a:schemeClr val="accent1"/>
-          </a:effectRef>
-          <a:fontRef idx="minor">
-            <a:schemeClr val="tx1"/>
-          </a:fontRef>
-        </p:style>
-      </p:cxnSp>
+              <a:t>tlv_logistics_s2d.js.gz</a:t>
+            </a:r>
+          </a:p>
+        </p:txBody>
+      </p:sp>
       <p:cxnSp>
         <p:nvCxnSpPr>
           <p:cNvPr id="24" name="Straight Arrow Connector 23">
@@ -8264,7 +8295,7 @@
                   <a:schemeClr val="tx1"/>
                 </a:solidFill>
               </a:rPr>
-              <a:t>tlv_logistics_norm_web_app</a:t>
+              <a:t>tlv_logistics_web_app</a:t>
             </a:r>
             <a:r>
               <a:rPr lang="en-US" sz="1600" dirty="0">
@@ -8307,7 +8338,7 @@
                   <a:schemeClr val="tx1"/>
                 </a:solidFill>
               </a:rPr>
-              <a:t>average_stdev.js</a:t>
+              <a:t>tlv_logistics_s2d.js</a:t>
             </a:r>
           </a:p>
           <a:p>
@@ -8318,7 +8349,7 @@
                   <a:schemeClr val="tx1"/>
                 </a:solidFill>
               </a:rPr>
-              <a:t>street_segments25.js</a:t>
+              <a:t>voc_output_to_web_app_v1.js</a:t>
             </a:r>
           </a:p>
         </p:txBody>
@@ -8466,55 +8497,11 @@
                   <a:schemeClr val="tx1"/>
                 </a:solidFill>
               </a:rPr>
-              <a:t>upload_tlv_logistics_norm2aws_s3.py</a:t>
-            </a:r>
-          </a:p>
-        </p:txBody>
-      </p:sp>
-      <p:cxnSp>
-        <p:nvCxnSpPr>
-          <p:cNvPr id="61" name="Straight Arrow Connector 60">
-            <a:extLst>
-              <a:ext uri="{FF2B5EF4-FFF2-40B4-BE49-F238E27FC236}">
-                <a16:creationId xmlns:a16="http://schemas.microsoft.com/office/drawing/2014/main" id="{69492C8B-AED6-2E07-9CA1-33C33FAF4C8A}"/>
-              </a:ext>
-            </a:extLst>
-          </p:cNvPr>
-          <p:cNvCxnSpPr>
-            <a:cxnSpLocks/>
-            <a:stCxn id="19" idx="2"/>
-            <a:endCxn id="60" idx="0"/>
-          </p:cNvCxnSpPr>
-          <p:nvPr/>
-        </p:nvCxnSpPr>
-        <p:spPr>
-          <a:xfrm>
-            <a:off x="6999447" y="2801649"/>
-            <a:ext cx="1625605" cy="360953"/>
-          </a:xfrm>
-          <a:prstGeom prst="straightConnector1">
-            <a:avLst/>
-          </a:prstGeom>
-          <a:ln w="12700">
-            <a:headEnd type="none" w="med" len="med"/>
-            <a:tailEnd type="triangle" w="med" len="med"/>
-          </a:ln>
-        </p:spPr>
-        <p:style>
-          <a:lnRef idx="1">
-            <a:schemeClr val="accent1"/>
-          </a:lnRef>
-          <a:fillRef idx="0">
-            <a:schemeClr val="accent1"/>
-          </a:fillRef>
-          <a:effectRef idx="0">
-            <a:schemeClr val="accent1"/>
-          </a:effectRef>
-          <a:fontRef idx="minor">
-            <a:schemeClr val="tx1"/>
-          </a:fontRef>
-        </p:style>
-      </p:cxnSp>
+              <a:t>upload_tlv_logistics2aws_s3.py</a:t>
+            </a:r>
+          </a:p>
+        </p:txBody>
+      </p:sp>
       <p:cxnSp>
         <p:nvCxnSpPr>
           <p:cNvPr id="62" name="Straight Arrow Connector 61">
@@ -8570,15 +8557,15 @@
           </p:cNvPr>
           <p:cNvCxnSpPr>
             <a:cxnSpLocks/>
-            <a:stCxn id="49" idx="1"/>
+            <a:stCxn id="49" idx="0"/>
             <a:endCxn id="11" idx="0"/>
           </p:cNvCxnSpPr>
           <p:nvPr/>
         </p:nvCxnSpPr>
         <p:spPr>
-          <a:xfrm flipH="1">
-            <a:off x="8453545" y="5176520"/>
-            <a:ext cx="93487" cy="494103"/>
+          <a:xfrm>
+            <a:off x="9403428" y="4595862"/>
+            <a:ext cx="904739" cy="600255"/>
           </a:xfrm>
           <a:prstGeom prst="straightConnector1">
             <a:avLst/>
@@ -8602,10 +8589,437 @@
           </a:fontRef>
         </p:style>
       </p:cxnSp>
+      <p:sp>
+        <p:nvSpPr>
+          <p:cNvPr id="2" name="Rectangle: Rounded Corners 1">
+            <a:extLst>
+              <a:ext uri="{FF2B5EF4-FFF2-40B4-BE49-F238E27FC236}">
+                <a16:creationId xmlns:a16="http://schemas.microsoft.com/office/drawing/2014/main" id="{4FDF24AA-D1FA-2F74-2FE9-A1C14B27A8EA}"/>
+              </a:ext>
+            </a:extLst>
+          </p:cNvPr>
+          <p:cNvSpPr/>
+          <p:nvPr/>
+        </p:nvSpPr>
+        <p:spPr>
+          <a:xfrm>
+            <a:off x="5105404" y="304800"/>
+            <a:ext cx="2692324" cy="645885"/>
+          </a:xfrm>
+          <a:prstGeom prst="roundRect">
+            <a:avLst/>
+          </a:prstGeom>
+          <a:solidFill>
+            <a:schemeClr val="bg1"/>
+          </a:solidFill>
+          <a:ln w="12700">
+            <a:solidFill>
+              <a:schemeClr val="tx1"/>
+            </a:solidFill>
+          </a:ln>
+        </p:spPr>
+        <p:style>
+          <a:lnRef idx="2">
+            <a:schemeClr val="accent1">
+              <a:shade val="50000"/>
+            </a:schemeClr>
+          </a:lnRef>
+          <a:fillRef idx="1">
+            <a:schemeClr val="accent1"/>
+          </a:fillRef>
+          <a:effectRef idx="0">
+            <a:schemeClr val="accent1"/>
+          </a:effectRef>
+          <a:fontRef idx="minor">
+            <a:schemeClr val="lt1"/>
+          </a:fontRef>
+        </p:style>
+        <p:txBody>
+          <a:bodyPr rtlCol="0" anchor="ctr"/>
+          <a:lstStyle/>
+          <a:p>
+            <a:pPr algn="ctr"/>
+            <a:r>
+              <a:rPr lang="en-US" sz="1400" dirty="0">
+                <a:solidFill>
+                  <a:schemeClr val="tx1"/>
+                </a:solidFill>
+              </a:rPr>
+              <a:t>index.html</a:t>
+            </a:r>
+          </a:p>
+          <a:p>
+            <a:pPr algn="ctr"/>
+            <a:r>
+              <a:rPr lang="en-US" sz="1400" dirty="0">
+                <a:solidFill>
+                  <a:schemeClr val="tx1"/>
+                </a:solidFill>
+              </a:rPr>
+              <a:t>voc_output_to_web_app_v1.js</a:t>
+            </a:r>
+          </a:p>
+        </p:txBody>
+      </p:sp>
+      <p:sp>
+        <p:nvSpPr>
+          <p:cNvPr id="3" name="Rectangle: Rounded Corners 2">
+            <a:extLst>
+              <a:ext uri="{FF2B5EF4-FFF2-40B4-BE49-F238E27FC236}">
+                <a16:creationId xmlns:a16="http://schemas.microsoft.com/office/drawing/2014/main" id="{25DB6CA9-AB8D-E838-E9F6-CEBE760EFF42}"/>
+              </a:ext>
+            </a:extLst>
+          </p:cNvPr>
+          <p:cNvSpPr/>
+          <p:nvPr/>
+        </p:nvSpPr>
+        <p:spPr>
+          <a:xfrm>
+            <a:off x="5118712" y="2199543"/>
+            <a:ext cx="2866287" cy="649411"/>
+          </a:xfrm>
+          <a:prstGeom prst="roundRect">
+            <a:avLst/>
+          </a:prstGeom>
+          <a:solidFill>
+            <a:schemeClr val="bg1"/>
+          </a:solidFill>
+          <a:ln w="12700">
+            <a:solidFill>
+              <a:schemeClr val="tx1"/>
+            </a:solidFill>
+          </a:ln>
+        </p:spPr>
+        <p:style>
+          <a:lnRef idx="2">
+            <a:schemeClr val="accent1">
+              <a:shade val="50000"/>
+            </a:schemeClr>
+          </a:lnRef>
+          <a:fillRef idx="1">
+            <a:schemeClr val="accent1"/>
+          </a:fillRef>
+          <a:effectRef idx="0">
+            <a:schemeClr val="accent1"/>
+          </a:effectRef>
+          <a:fontRef idx="minor">
+            <a:schemeClr val="lt1"/>
+          </a:fontRef>
+        </p:style>
+        <p:txBody>
+          <a:bodyPr rtlCol="0" anchor="ctr"/>
+          <a:lstStyle/>
+          <a:p>
+            <a:pPr algn="ctr"/>
+            <a:r>
+              <a:rPr lang="en-US" sz="1400" dirty="0">
+                <a:solidFill>
+                  <a:schemeClr val="tx1"/>
+                </a:solidFill>
+              </a:rPr>
+              <a:t>index.html</a:t>
+            </a:r>
+          </a:p>
+          <a:p>
+            <a:pPr algn="ctr"/>
+            <a:r>
+              <a:rPr lang="en-US" sz="1400" dirty="0">
+                <a:solidFill>
+                  <a:schemeClr val="tx1"/>
+                </a:solidFill>
+              </a:rPr>
+              <a:t>voc_output_to_web_app_v1.js</a:t>
+            </a:r>
+          </a:p>
+        </p:txBody>
+      </p:sp>
+      <p:cxnSp>
+        <p:nvCxnSpPr>
+          <p:cNvPr id="4" name="Straight Arrow Connector 3">
+            <a:extLst>
+              <a:ext uri="{FF2B5EF4-FFF2-40B4-BE49-F238E27FC236}">
+                <a16:creationId xmlns:a16="http://schemas.microsoft.com/office/drawing/2014/main" id="{6E3446E8-F4CF-2EC1-1541-738A78076448}"/>
+              </a:ext>
+            </a:extLst>
+          </p:cNvPr>
+          <p:cNvCxnSpPr>
+            <a:cxnSpLocks/>
+            <a:endCxn id="2" idx="0"/>
+          </p:cNvCxnSpPr>
+          <p:nvPr/>
+        </p:nvCxnSpPr>
+        <p:spPr>
+          <a:xfrm>
+            <a:off x="6451566" y="86380"/>
+            <a:ext cx="0" cy="218420"/>
+          </a:xfrm>
+          <a:prstGeom prst="straightConnector1">
+            <a:avLst/>
+          </a:prstGeom>
+          <a:ln w="12700">
+            <a:prstDash val="dash"/>
+            <a:headEnd type="none" w="med" len="med"/>
+            <a:tailEnd type="triangle" w="med" len="med"/>
+          </a:ln>
+        </p:spPr>
+        <p:style>
+          <a:lnRef idx="1">
+            <a:schemeClr val="accent1"/>
+          </a:lnRef>
+          <a:fillRef idx="0">
+            <a:schemeClr val="accent1"/>
+          </a:fillRef>
+          <a:effectRef idx="0">
+            <a:schemeClr val="accent1"/>
+          </a:effectRef>
+          <a:fontRef idx="minor">
+            <a:schemeClr val="tx1"/>
+          </a:fontRef>
+        </p:style>
+      </p:cxnSp>
+      <p:cxnSp>
+        <p:nvCxnSpPr>
+          <p:cNvPr id="12" name="Straight Arrow Connector 11">
+            <a:extLst>
+              <a:ext uri="{FF2B5EF4-FFF2-40B4-BE49-F238E27FC236}">
+                <a16:creationId xmlns:a16="http://schemas.microsoft.com/office/drawing/2014/main" id="{3ABDF724-83EF-46E8-0F69-565CDE9FDD8D}"/>
+              </a:ext>
+            </a:extLst>
+          </p:cNvPr>
+          <p:cNvCxnSpPr>
+            <a:cxnSpLocks/>
+            <a:stCxn id="2" idx="2"/>
+            <a:endCxn id="7" idx="0"/>
+          </p:cNvCxnSpPr>
+          <p:nvPr/>
+        </p:nvCxnSpPr>
+        <p:spPr>
+          <a:xfrm>
+            <a:off x="6451566" y="950685"/>
+            <a:ext cx="1770074" cy="464433"/>
+          </a:xfrm>
+          <a:prstGeom prst="straightConnector1">
+            <a:avLst/>
+          </a:prstGeom>
+          <a:ln w="12700">
+            <a:headEnd type="none" w="med" len="med"/>
+            <a:tailEnd type="triangle" w="med" len="med"/>
+          </a:ln>
+        </p:spPr>
+        <p:style>
+          <a:lnRef idx="1">
+            <a:schemeClr val="accent1"/>
+          </a:lnRef>
+          <a:fillRef idx="0">
+            <a:schemeClr val="accent1"/>
+          </a:fillRef>
+          <a:effectRef idx="0">
+            <a:schemeClr val="accent1"/>
+          </a:effectRef>
+          <a:fontRef idx="minor">
+            <a:schemeClr val="tx1"/>
+          </a:fontRef>
+        </p:style>
+      </p:cxnSp>
+      <p:cxnSp>
+        <p:nvCxnSpPr>
+          <p:cNvPr id="13" name="Straight Arrow Connector 12">
+            <a:extLst>
+              <a:ext uri="{FF2B5EF4-FFF2-40B4-BE49-F238E27FC236}">
+                <a16:creationId xmlns:a16="http://schemas.microsoft.com/office/drawing/2014/main" id="{7BF952C5-D224-9B61-587E-06F62AEA2966}"/>
+              </a:ext>
+            </a:extLst>
+          </p:cNvPr>
+          <p:cNvCxnSpPr>
+            <a:cxnSpLocks/>
+            <a:stCxn id="2" idx="2"/>
+            <a:endCxn id="7" idx="0"/>
+          </p:cNvCxnSpPr>
+          <p:nvPr/>
+        </p:nvCxnSpPr>
+        <p:spPr>
+          <a:xfrm>
+            <a:off x="6451566" y="950685"/>
+            <a:ext cx="1770074" cy="464433"/>
+          </a:xfrm>
+          <a:prstGeom prst="straightConnector1">
+            <a:avLst/>
+          </a:prstGeom>
+          <a:ln w="12700">
+            <a:headEnd type="none" w="med" len="med"/>
+            <a:tailEnd type="triangle" w="med" len="med"/>
+          </a:ln>
+        </p:spPr>
+        <p:style>
+          <a:lnRef idx="1">
+            <a:schemeClr val="accent1"/>
+          </a:lnRef>
+          <a:fillRef idx="0">
+            <a:schemeClr val="accent1"/>
+          </a:fillRef>
+          <a:effectRef idx="0">
+            <a:schemeClr val="accent1"/>
+          </a:effectRef>
+          <a:fontRef idx="minor">
+            <a:schemeClr val="tx1"/>
+          </a:fontRef>
+        </p:style>
+      </p:cxnSp>
+      <p:cxnSp>
+        <p:nvCxnSpPr>
+          <p:cNvPr id="18" name="Straight Arrow Connector 17">
+            <a:extLst>
+              <a:ext uri="{FF2B5EF4-FFF2-40B4-BE49-F238E27FC236}">
+                <a16:creationId xmlns:a16="http://schemas.microsoft.com/office/drawing/2014/main" id="{4D1AAE41-6077-63D8-B794-A42CA59F07CF}"/>
+              </a:ext>
+            </a:extLst>
+          </p:cNvPr>
+          <p:cNvCxnSpPr>
+            <a:cxnSpLocks/>
+            <a:stCxn id="7" idx="2"/>
+            <a:endCxn id="3" idx="0"/>
+          </p:cNvCxnSpPr>
+          <p:nvPr/>
+        </p:nvCxnSpPr>
+        <p:spPr>
+          <a:xfrm flipH="1">
+            <a:off x="6551856" y="1789044"/>
+            <a:ext cx="1669784" cy="410499"/>
+          </a:xfrm>
+          <a:prstGeom prst="straightConnector1">
+            <a:avLst/>
+          </a:prstGeom>
+          <a:ln w="12700">
+            <a:headEnd type="none" w="med" len="med"/>
+            <a:tailEnd type="triangle" w="med" len="med"/>
+          </a:ln>
+        </p:spPr>
+        <p:style>
+          <a:lnRef idx="1">
+            <a:schemeClr val="accent1"/>
+          </a:lnRef>
+          <a:fillRef idx="0">
+            <a:schemeClr val="accent1"/>
+          </a:fillRef>
+          <a:effectRef idx="0">
+            <a:schemeClr val="accent1"/>
+          </a:effectRef>
+          <a:fontRef idx="minor">
+            <a:schemeClr val="tx1"/>
+          </a:fontRef>
+        </p:style>
+      </p:cxnSp>
+      <p:cxnSp>
+        <p:nvCxnSpPr>
+          <p:cNvPr id="22" name="Straight Arrow Connector 21">
+            <a:extLst>
+              <a:ext uri="{FF2B5EF4-FFF2-40B4-BE49-F238E27FC236}">
+                <a16:creationId xmlns:a16="http://schemas.microsoft.com/office/drawing/2014/main" id="{BAA583AC-3BF2-22EB-A56C-E705D694C7AC}"/>
+              </a:ext>
+            </a:extLst>
+          </p:cNvPr>
+          <p:cNvCxnSpPr>
+            <a:cxnSpLocks/>
+            <a:stCxn id="3" idx="2"/>
+            <a:endCxn id="60" idx="0"/>
+          </p:cNvCxnSpPr>
+          <p:nvPr/>
+        </p:nvCxnSpPr>
+        <p:spPr>
+          <a:xfrm>
+            <a:off x="6551856" y="2848954"/>
+            <a:ext cx="2073196" cy="313648"/>
+          </a:xfrm>
+          <a:prstGeom prst="straightConnector1">
+            <a:avLst/>
+          </a:prstGeom>
+          <a:ln w="12700">
+            <a:headEnd type="none" w="med" len="med"/>
+            <a:tailEnd type="triangle" w="med" len="med"/>
+          </a:ln>
+        </p:spPr>
+        <p:style>
+          <a:lnRef idx="1">
+            <a:schemeClr val="accent1"/>
+          </a:lnRef>
+          <a:fillRef idx="0">
+            <a:schemeClr val="accent1"/>
+          </a:fillRef>
+          <a:effectRef idx="0">
+            <a:schemeClr val="accent1"/>
+          </a:effectRef>
+          <a:fontRef idx="minor">
+            <a:schemeClr val="tx1"/>
+          </a:fontRef>
+        </p:style>
+      </p:cxnSp>
+      <p:sp>
+        <p:nvSpPr>
+          <p:cNvPr id="8" name="Rectangle: Rounded Corners 7">
+            <a:extLst>
+              <a:ext uri="{FF2B5EF4-FFF2-40B4-BE49-F238E27FC236}">
+                <a16:creationId xmlns:a16="http://schemas.microsoft.com/office/drawing/2014/main" id="{CEF27C35-AEB4-416A-FB98-C2B0A4E7044A}"/>
+              </a:ext>
+            </a:extLst>
+          </p:cNvPr>
+          <p:cNvSpPr/>
+          <p:nvPr/>
+        </p:nvSpPr>
+        <p:spPr>
+          <a:xfrm>
+            <a:off x="9398331" y="5588258"/>
+            <a:ext cx="1998362" cy="971091"/>
+          </a:xfrm>
+          <a:prstGeom prst="roundRect">
+            <a:avLst/>
+          </a:prstGeom>
+        </p:spPr>
+        <p:style>
+          <a:lnRef idx="2">
+            <a:schemeClr val="accent1">
+              <a:shade val="50000"/>
+            </a:schemeClr>
+          </a:lnRef>
+          <a:fillRef idx="1">
+            <a:schemeClr val="accent1"/>
+          </a:fillRef>
+          <a:effectRef idx="0">
+            <a:schemeClr val="accent1"/>
+          </a:effectRef>
+          <a:fontRef idx="minor">
+            <a:schemeClr val="lt1"/>
+          </a:fontRef>
+        </p:style>
+        <p:txBody>
+          <a:bodyPr rtlCol="0" anchor="ctr"/>
+          <a:lstStyle/>
+          <a:p>
+            <a:pPr algn="ctr"/>
+            <a:r>
+              <a:rPr lang="en-US" dirty="0"/>
+              <a:t>Interactive</a:t>
+            </a:r>
+          </a:p>
+          <a:p>
+            <a:pPr algn="ctr"/>
+            <a:r>
+              <a:rPr lang="en-US" dirty="0"/>
+              <a:t>Map</a:t>
+            </a:r>
+          </a:p>
+          <a:p>
+            <a:pPr algn="ctr"/>
+            <a:r>
+              <a:rPr lang="en-US" dirty="0"/>
+              <a:t>Display</a:t>
+            </a:r>
+          </a:p>
+        </p:txBody>
+      </p:sp>
     </p:spTree>
     <p:extLst>
       <p:ext uri="{BB962C8B-B14F-4D97-AF65-F5344CB8AC3E}">
-        <p14:creationId xmlns:p14="http://schemas.microsoft.com/office/powerpoint/2010/main" val="3001785937"/>
+        <p14:creationId xmlns:p14="http://schemas.microsoft.com/office/powerpoint/2010/main" val="2632635293"/>
       </p:ext>
     </p:extLst>
   </p:cSld>
@@ -8637,7 +9051,7 @@
           <p:cNvPr id="4" name="Title 3">
             <a:extLst>
               <a:ext uri="{FF2B5EF4-FFF2-40B4-BE49-F238E27FC236}">
-                <a16:creationId xmlns:a16="http://schemas.microsoft.com/office/drawing/2014/main" id="{CF9E78CB-E3FA-87DB-CAD2-79394B882A57}"/>
+                <a16:creationId xmlns:a16="http://schemas.microsoft.com/office/drawing/2014/main" id="{20637E23-8625-101D-CD2C-6A748DAFA244}"/>
               </a:ext>
             </a:extLst>
           </p:cNvPr>
@@ -8659,7 +9073,7 @@
                   <a:schemeClr val="tx1"/>
                 </a:solidFill>
               </a:rPr>
-              <a:t>tlv_logistics_web_app</a:t>
+              <a:t>tlv_logistics_norm_web_app</a:t>
             </a:r>
             <a:endParaRPr lang="he-IL" dirty="0"/>
           </a:p>
@@ -8670,7 +9084,7 @@
           <p:cNvPr id="5" name="Text Placeholder 4">
             <a:extLst>
               <a:ext uri="{FF2B5EF4-FFF2-40B4-BE49-F238E27FC236}">
-                <a16:creationId xmlns:a16="http://schemas.microsoft.com/office/drawing/2014/main" id="{B9B922A1-053F-FFF2-B6D2-748377BB893A}"/>
+                <a16:creationId xmlns:a16="http://schemas.microsoft.com/office/drawing/2014/main" id="{4237101C-4051-9C2C-9591-53986D30779B}"/>
               </a:ext>
             </a:extLst>
           </p:cNvPr>
@@ -8693,7 +9107,7 @@
     </p:spTree>
     <p:extLst>
       <p:ext uri="{BB962C8B-B14F-4D97-AF65-F5344CB8AC3E}">
-        <p14:creationId xmlns:p14="http://schemas.microsoft.com/office/powerpoint/2010/main" val="449215979"/>
+        <p14:creationId xmlns:p14="http://schemas.microsoft.com/office/powerpoint/2010/main" val="3961458762"/>
       </p:ext>
     </p:extLst>
   </p:cSld>
@@ -8722,10 +9136,946 @@
       </p:grpSpPr>
       <p:sp>
         <p:nvSpPr>
+          <p:cNvPr id="4" name="Rectangle: Rounded Corners 3">
+            <a:extLst>
+              <a:ext uri="{FF2B5EF4-FFF2-40B4-BE49-F238E27FC236}">
+                <a16:creationId xmlns:a16="http://schemas.microsoft.com/office/drawing/2014/main" id="{43F6B7D0-865C-1A97-8CD5-CF4086852EC4}"/>
+              </a:ext>
+            </a:extLst>
+          </p:cNvPr>
+          <p:cNvSpPr/>
+          <p:nvPr/>
+        </p:nvSpPr>
+        <p:spPr>
+          <a:xfrm>
+            <a:off x="1393883" y="1782570"/>
+            <a:ext cx="2012548" cy="675153"/>
+          </a:xfrm>
+          <a:prstGeom prst="roundRect">
+            <a:avLst/>
+          </a:prstGeom>
+          <a:solidFill>
+            <a:schemeClr val="bg1"/>
+          </a:solidFill>
+          <a:ln w="12700">
+            <a:solidFill>
+              <a:schemeClr val="tx1"/>
+            </a:solidFill>
+          </a:ln>
+        </p:spPr>
+        <p:style>
+          <a:lnRef idx="2">
+            <a:schemeClr val="accent1">
+              <a:shade val="50000"/>
+            </a:schemeClr>
+          </a:lnRef>
+          <a:fillRef idx="1">
+            <a:schemeClr val="accent1"/>
+          </a:fillRef>
+          <a:effectRef idx="0">
+            <a:schemeClr val="accent1"/>
+          </a:effectRef>
+          <a:fontRef idx="minor">
+            <a:schemeClr val="lt1"/>
+          </a:fontRef>
+        </p:style>
+        <p:txBody>
+          <a:bodyPr rtlCol="0" anchor="ctr"/>
+          <a:lstStyle/>
+          <a:p>
+            <a:r>
+              <a:rPr lang="en-US" sz="1400" dirty="0">
+                <a:solidFill>
+                  <a:schemeClr val="tx1"/>
+                </a:solidFill>
+              </a:rPr>
+              <a:t>cf_1_2_buff5.geojson</a:t>
+            </a:r>
+          </a:p>
+          <a:p>
+            <a:r>
+              <a:rPr lang="en-US" sz="1400" dirty="0">
+                <a:solidFill>
+                  <a:schemeClr val="tx1"/>
+                </a:solidFill>
+              </a:rPr>
+              <a:t>cf_1_2_buff25.geojson</a:t>
+            </a:r>
+          </a:p>
+          <a:p>
+            <a:r>
+              <a:rPr lang="en-US" sz="1400" dirty="0">
+                <a:solidFill>
+                  <a:schemeClr val="tx1"/>
+                </a:solidFill>
+              </a:rPr>
+              <a:t>cf_1_2_buff100.geojson</a:t>
+            </a:r>
+          </a:p>
+        </p:txBody>
+      </p:sp>
+      <p:cxnSp>
+        <p:nvCxnSpPr>
+          <p:cNvPr id="5" name="Straight Arrow Connector 4">
+            <a:extLst>
+              <a:ext uri="{FF2B5EF4-FFF2-40B4-BE49-F238E27FC236}">
+                <a16:creationId xmlns:a16="http://schemas.microsoft.com/office/drawing/2014/main" id="{05AC2AFB-1FDC-4EF4-B951-0AA8D313C62C}"/>
+              </a:ext>
+            </a:extLst>
+          </p:cNvPr>
+          <p:cNvCxnSpPr>
+            <a:cxnSpLocks/>
+            <a:stCxn id="4" idx="3"/>
+            <a:endCxn id="27" idx="1"/>
+          </p:cNvCxnSpPr>
+          <p:nvPr/>
+        </p:nvCxnSpPr>
+        <p:spPr>
+          <a:xfrm>
+            <a:off x="3406431" y="2120147"/>
+            <a:ext cx="2226719" cy="254029"/>
+          </a:xfrm>
+          <a:prstGeom prst="straightConnector1">
+            <a:avLst/>
+          </a:prstGeom>
+          <a:ln>
+            <a:tailEnd type="triangle"/>
+          </a:ln>
+        </p:spPr>
+        <p:style>
+          <a:lnRef idx="1">
+            <a:schemeClr val="accent1"/>
+          </a:lnRef>
+          <a:fillRef idx="0">
+            <a:schemeClr val="accent1"/>
+          </a:fillRef>
+          <a:effectRef idx="0">
+            <a:schemeClr val="accent1"/>
+          </a:effectRef>
+          <a:fontRef idx="minor">
+            <a:schemeClr val="tx1"/>
+          </a:fontRef>
+        </p:style>
+      </p:cxnSp>
+      <p:sp>
+        <p:nvSpPr>
+          <p:cNvPr id="9" name="Rectangle: Rounded Corners 8">
+            <a:extLst>
+              <a:ext uri="{FF2B5EF4-FFF2-40B4-BE49-F238E27FC236}">
+                <a16:creationId xmlns:a16="http://schemas.microsoft.com/office/drawing/2014/main" id="{85D40502-1E30-B2CB-3675-5E5764F222FC}"/>
+              </a:ext>
+            </a:extLst>
+          </p:cNvPr>
+          <p:cNvSpPr/>
+          <p:nvPr/>
+        </p:nvSpPr>
+        <p:spPr>
+          <a:xfrm>
+            <a:off x="283493" y="177033"/>
+            <a:ext cx="4233328" cy="391510"/>
+          </a:xfrm>
+          <a:prstGeom prst="roundRect">
+            <a:avLst/>
+          </a:prstGeom>
+          <a:solidFill>
+            <a:schemeClr val="bg1"/>
+          </a:solidFill>
+          <a:ln w="12700">
+            <a:solidFill>
+              <a:schemeClr val="tx1"/>
+            </a:solidFill>
+          </a:ln>
+        </p:spPr>
+        <p:style>
+          <a:lnRef idx="2">
+            <a:schemeClr val="accent1">
+              <a:shade val="50000"/>
+            </a:schemeClr>
+          </a:lnRef>
+          <a:fillRef idx="1">
+            <a:schemeClr val="accent1"/>
+          </a:fillRef>
+          <a:effectRef idx="0">
+            <a:schemeClr val="accent1"/>
+          </a:effectRef>
+          <a:fontRef idx="minor">
+            <a:schemeClr val="lt1"/>
+          </a:fontRef>
+        </p:style>
+        <p:txBody>
+          <a:bodyPr rtlCol="0" anchor="ctr"/>
+          <a:lstStyle/>
+          <a:p>
+            <a:r>
+              <a:rPr lang="en-US" sz="1400" dirty="0">
+                <a:solidFill>
+                  <a:schemeClr val="tx1"/>
+                </a:solidFill>
+              </a:rPr>
+              <a:t>TA_CommFront_1_2_w_streetnames_snapped.geojson</a:t>
+            </a:r>
+          </a:p>
+        </p:txBody>
+      </p:sp>
+      <p:sp>
+        <p:nvSpPr>
+          <p:cNvPr id="11" name="Rectangle 10">
+            <a:extLst>
+              <a:ext uri="{FF2B5EF4-FFF2-40B4-BE49-F238E27FC236}">
+                <a16:creationId xmlns:a16="http://schemas.microsoft.com/office/drawing/2014/main" id="{82B0AC46-7024-6F1B-CB35-A377CC742B93}"/>
+              </a:ext>
+            </a:extLst>
+          </p:cNvPr>
+          <p:cNvSpPr/>
+          <p:nvPr/>
+        </p:nvSpPr>
+        <p:spPr>
+          <a:xfrm>
+            <a:off x="1856103" y="899135"/>
+            <a:ext cx="1122116" cy="361555"/>
+          </a:xfrm>
+          <a:prstGeom prst="rect">
+            <a:avLst/>
+          </a:prstGeom>
+          <a:solidFill>
+            <a:schemeClr val="bg1"/>
+          </a:solidFill>
+          <a:ln w="28575">
+            <a:solidFill>
+              <a:schemeClr val="tx1"/>
+            </a:solidFill>
+          </a:ln>
+        </p:spPr>
+        <p:style>
+          <a:lnRef idx="2">
+            <a:schemeClr val="accent1">
+              <a:shade val="50000"/>
+            </a:schemeClr>
+          </a:lnRef>
+          <a:fillRef idx="1">
+            <a:schemeClr val="accent1"/>
+          </a:fillRef>
+          <a:effectRef idx="0">
+            <a:schemeClr val="accent1"/>
+          </a:effectRef>
+          <a:fontRef idx="minor">
+            <a:schemeClr val="lt1"/>
+          </a:fontRef>
+        </p:style>
+        <p:txBody>
+          <a:bodyPr rtlCol="0" anchor="b"/>
+          <a:lstStyle/>
+          <a:p>
+            <a:pPr algn="ctr"/>
+            <a:r>
+              <a:rPr lang="en-US" sz="1400" dirty="0">
+                <a:solidFill>
+                  <a:schemeClr val="tx1"/>
+                </a:solidFill>
+              </a:rPr>
+              <a:t>buff_cf.py</a:t>
+            </a:r>
+          </a:p>
+        </p:txBody>
+      </p:sp>
+      <p:cxnSp>
+        <p:nvCxnSpPr>
+          <p:cNvPr id="12" name="Straight Arrow Connector 11">
+            <a:extLst>
+              <a:ext uri="{FF2B5EF4-FFF2-40B4-BE49-F238E27FC236}">
+                <a16:creationId xmlns:a16="http://schemas.microsoft.com/office/drawing/2014/main" id="{D64A1888-9E13-E7C9-976C-D23D92156A0E}"/>
+              </a:ext>
+            </a:extLst>
+          </p:cNvPr>
+          <p:cNvCxnSpPr>
+            <a:cxnSpLocks/>
+            <a:stCxn id="9" idx="2"/>
+            <a:endCxn id="11" idx="0"/>
+          </p:cNvCxnSpPr>
+          <p:nvPr/>
+        </p:nvCxnSpPr>
+        <p:spPr>
+          <a:xfrm>
+            <a:off x="2400157" y="568543"/>
+            <a:ext cx="17004" cy="330592"/>
+          </a:xfrm>
+          <a:prstGeom prst="straightConnector1">
+            <a:avLst/>
+          </a:prstGeom>
+          <a:ln>
+            <a:tailEnd type="triangle"/>
+          </a:ln>
+        </p:spPr>
+        <p:style>
+          <a:lnRef idx="1">
+            <a:schemeClr val="accent1"/>
+          </a:lnRef>
+          <a:fillRef idx="0">
+            <a:schemeClr val="accent1"/>
+          </a:fillRef>
+          <a:effectRef idx="0">
+            <a:schemeClr val="accent1"/>
+          </a:effectRef>
+          <a:fontRef idx="minor">
+            <a:schemeClr val="tx1"/>
+          </a:fontRef>
+        </p:style>
+      </p:cxnSp>
+      <p:cxnSp>
+        <p:nvCxnSpPr>
+          <p:cNvPr id="15" name="Straight Arrow Connector 14">
+            <a:extLst>
+              <a:ext uri="{FF2B5EF4-FFF2-40B4-BE49-F238E27FC236}">
+                <a16:creationId xmlns:a16="http://schemas.microsoft.com/office/drawing/2014/main" id="{FCE7B325-D583-BAFC-3BAF-E31B752F36A4}"/>
+              </a:ext>
+            </a:extLst>
+          </p:cNvPr>
+          <p:cNvCxnSpPr>
+            <a:cxnSpLocks/>
+            <a:stCxn id="11" idx="2"/>
+            <a:endCxn id="4" idx="0"/>
+          </p:cNvCxnSpPr>
+          <p:nvPr/>
+        </p:nvCxnSpPr>
+        <p:spPr>
+          <a:xfrm flipH="1">
+            <a:off x="2400157" y="1260690"/>
+            <a:ext cx="17004" cy="521880"/>
+          </a:xfrm>
+          <a:prstGeom prst="straightConnector1">
+            <a:avLst/>
+          </a:prstGeom>
+          <a:ln>
+            <a:tailEnd type="triangle"/>
+          </a:ln>
+        </p:spPr>
+        <p:style>
+          <a:lnRef idx="1">
+            <a:schemeClr val="accent1"/>
+          </a:lnRef>
+          <a:fillRef idx="0">
+            <a:schemeClr val="accent1"/>
+          </a:fillRef>
+          <a:effectRef idx="0">
+            <a:schemeClr val="accent1"/>
+          </a:effectRef>
+          <a:fontRef idx="minor">
+            <a:schemeClr val="tx1"/>
+          </a:fontRef>
+        </p:style>
+      </p:cxnSp>
+      <p:sp>
+        <p:nvSpPr>
+          <p:cNvPr id="27" name="Rectangle 26">
+            <a:extLst>
+              <a:ext uri="{FF2B5EF4-FFF2-40B4-BE49-F238E27FC236}">
+                <a16:creationId xmlns:a16="http://schemas.microsoft.com/office/drawing/2014/main" id="{E37E291B-71DF-01FF-1155-4ABFE87C5EF3}"/>
+              </a:ext>
+            </a:extLst>
+          </p:cNvPr>
+          <p:cNvSpPr/>
+          <p:nvPr/>
+        </p:nvSpPr>
+        <p:spPr>
+          <a:xfrm>
+            <a:off x="5633150" y="2120147"/>
+            <a:ext cx="3077203" cy="508058"/>
+          </a:xfrm>
+          <a:prstGeom prst="rect">
+            <a:avLst/>
+          </a:prstGeom>
+          <a:solidFill>
+            <a:schemeClr val="bg1"/>
+          </a:solidFill>
+          <a:ln w="28575">
+            <a:solidFill>
+              <a:schemeClr val="tx1"/>
+            </a:solidFill>
+          </a:ln>
+        </p:spPr>
+        <p:style>
+          <a:lnRef idx="2">
+            <a:schemeClr val="accent1">
+              <a:shade val="50000"/>
+            </a:schemeClr>
+          </a:lnRef>
+          <a:fillRef idx="1">
+            <a:schemeClr val="accent1"/>
+          </a:fillRef>
+          <a:effectRef idx="0">
+            <a:schemeClr val="accent1"/>
+          </a:effectRef>
+          <a:fontRef idx="minor">
+            <a:schemeClr val="lt1"/>
+          </a:fontRef>
+        </p:style>
+        <p:txBody>
+          <a:bodyPr rtlCol="0" anchor="ctr"/>
+          <a:lstStyle/>
+          <a:p>
+            <a:pPr algn="ctr"/>
+            <a:r>
+              <a:rPr lang="en-US" sz="1400" dirty="0">
+                <a:solidFill>
+                  <a:schemeClr val="tx1"/>
+                </a:solidFill>
+              </a:rPr>
+              <a:t>segments_cf_points_in_poly.py</a:t>
+            </a:r>
+          </a:p>
+        </p:txBody>
+      </p:sp>
+      <p:sp>
+        <p:nvSpPr>
+          <p:cNvPr id="29" name="Rectangle: Rounded Corners 28">
+            <a:extLst>
+              <a:ext uri="{FF2B5EF4-FFF2-40B4-BE49-F238E27FC236}">
+                <a16:creationId xmlns:a16="http://schemas.microsoft.com/office/drawing/2014/main" id="{FF07A0DC-E8FC-4EB5-1278-B4F024F1C380}"/>
+              </a:ext>
+            </a:extLst>
+          </p:cNvPr>
+          <p:cNvSpPr/>
+          <p:nvPr/>
+        </p:nvSpPr>
+        <p:spPr>
+          <a:xfrm>
+            <a:off x="7903250" y="115859"/>
+            <a:ext cx="4005257" cy="601976"/>
+          </a:xfrm>
+          <a:prstGeom prst="roundRect">
+            <a:avLst>
+              <a:gd name="adj" fmla="val 16933"/>
+            </a:avLst>
+          </a:prstGeom>
+          <a:solidFill>
+            <a:schemeClr val="bg1"/>
+          </a:solidFill>
+          <a:ln w="12700">
+            <a:solidFill>
+              <a:schemeClr val="tx1"/>
+            </a:solidFill>
+          </a:ln>
+        </p:spPr>
+        <p:style>
+          <a:lnRef idx="2">
+            <a:schemeClr val="accent1">
+              <a:shade val="50000"/>
+            </a:schemeClr>
+          </a:lnRef>
+          <a:fillRef idx="1">
+            <a:schemeClr val="accent1"/>
+          </a:fillRef>
+          <a:effectRef idx="0">
+            <a:schemeClr val="accent1"/>
+          </a:effectRef>
+          <a:fontRef idx="minor">
+            <a:schemeClr val="lt1"/>
+          </a:fontRef>
+        </p:style>
+        <p:txBody>
+          <a:bodyPr rtlCol="0" anchor="ctr"/>
+          <a:lstStyle/>
+          <a:p>
+            <a:r>
+              <a:rPr lang="en-US" sz="1400" dirty="0" err="1">
+                <a:solidFill>
+                  <a:schemeClr val="tx1"/>
+                </a:solidFill>
+              </a:rPr>
+              <a:t>Trafic</a:t>
+            </a:r>
+            <a:r>
+              <a:rPr lang="en-US" sz="1400" dirty="0">
+                <a:solidFill>
+                  <a:schemeClr val="tx1"/>
+                </a:solidFill>
+              </a:rPr>
+              <a:t> Signs Points </a:t>
+            </a:r>
+            <a:r>
+              <a:rPr lang="en-US" sz="1400" dirty="0" err="1">
+                <a:solidFill>
+                  <a:schemeClr val="tx1"/>
+                </a:solidFill>
+              </a:rPr>
+              <a:t>prika</a:t>
+            </a:r>
+            <a:r>
+              <a:rPr lang="en-US" sz="1400" dirty="0">
+                <a:solidFill>
+                  <a:schemeClr val="tx1"/>
+                </a:solidFill>
+              </a:rPr>
+              <a:t> </a:t>
+            </a:r>
+            <a:r>
+              <a:rPr lang="en-US" sz="1400" dirty="0" err="1">
+                <a:solidFill>
+                  <a:schemeClr val="tx1"/>
+                </a:solidFill>
+              </a:rPr>
+              <a:t>ve</a:t>
+            </a:r>
+            <a:r>
+              <a:rPr lang="en-US" sz="1400" dirty="0">
+                <a:solidFill>
+                  <a:schemeClr val="tx1"/>
+                </a:solidFill>
+              </a:rPr>
+              <a:t> </a:t>
+            </a:r>
+            <a:r>
+              <a:rPr lang="en-US" sz="1400" dirty="0" err="1">
+                <a:solidFill>
+                  <a:schemeClr val="tx1"/>
+                </a:solidFill>
+              </a:rPr>
+              <a:t>teina</a:t>
+            </a:r>
+            <a:r>
+              <a:rPr lang="en-US" sz="1400" dirty="0">
+                <a:solidFill>
+                  <a:schemeClr val="tx1"/>
+                </a:solidFill>
+              </a:rPr>
+              <a:t> v6s_ap.geojson</a:t>
+            </a:r>
+          </a:p>
+          <a:p>
+            <a:r>
+              <a:rPr lang="en-US" sz="1400" dirty="0">
+                <a:solidFill>
+                  <a:schemeClr val="tx1"/>
+                </a:solidFill>
+              </a:rPr>
+              <a:t>tlv_businesses_w_logistics_filtered.csv</a:t>
+            </a:r>
+          </a:p>
+        </p:txBody>
+      </p:sp>
+      <p:cxnSp>
+        <p:nvCxnSpPr>
+          <p:cNvPr id="30" name="Straight Arrow Connector 29">
+            <a:extLst>
+              <a:ext uri="{FF2B5EF4-FFF2-40B4-BE49-F238E27FC236}">
+                <a16:creationId xmlns:a16="http://schemas.microsoft.com/office/drawing/2014/main" id="{1B373A88-EBFB-C5C8-0CD2-32C59BD542E0}"/>
+              </a:ext>
+            </a:extLst>
+          </p:cNvPr>
+          <p:cNvCxnSpPr>
+            <a:cxnSpLocks/>
+            <a:stCxn id="29" idx="2"/>
+            <a:endCxn id="27" idx="0"/>
+          </p:cNvCxnSpPr>
+          <p:nvPr/>
+        </p:nvCxnSpPr>
+        <p:spPr>
+          <a:xfrm flipH="1">
+            <a:off x="7171752" y="717835"/>
+            <a:ext cx="2734127" cy="1402312"/>
+          </a:xfrm>
+          <a:prstGeom prst="straightConnector1">
+            <a:avLst/>
+          </a:prstGeom>
+          <a:ln>
+            <a:tailEnd type="triangle"/>
+          </a:ln>
+        </p:spPr>
+        <p:style>
+          <a:lnRef idx="1">
+            <a:schemeClr val="accent1"/>
+          </a:lnRef>
+          <a:fillRef idx="0">
+            <a:schemeClr val="accent1"/>
+          </a:fillRef>
+          <a:effectRef idx="0">
+            <a:schemeClr val="accent1"/>
+          </a:effectRef>
+          <a:fontRef idx="minor">
+            <a:schemeClr val="tx1"/>
+          </a:fontRef>
+        </p:style>
+      </p:cxnSp>
+      <p:sp>
+        <p:nvSpPr>
+          <p:cNvPr id="55" name="Rectangle 54">
+            <a:extLst>
+              <a:ext uri="{FF2B5EF4-FFF2-40B4-BE49-F238E27FC236}">
+                <a16:creationId xmlns:a16="http://schemas.microsoft.com/office/drawing/2014/main" id="{8021C52D-5360-C00B-85E2-A57E6A24B493}"/>
+              </a:ext>
+            </a:extLst>
+          </p:cNvPr>
+          <p:cNvSpPr/>
+          <p:nvPr/>
+        </p:nvSpPr>
+        <p:spPr>
+          <a:xfrm>
+            <a:off x="4948921" y="225411"/>
+            <a:ext cx="2522229" cy="391510"/>
+          </a:xfrm>
+          <a:prstGeom prst="rect">
+            <a:avLst/>
+          </a:prstGeom>
+          <a:solidFill>
+            <a:schemeClr val="bg1"/>
+          </a:solidFill>
+          <a:ln w="28575">
+            <a:solidFill>
+              <a:schemeClr val="tx1"/>
+            </a:solidFill>
+          </a:ln>
+        </p:spPr>
+        <p:style>
+          <a:lnRef idx="2">
+            <a:schemeClr val="accent1">
+              <a:shade val="50000"/>
+            </a:schemeClr>
+          </a:lnRef>
+          <a:fillRef idx="1">
+            <a:schemeClr val="accent1"/>
+          </a:fillRef>
+          <a:effectRef idx="0">
+            <a:schemeClr val="accent1"/>
+          </a:effectRef>
+          <a:fontRef idx="minor">
+            <a:schemeClr val="lt1"/>
+          </a:fontRef>
+        </p:style>
+        <p:txBody>
+          <a:bodyPr rtlCol="0" anchor="ctr"/>
+          <a:lstStyle/>
+          <a:p>
+            <a:pPr algn="ctr"/>
+            <a:r>
+              <a:rPr lang="en-US" sz="1400" dirty="0">
+                <a:solidFill>
+                  <a:schemeClr val="tx1"/>
+                </a:solidFill>
+              </a:rPr>
+              <a:t>snap_cf_supply_demand.py</a:t>
+            </a:r>
+          </a:p>
+        </p:txBody>
+      </p:sp>
+      <p:cxnSp>
+        <p:nvCxnSpPr>
+          <p:cNvPr id="58" name="Straight Arrow Connector 57">
+            <a:extLst>
+              <a:ext uri="{FF2B5EF4-FFF2-40B4-BE49-F238E27FC236}">
+                <a16:creationId xmlns:a16="http://schemas.microsoft.com/office/drawing/2014/main" id="{AC22EBCE-CB89-4B4F-9155-592B9BBCDEBE}"/>
+              </a:ext>
+            </a:extLst>
+          </p:cNvPr>
+          <p:cNvCxnSpPr>
+            <a:cxnSpLocks/>
+            <a:stCxn id="29" idx="1"/>
+            <a:endCxn id="55" idx="3"/>
+          </p:cNvCxnSpPr>
+          <p:nvPr/>
+        </p:nvCxnSpPr>
+        <p:spPr>
+          <a:xfrm flipH="1">
+            <a:off x="7471150" y="416847"/>
+            <a:ext cx="432100" cy="4319"/>
+          </a:xfrm>
+          <a:prstGeom prst="straightConnector1">
+            <a:avLst/>
+          </a:prstGeom>
+          <a:ln>
+            <a:tailEnd type="triangle"/>
+          </a:ln>
+        </p:spPr>
+        <p:style>
+          <a:lnRef idx="1">
+            <a:schemeClr val="accent1"/>
+          </a:lnRef>
+          <a:fillRef idx="0">
+            <a:schemeClr val="accent1"/>
+          </a:fillRef>
+          <a:effectRef idx="0">
+            <a:schemeClr val="accent1"/>
+          </a:effectRef>
+          <a:fontRef idx="minor">
+            <a:schemeClr val="tx1"/>
+          </a:fontRef>
+        </p:style>
+      </p:cxnSp>
+      <p:cxnSp>
+        <p:nvCxnSpPr>
+          <p:cNvPr id="61" name="Straight Arrow Connector 60">
+            <a:extLst>
+              <a:ext uri="{FF2B5EF4-FFF2-40B4-BE49-F238E27FC236}">
+                <a16:creationId xmlns:a16="http://schemas.microsoft.com/office/drawing/2014/main" id="{AE708EED-9C9B-0ED1-0E8B-B60A70DB73C1}"/>
+              </a:ext>
+            </a:extLst>
+          </p:cNvPr>
+          <p:cNvCxnSpPr>
+            <a:cxnSpLocks/>
+            <a:stCxn id="55" idx="2"/>
+            <a:endCxn id="76" idx="0"/>
+          </p:cNvCxnSpPr>
+          <p:nvPr/>
+        </p:nvCxnSpPr>
+        <p:spPr>
+          <a:xfrm flipH="1">
+            <a:off x="5711099" y="616921"/>
+            <a:ext cx="498937" cy="370523"/>
+          </a:xfrm>
+          <a:prstGeom prst="straightConnector1">
+            <a:avLst/>
+          </a:prstGeom>
+          <a:ln>
+            <a:tailEnd type="triangle"/>
+          </a:ln>
+        </p:spPr>
+        <p:style>
+          <a:lnRef idx="1">
+            <a:schemeClr val="accent1"/>
+          </a:lnRef>
+          <a:fillRef idx="0">
+            <a:schemeClr val="accent1"/>
+          </a:fillRef>
+          <a:effectRef idx="0">
+            <a:schemeClr val="accent1"/>
+          </a:effectRef>
+          <a:fontRef idx="minor">
+            <a:schemeClr val="tx1"/>
+          </a:fontRef>
+        </p:style>
+      </p:cxnSp>
+      <p:sp>
+        <p:nvSpPr>
+          <p:cNvPr id="76" name="Rectangle: Rounded Corners 75">
+            <a:extLst>
+              <a:ext uri="{FF2B5EF4-FFF2-40B4-BE49-F238E27FC236}">
+                <a16:creationId xmlns:a16="http://schemas.microsoft.com/office/drawing/2014/main" id="{087A3D2F-0271-A075-3F42-CAEB34DF3F3C}"/>
+              </a:ext>
+            </a:extLst>
+          </p:cNvPr>
+          <p:cNvSpPr/>
+          <p:nvPr/>
+        </p:nvSpPr>
+        <p:spPr>
+          <a:xfrm>
+            <a:off x="3430982" y="987444"/>
+            <a:ext cx="4560234" cy="526049"/>
+          </a:xfrm>
+          <a:prstGeom prst="roundRect">
+            <a:avLst>
+              <a:gd name="adj" fmla="val 16933"/>
+            </a:avLst>
+          </a:prstGeom>
+          <a:solidFill>
+            <a:schemeClr val="bg1"/>
+          </a:solidFill>
+          <a:ln w="12700">
+            <a:solidFill>
+              <a:schemeClr val="tx1"/>
+            </a:solidFill>
+          </a:ln>
+        </p:spPr>
+        <p:style>
+          <a:lnRef idx="2">
+            <a:schemeClr val="accent1">
+              <a:shade val="50000"/>
+            </a:schemeClr>
+          </a:lnRef>
+          <a:fillRef idx="1">
+            <a:schemeClr val="accent1"/>
+          </a:fillRef>
+          <a:effectRef idx="0">
+            <a:schemeClr val="accent1"/>
+          </a:effectRef>
+          <a:fontRef idx="minor">
+            <a:schemeClr val="lt1"/>
+          </a:fontRef>
+        </p:style>
+        <p:txBody>
+          <a:bodyPr rtlCol="0" anchor="ctr"/>
+          <a:lstStyle/>
+          <a:p>
+            <a:r>
+              <a:rPr lang="en-US" sz="1400" dirty="0" err="1">
+                <a:solidFill>
+                  <a:schemeClr val="tx1"/>
+                </a:solidFill>
+              </a:rPr>
+              <a:t>Trafic</a:t>
+            </a:r>
+            <a:r>
+              <a:rPr lang="en-US" sz="1400" dirty="0">
+                <a:solidFill>
+                  <a:schemeClr val="tx1"/>
+                </a:solidFill>
+              </a:rPr>
+              <a:t> Signs Points </a:t>
+            </a:r>
+            <a:r>
+              <a:rPr lang="en-US" sz="1400" dirty="0" err="1">
+                <a:solidFill>
+                  <a:schemeClr val="tx1"/>
+                </a:solidFill>
+              </a:rPr>
+              <a:t>prika</a:t>
+            </a:r>
+            <a:r>
+              <a:rPr lang="en-US" sz="1400" dirty="0">
+                <a:solidFill>
+                  <a:schemeClr val="tx1"/>
+                </a:solidFill>
+              </a:rPr>
+              <a:t> </a:t>
+            </a:r>
+            <a:r>
+              <a:rPr lang="en-US" sz="1400" dirty="0" err="1">
+                <a:solidFill>
+                  <a:schemeClr val="tx1"/>
+                </a:solidFill>
+              </a:rPr>
+              <a:t>ve</a:t>
+            </a:r>
+            <a:r>
+              <a:rPr lang="en-US" sz="1400" dirty="0">
+                <a:solidFill>
+                  <a:schemeClr val="tx1"/>
+                </a:solidFill>
+              </a:rPr>
+              <a:t> </a:t>
+            </a:r>
+            <a:r>
+              <a:rPr lang="en-US" sz="1400" dirty="0" err="1">
+                <a:solidFill>
+                  <a:schemeClr val="tx1"/>
+                </a:solidFill>
+              </a:rPr>
+              <a:t>teina</a:t>
+            </a:r>
+            <a:r>
+              <a:rPr lang="en-US" sz="1400" dirty="0">
+                <a:solidFill>
+                  <a:schemeClr val="tx1"/>
+                </a:solidFill>
+              </a:rPr>
+              <a:t> v6s_ap snap100 </a:t>
+            </a:r>
+            <a:r>
+              <a:rPr lang="en-US" sz="1400" dirty="0" err="1">
+                <a:solidFill>
+                  <a:schemeClr val="tx1"/>
+                </a:solidFill>
+              </a:rPr>
+              <a:t>cf.geojson</a:t>
+            </a:r>
+            <a:endParaRPr lang="en-US" sz="1400" dirty="0">
+              <a:solidFill>
+                <a:schemeClr val="tx1"/>
+              </a:solidFill>
+            </a:endParaRPr>
+          </a:p>
+          <a:p>
+            <a:r>
+              <a:rPr lang="en-US" sz="1400" dirty="0">
+                <a:solidFill>
+                  <a:schemeClr val="tx1"/>
+                </a:solidFill>
+              </a:rPr>
+              <a:t>tlv_businesses_w_logistics_filtered_snap100_cf.geojson</a:t>
+            </a:r>
+          </a:p>
+        </p:txBody>
+      </p:sp>
+      <p:cxnSp>
+        <p:nvCxnSpPr>
+          <p:cNvPr id="86" name="Straight Arrow Connector 85">
+            <a:extLst>
+              <a:ext uri="{FF2B5EF4-FFF2-40B4-BE49-F238E27FC236}">
+                <a16:creationId xmlns:a16="http://schemas.microsoft.com/office/drawing/2014/main" id="{DC680E5E-9B18-1F72-3696-16F67613B9AF}"/>
+              </a:ext>
+            </a:extLst>
+          </p:cNvPr>
+          <p:cNvCxnSpPr>
+            <a:cxnSpLocks/>
+            <a:stCxn id="76" idx="2"/>
+            <a:endCxn id="27" idx="0"/>
+          </p:cNvCxnSpPr>
+          <p:nvPr/>
+        </p:nvCxnSpPr>
+        <p:spPr>
+          <a:xfrm>
+            <a:off x="5711099" y="1513493"/>
+            <a:ext cx="1460653" cy="606654"/>
+          </a:xfrm>
+          <a:prstGeom prst="straightConnector1">
+            <a:avLst/>
+          </a:prstGeom>
+          <a:ln>
+            <a:tailEnd type="triangle"/>
+          </a:ln>
+        </p:spPr>
+        <p:style>
+          <a:lnRef idx="1">
+            <a:schemeClr val="accent1"/>
+          </a:lnRef>
+          <a:fillRef idx="0">
+            <a:schemeClr val="accent1"/>
+          </a:fillRef>
+          <a:effectRef idx="0">
+            <a:schemeClr val="accent1"/>
+          </a:effectRef>
+          <a:fontRef idx="minor">
+            <a:schemeClr val="tx1"/>
+          </a:fontRef>
+        </p:style>
+      </p:cxnSp>
+      <p:cxnSp>
+        <p:nvCxnSpPr>
+          <p:cNvPr id="115" name="Straight Arrow Connector 114">
+            <a:extLst>
+              <a:ext uri="{FF2B5EF4-FFF2-40B4-BE49-F238E27FC236}">
+                <a16:creationId xmlns:a16="http://schemas.microsoft.com/office/drawing/2014/main" id="{A2A2A8C5-424C-6ECC-178C-C44DECCFE7D9}"/>
+              </a:ext>
+            </a:extLst>
+          </p:cNvPr>
+          <p:cNvCxnSpPr>
+            <a:cxnSpLocks/>
+            <a:stCxn id="9" idx="3"/>
+            <a:endCxn id="55" idx="1"/>
+          </p:cNvCxnSpPr>
+          <p:nvPr/>
+        </p:nvCxnSpPr>
+        <p:spPr>
+          <a:xfrm>
+            <a:off x="4516821" y="372788"/>
+            <a:ext cx="432100" cy="48378"/>
+          </a:xfrm>
+          <a:prstGeom prst="straightConnector1">
+            <a:avLst/>
+          </a:prstGeom>
+          <a:ln>
+            <a:tailEnd type="triangle"/>
+          </a:ln>
+        </p:spPr>
+        <p:style>
+          <a:lnRef idx="1">
+            <a:schemeClr val="accent1"/>
+          </a:lnRef>
+          <a:fillRef idx="0">
+            <a:schemeClr val="accent1"/>
+          </a:fillRef>
+          <a:effectRef idx="0">
+            <a:schemeClr val="accent1"/>
+          </a:effectRef>
+          <a:fontRef idx="minor">
+            <a:schemeClr val="tx1"/>
+          </a:fontRef>
+        </p:style>
+      </p:cxnSp>
+      <p:sp>
+        <p:nvSpPr>
           <p:cNvPr id="2" name="Rectangle: Rounded Corners 1">
             <a:extLst>
               <a:ext uri="{FF2B5EF4-FFF2-40B4-BE49-F238E27FC236}">
-                <a16:creationId xmlns:a16="http://schemas.microsoft.com/office/drawing/2014/main" id="{F6671B1E-3786-D347-84EE-987C09CD4DF4}"/>
+                <a16:creationId xmlns:a16="http://schemas.microsoft.com/office/drawing/2014/main" id="{9FB5B78F-C86A-3E3C-F09F-1A60B3774115}"/>
               </a:ext>
             </a:extLst>
           </p:cNvPr>
@@ -8793,12 +10143,13 @@
           <p:cNvPr id="3" name="Straight Arrow Connector 2">
             <a:extLst>
               <a:ext uri="{FF2B5EF4-FFF2-40B4-BE49-F238E27FC236}">
-                <a16:creationId xmlns:a16="http://schemas.microsoft.com/office/drawing/2014/main" id="{A526BCC9-5D95-CED3-DECB-CB7F8AC4B8BF}"/>
+                <a16:creationId xmlns:a16="http://schemas.microsoft.com/office/drawing/2014/main" id="{334BCD11-EDA3-C15B-AF57-9852C7E38F1D}"/>
               </a:ext>
             </a:extLst>
           </p:cNvPr>
           <p:cNvCxnSpPr>
             <a:cxnSpLocks/>
+            <a:stCxn id="27" idx="2"/>
             <a:endCxn id="2" idx="0"/>
           </p:cNvCxnSpPr>
           <p:nvPr/>
@@ -8832,10 +10183,10 @@
       </p:cxnSp>
       <p:sp>
         <p:nvSpPr>
-          <p:cNvPr id="4" name="Rectangle 3">
-            <a:extLst>
-              <a:ext uri="{FF2B5EF4-FFF2-40B4-BE49-F238E27FC236}">
-                <a16:creationId xmlns:a16="http://schemas.microsoft.com/office/drawing/2014/main" id="{0056EED2-85ED-5669-F9B6-3E5C52AFF815}"/>
+          <p:cNvPr id="10" name="Rectangle 9">
+            <a:extLst>
+              <a:ext uri="{FF2B5EF4-FFF2-40B4-BE49-F238E27FC236}">
+                <a16:creationId xmlns:a16="http://schemas.microsoft.com/office/drawing/2014/main" id="{48725868-E89A-6D84-3440-B174ABB89D13}"/>
               </a:ext>
             </a:extLst>
           </p:cNvPr>
@@ -8886,17 +10237,17 @@
                   <a:schemeClr val="tx1"/>
                 </a:solidFill>
               </a:rPr>
-              <a:t>segments_cf_format_abs_output.py</a:t>
-            </a:r>
-          </a:p>
-        </p:txBody>
-      </p:sp>
-      <p:sp>
-        <p:nvSpPr>
-          <p:cNvPr id="5" name="Rectangle: Rounded Corners 4">
-            <a:extLst>
-              <a:ext uri="{FF2B5EF4-FFF2-40B4-BE49-F238E27FC236}">
-                <a16:creationId xmlns:a16="http://schemas.microsoft.com/office/drawing/2014/main" id="{D12DE43C-CA8C-D65C-1F19-8D98B208F713}"/>
+              <a:t>segments_cf_format_output.py</a:t>
+            </a:r>
+          </a:p>
+        </p:txBody>
+      </p:sp>
+      <p:sp>
+        <p:nvSpPr>
+          <p:cNvPr id="13" name="Rectangle: Rounded Corners 12">
+            <a:extLst>
+              <a:ext uri="{FF2B5EF4-FFF2-40B4-BE49-F238E27FC236}">
+                <a16:creationId xmlns:a16="http://schemas.microsoft.com/office/drawing/2014/main" id="{065E1261-6D75-9435-0F09-8380E237FB72}"/>
               </a:ext>
             </a:extLst>
           </p:cNvPr>
@@ -8949,7 +10300,7 @@
                   <a:schemeClr val="tx1"/>
                 </a:solidFill>
               </a:rPr>
-              <a:t>segments_cf_poly_metrics_abs_4326.geojson</a:t>
+              <a:t>segments_cf_poly_metrics_norm_4326.geojson</a:t>
             </a:r>
           </a:p>
           <a:p>
@@ -8960,24 +10311,35 @@
                   <a:schemeClr val="tx1"/>
                 </a:solidFill>
               </a:rPr>
-              <a:t>tlv_logistics_s2d.js</a:t>
+              <a:t>street_segments25.js</a:t>
+            </a:r>
+          </a:p>
+          <a:p>
+            <a:pPr algn="ctr"/>
+            <a:r>
+              <a:rPr lang="en-US" sz="1400" dirty="0">
+                <a:solidFill>
+                  <a:schemeClr val="tx1"/>
+                </a:solidFill>
+              </a:rPr>
+              <a:t>average_stdev.js</a:t>
             </a:r>
           </a:p>
         </p:txBody>
       </p:sp>
       <p:cxnSp>
         <p:nvCxnSpPr>
-          <p:cNvPr id="6" name="Straight Arrow Connector 5">
-            <a:extLst>
-              <a:ext uri="{FF2B5EF4-FFF2-40B4-BE49-F238E27FC236}">
-                <a16:creationId xmlns:a16="http://schemas.microsoft.com/office/drawing/2014/main" id="{C3D39D2F-2602-C6A8-9C48-FE07EFDF104E}"/>
+          <p:cNvPr id="14" name="Straight Arrow Connector 13">
+            <a:extLst>
+              <a:ext uri="{FF2B5EF4-FFF2-40B4-BE49-F238E27FC236}">
+                <a16:creationId xmlns:a16="http://schemas.microsoft.com/office/drawing/2014/main" id="{704C3348-56E2-45CA-DD2B-2A1066EDF5FA}"/>
               </a:ext>
             </a:extLst>
           </p:cNvPr>
           <p:cNvCxnSpPr>
             <a:cxnSpLocks/>
             <a:stCxn id="2" idx="2"/>
-            <a:endCxn id="4" idx="0"/>
+            <a:endCxn id="10" idx="0"/>
           </p:cNvCxnSpPr>
           <p:nvPr/>
         </p:nvCxnSpPr>
@@ -9010,17 +10372,17 @@
       </p:cxnSp>
       <p:cxnSp>
         <p:nvCxnSpPr>
-          <p:cNvPr id="7" name="Straight Arrow Connector 6">
-            <a:extLst>
-              <a:ext uri="{FF2B5EF4-FFF2-40B4-BE49-F238E27FC236}">
-                <a16:creationId xmlns:a16="http://schemas.microsoft.com/office/drawing/2014/main" id="{8C4EF2A3-5D7D-57EA-3607-BF44D5967F9B}"/>
+          <p:cNvPr id="19" name="Straight Arrow Connector 18">
+            <a:extLst>
+              <a:ext uri="{FF2B5EF4-FFF2-40B4-BE49-F238E27FC236}">
+                <a16:creationId xmlns:a16="http://schemas.microsoft.com/office/drawing/2014/main" id="{DEC3A6E9-632D-E0FA-B5E4-2E88D9580BCE}"/>
               </a:ext>
             </a:extLst>
           </p:cNvPr>
           <p:cNvCxnSpPr>
             <a:cxnSpLocks/>
-            <a:stCxn id="4" idx="2"/>
-            <a:endCxn id="5" idx="0"/>
+            <a:stCxn id="10" idx="2"/>
+            <a:endCxn id="13" idx="0"/>
           </p:cNvCxnSpPr>
           <p:nvPr/>
         </p:nvCxnSpPr>
@@ -9053,10 +10415,10 @@
       </p:cxnSp>
       <p:sp>
         <p:nvSpPr>
-          <p:cNvPr id="8" name="Rectangle: Rounded Corners 7">
-            <a:extLst>
-              <a:ext uri="{FF2B5EF4-FFF2-40B4-BE49-F238E27FC236}">
-                <a16:creationId xmlns:a16="http://schemas.microsoft.com/office/drawing/2014/main" id="{5461CCA3-2E2A-637F-A36E-C9BFE293E15C}"/>
+          <p:cNvPr id="46" name="Rectangle: Rounded Corners 45">
+            <a:extLst>
+              <a:ext uri="{FF2B5EF4-FFF2-40B4-BE49-F238E27FC236}">
+                <a16:creationId xmlns:a16="http://schemas.microsoft.com/office/drawing/2014/main" id="{B3AB1C08-23F2-CA68-E4A2-F67D1EAACC22}"/>
               </a:ext>
             </a:extLst>
           </p:cNvPr>
@@ -9065,7 +10427,7 @@
         </p:nvSpPr>
         <p:spPr>
           <a:xfrm>
-            <a:off x="6589993" y="5112147"/>
+            <a:off x="6605752" y="4787400"/>
             <a:ext cx="2104601" cy="361555"/>
           </a:xfrm>
           <a:prstGeom prst="roundRect">
@@ -9107,17 +10469,17 @@
                   <a:schemeClr val="tx1"/>
                 </a:solidFill>
               </a:rPr>
-              <a:t>tlv_logistics_s2d.js</a:t>
-            </a:r>
-          </a:p>
-        </p:txBody>
-      </p:sp>
-      <p:sp>
-        <p:nvSpPr>
-          <p:cNvPr id="9" name="TextBox 8">
-            <a:extLst>
-              <a:ext uri="{FF2B5EF4-FFF2-40B4-BE49-F238E27FC236}">
-                <a16:creationId xmlns:a16="http://schemas.microsoft.com/office/drawing/2014/main" id="{9A6B47C6-9E11-2733-DA70-6F41E67556FD}"/>
+              <a:t>street_segments25.js</a:t>
+            </a:r>
+          </a:p>
+        </p:txBody>
+      </p:sp>
+      <p:sp>
+        <p:nvSpPr>
+          <p:cNvPr id="47" name="TextBox 46">
+            <a:extLst>
+              <a:ext uri="{FF2B5EF4-FFF2-40B4-BE49-F238E27FC236}">
+                <a16:creationId xmlns:a16="http://schemas.microsoft.com/office/drawing/2014/main" id="{EC38A9EC-3D42-A2E4-52BC-E5FAAB862259}"/>
               </a:ext>
             </a:extLst>
           </p:cNvPr>
@@ -9258,10 +10620,10 @@
       </p:sp>
       <p:sp>
         <p:nvSpPr>
-          <p:cNvPr id="10" name="Rectangle: Rounded Corners 9">
-            <a:extLst>
-              <a:ext uri="{FF2B5EF4-FFF2-40B4-BE49-F238E27FC236}">
-                <a16:creationId xmlns:a16="http://schemas.microsoft.com/office/drawing/2014/main" id="{1B21B3EE-6D89-7AAE-3013-42E8AA441B8B}"/>
+          <p:cNvPr id="48" name="Rectangle: Rounded Corners 47">
+            <a:extLst>
+              <a:ext uri="{FF2B5EF4-FFF2-40B4-BE49-F238E27FC236}">
+                <a16:creationId xmlns:a16="http://schemas.microsoft.com/office/drawing/2014/main" id="{7F65FB0E-5553-505F-97A9-E60728573CA5}"/>
               </a:ext>
             </a:extLst>
           </p:cNvPr>
@@ -9321,10 +10683,10 @@
       </p:sp>
       <p:sp>
         <p:nvSpPr>
-          <p:cNvPr id="11" name="Rectangle 10">
-            <a:extLst>
-              <a:ext uri="{FF2B5EF4-FFF2-40B4-BE49-F238E27FC236}">
-                <a16:creationId xmlns:a16="http://schemas.microsoft.com/office/drawing/2014/main" id="{FD49623D-4139-1461-B142-031BD9BC4EB1}"/>
+          <p:cNvPr id="49" name="Rectangle 48">
+            <a:extLst>
+              <a:ext uri="{FF2B5EF4-FFF2-40B4-BE49-F238E27FC236}">
+                <a16:creationId xmlns:a16="http://schemas.microsoft.com/office/drawing/2014/main" id="{771E4C31-A76D-868B-92BA-C16B87B3E930}"/>
               </a:ext>
             </a:extLst>
           </p:cNvPr>
@@ -9374,24 +10736,24 @@
       </p:sp>
       <p:cxnSp>
         <p:nvCxnSpPr>
-          <p:cNvPr id="12" name="Straight Arrow Connector 11">
-            <a:extLst>
-              <a:ext uri="{FF2B5EF4-FFF2-40B4-BE49-F238E27FC236}">
-                <a16:creationId xmlns:a16="http://schemas.microsoft.com/office/drawing/2014/main" id="{BF471863-C5F8-2E3B-4207-D8C7F41810E8}"/>
+          <p:cNvPr id="50" name="Straight Arrow Connector 49">
+            <a:extLst>
+              <a:ext uri="{FF2B5EF4-FFF2-40B4-BE49-F238E27FC236}">
+                <a16:creationId xmlns:a16="http://schemas.microsoft.com/office/drawing/2014/main" id="{B35231E5-F5DC-55EA-77F6-22D1303CF77A}"/>
               </a:ext>
             </a:extLst>
           </p:cNvPr>
           <p:cNvCxnSpPr>
             <a:cxnSpLocks/>
-            <a:stCxn id="8" idx="3"/>
-            <a:endCxn id="9" idx="1"/>
+            <a:stCxn id="46" idx="3"/>
+            <a:endCxn id="47" idx="1"/>
           </p:cNvCxnSpPr>
           <p:nvPr/>
         </p:nvCxnSpPr>
         <p:spPr>
-          <a:xfrm flipV="1">
-            <a:off x="8694594" y="5284708"/>
-            <a:ext cx="416608" cy="8217"/>
+          <a:xfrm>
+            <a:off x="8710353" y="4968178"/>
+            <a:ext cx="400849" cy="316530"/>
           </a:xfrm>
           <a:prstGeom prst="straightConnector1">
             <a:avLst/>
@@ -9417,26 +10779,177 @@
           </a:fontRef>
         </p:style>
       </p:cxnSp>
+      <p:sp>
+        <p:nvSpPr>
+          <p:cNvPr id="52" name="Rectangle: Rounded Corners 51">
+            <a:extLst>
+              <a:ext uri="{FF2B5EF4-FFF2-40B4-BE49-F238E27FC236}">
+                <a16:creationId xmlns:a16="http://schemas.microsoft.com/office/drawing/2014/main" id="{7D6B483F-C009-C24E-2C32-E2BE00F9D78A}"/>
+              </a:ext>
+            </a:extLst>
+          </p:cNvPr>
+          <p:cNvSpPr/>
+          <p:nvPr/>
+        </p:nvSpPr>
+        <p:spPr>
+          <a:xfrm>
+            <a:off x="6929003" y="5490042"/>
+            <a:ext cx="1721224" cy="361555"/>
+          </a:xfrm>
+          <a:prstGeom prst="roundRect">
+            <a:avLst/>
+          </a:prstGeom>
+          <a:solidFill>
+            <a:schemeClr val="bg1"/>
+          </a:solidFill>
+          <a:ln w="12700">
+            <a:solidFill>
+              <a:schemeClr val="tx1"/>
+            </a:solidFill>
+          </a:ln>
+        </p:spPr>
+        <p:style>
+          <a:lnRef idx="2">
+            <a:schemeClr val="accent1">
+              <a:shade val="50000"/>
+            </a:schemeClr>
+          </a:lnRef>
+          <a:fillRef idx="1">
+            <a:schemeClr val="accent1"/>
+          </a:fillRef>
+          <a:effectRef idx="0">
+            <a:schemeClr val="accent1"/>
+          </a:effectRef>
+          <a:fontRef idx="minor">
+            <a:schemeClr val="lt1"/>
+          </a:fontRef>
+        </p:style>
+        <p:txBody>
+          <a:bodyPr rtlCol="0" anchor="ctr"/>
+          <a:lstStyle/>
+          <a:p>
+            <a:pPr algn="ctr"/>
+            <a:r>
+              <a:rPr lang="en-US" sz="1400" dirty="0">
+                <a:solidFill>
+                  <a:schemeClr val="tx1"/>
+                </a:solidFill>
+              </a:rPr>
+              <a:t>average_stdev.js</a:t>
+            </a:r>
+          </a:p>
+        </p:txBody>
+      </p:sp>
       <p:cxnSp>
         <p:nvCxnSpPr>
-          <p:cNvPr id="15" name="Straight Arrow Connector 14">
-            <a:extLst>
-              <a:ext uri="{FF2B5EF4-FFF2-40B4-BE49-F238E27FC236}">
-                <a16:creationId xmlns:a16="http://schemas.microsoft.com/office/drawing/2014/main" id="{4C608087-F0B4-F5B0-987E-26A7A421F109}"/>
+          <p:cNvPr id="54" name="Straight Arrow Connector 53">
+            <a:extLst>
+              <a:ext uri="{FF2B5EF4-FFF2-40B4-BE49-F238E27FC236}">
+                <a16:creationId xmlns:a16="http://schemas.microsoft.com/office/drawing/2014/main" id="{29B94695-7460-FCE3-CFAB-9A9ED5AF9EBA}"/>
               </a:ext>
             </a:extLst>
           </p:cNvPr>
           <p:cNvCxnSpPr>
             <a:cxnSpLocks/>
-            <a:stCxn id="8" idx="1"/>
-            <a:endCxn id="5" idx="3"/>
+            <a:stCxn id="52" idx="3"/>
+            <a:endCxn id="47" idx="1"/>
           </p:cNvCxnSpPr>
           <p:nvPr/>
         </p:nvCxnSpPr>
         <p:spPr>
+          <a:xfrm flipV="1">
+            <a:off x="8650227" y="5284708"/>
+            <a:ext cx="460975" cy="386112"/>
+          </a:xfrm>
+          <a:prstGeom prst="straightConnector1">
+            <a:avLst/>
+          </a:prstGeom>
+          <a:ln w="12700">
+            <a:prstDash val="solid"/>
+            <a:headEnd type="none" w="med" len="med"/>
+            <a:tailEnd type="triangle" w="med" len="med"/>
+          </a:ln>
+        </p:spPr>
+        <p:style>
+          <a:lnRef idx="1">
+            <a:schemeClr val="accent1"/>
+          </a:lnRef>
+          <a:fillRef idx="0">
+            <a:schemeClr val="accent1"/>
+          </a:fillRef>
+          <a:effectRef idx="0">
+            <a:schemeClr val="accent1"/>
+          </a:effectRef>
+          <a:fontRef idx="minor">
+            <a:schemeClr val="tx1"/>
+          </a:fontRef>
+        </p:style>
+      </p:cxnSp>
+      <p:cxnSp>
+        <p:nvCxnSpPr>
+          <p:cNvPr id="80" name="Straight Arrow Connector 79">
+            <a:extLst>
+              <a:ext uri="{FF2B5EF4-FFF2-40B4-BE49-F238E27FC236}">
+                <a16:creationId xmlns:a16="http://schemas.microsoft.com/office/drawing/2014/main" id="{2CFE954F-A691-B012-9099-387D7EFA47B3}"/>
+              </a:ext>
+            </a:extLst>
+          </p:cNvPr>
+          <p:cNvCxnSpPr>
+            <a:cxnSpLocks/>
+            <a:stCxn id="46" idx="1"/>
+            <a:endCxn id="13" idx="3"/>
+          </p:cNvCxnSpPr>
+          <p:nvPr/>
+        </p:nvCxnSpPr>
+        <p:spPr>
+          <a:xfrm flipH="1">
+            <a:off x="5865214" y="4968178"/>
+            <a:ext cx="740538" cy="245010"/>
+          </a:xfrm>
+          <a:prstGeom prst="straightConnector1">
+            <a:avLst/>
+          </a:prstGeom>
+          <a:ln>
+            <a:prstDash val="dash"/>
+            <a:headEnd type="triangle" w="med" len="med"/>
+            <a:tailEnd type="none" w="med" len="med"/>
+          </a:ln>
+        </p:spPr>
+        <p:style>
+          <a:lnRef idx="1">
+            <a:schemeClr val="accent1"/>
+          </a:lnRef>
+          <a:fillRef idx="0">
+            <a:schemeClr val="accent1"/>
+          </a:fillRef>
+          <a:effectRef idx="0">
+            <a:schemeClr val="accent1"/>
+          </a:effectRef>
+          <a:fontRef idx="minor">
+            <a:schemeClr val="tx1"/>
+          </a:fontRef>
+        </p:style>
+      </p:cxnSp>
+      <p:cxnSp>
+        <p:nvCxnSpPr>
+          <p:cNvPr id="81" name="Straight Arrow Connector 80">
+            <a:extLst>
+              <a:ext uri="{FF2B5EF4-FFF2-40B4-BE49-F238E27FC236}">
+                <a16:creationId xmlns:a16="http://schemas.microsoft.com/office/drawing/2014/main" id="{071A4F5C-07B9-F822-8E7E-DA8F3CFAAD07}"/>
+              </a:ext>
+            </a:extLst>
+          </p:cNvPr>
+          <p:cNvCxnSpPr>
+            <a:cxnSpLocks/>
+            <a:stCxn id="52" idx="1"/>
+            <a:endCxn id="13" idx="3"/>
+          </p:cNvCxnSpPr>
+          <p:nvPr/>
+        </p:nvCxnSpPr>
+        <p:spPr>
           <a:xfrm flipH="1" flipV="1">
             <a:off x="5865214" y="5213188"/>
-            <a:ext cx="724779" cy="79737"/>
+            <a:ext cx="1063789" cy="457632"/>
           </a:xfrm>
           <a:prstGeom prst="straightConnector1">
             <a:avLst/>
@@ -9465,7 +10978,7 @@
     </p:spTree>
     <p:extLst>
       <p:ext uri="{BB962C8B-B14F-4D97-AF65-F5344CB8AC3E}">
-        <p14:creationId xmlns:p14="http://schemas.microsoft.com/office/powerpoint/2010/main" val="17579035"/>
+        <p14:creationId xmlns:p14="http://schemas.microsoft.com/office/powerpoint/2010/main" val="4047472076"/>
       </p:ext>
     </p:extLst>
   </p:cSld>
